--- a/20131010_TypeScript.pptx
+++ b/20131010_TypeScript.pptx
@@ -3,32 +3,33 @@
 <p:presentation xmlns:a="http://schemas.openxmlformats.org/drawingml/2006/main" xmlns:r="http://schemas.openxmlformats.org/officeDocument/2006/relationships" xmlns:p="http://schemas.openxmlformats.org/presentationml/2006/main" saveSubsetFonts="1">
   <p:sldMasterIdLst>
     <p:sldMasterId id="2147483684" r:id="rId1"/>
-    <p:sldMasterId id="2147483702" r:id="rId2"/>
   </p:sldMasterIdLst>
   <p:notesMasterIdLst>
-    <p:notesMasterId r:id="rId23"/>
+    <p:notesMasterId r:id="rId24"/>
   </p:notesMasterIdLst>
   <p:sldIdLst>
+    <p:sldId id="379" r:id="rId2"/>
     <p:sldId id="256" r:id="rId3"/>
-    <p:sldId id="378" r:id="rId4"/>
-    <p:sldId id="354" r:id="rId5"/>
-    <p:sldId id="356" r:id="rId6"/>
-    <p:sldId id="357" r:id="rId7"/>
-    <p:sldId id="370" r:id="rId8"/>
-    <p:sldId id="359" r:id="rId9"/>
-    <p:sldId id="373" r:id="rId10"/>
-    <p:sldId id="355" r:id="rId11"/>
-    <p:sldId id="371" r:id="rId12"/>
-    <p:sldId id="364" r:id="rId13"/>
-    <p:sldId id="361" r:id="rId14"/>
-    <p:sldId id="376" r:id="rId15"/>
-    <p:sldId id="375" r:id="rId16"/>
-    <p:sldId id="367" r:id="rId17"/>
-    <p:sldId id="369" r:id="rId18"/>
-    <p:sldId id="363" r:id="rId19"/>
-    <p:sldId id="358" r:id="rId20"/>
-    <p:sldId id="377" r:id="rId21"/>
-    <p:sldId id="261" r:id="rId22"/>
+    <p:sldId id="354" r:id="rId4"/>
+    <p:sldId id="356" r:id="rId5"/>
+    <p:sldId id="357" r:id="rId6"/>
+    <p:sldId id="370" r:id="rId7"/>
+    <p:sldId id="359" r:id="rId8"/>
+    <p:sldId id="373" r:id="rId9"/>
+    <p:sldId id="355" r:id="rId10"/>
+    <p:sldId id="371" r:id="rId11"/>
+    <p:sldId id="364" r:id="rId12"/>
+    <p:sldId id="361" r:id="rId13"/>
+    <p:sldId id="376" r:id="rId14"/>
+    <p:sldId id="375" r:id="rId15"/>
+    <p:sldId id="367" r:id="rId16"/>
+    <p:sldId id="369" r:id="rId17"/>
+    <p:sldId id="363" r:id="rId18"/>
+    <p:sldId id="358" r:id="rId19"/>
+    <p:sldId id="377" r:id="rId20"/>
+    <p:sldId id="261" r:id="rId21"/>
+    <p:sldId id="380" r:id="rId22"/>
+    <p:sldId id="381" r:id="rId23"/>
   </p:sldIdLst>
   <p:sldSz cx="9144000" cy="6858000" type="screen4x3"/>
   <p:notesSz cx="6858000" cy="9144000"/>
@@ -228,7 +229,7 @@
           <a:p>
             <a:fld id="{6EBE45C2-1147-4836-8E0B-E6D95AAC8987}" type="datetimeFigureOut">
               <a:rPr lang="en-US" smtClean="0"/>
-              <a:t>8/17/2013</a:t>
+              <a:t>10/10/2013</a:t>
             </a:fld>
             <a:endParaRPr lang="en-US"/>
           </a:p>
@@ -537,21 +538,46 @@
         </p:nvSpPr>
         <p:spPr/>
         <p:txBody>
+          <a:bodyPr>
+            <a:normAutofit/>
+          </a:bodyPr>
+          <a:lstStyle/>
+          <a:p>
+            <a:endParaRPr lang="en-US" dirty="0"/>
+          </a:p>
+        </p:txBody>
+      </p:sp>
+      <p:sp>
+        <p:nvSpPr>
+          <p:cNvPr id="4" name="Header Placeholder 3"/>
+          <p:cNvSpPr>
+            <a:spLocks noGrp="1"/>
+          </p:cNvSpPr>
+          <p:nvPr>
+            <p:ph type="hdr" sz="quarter" idx="10"/>
+          </p:nvPr>
+        </p:nvSpPr>
+        <p:spPr/>
+        <p:txBody>
           <a:bodyPr/>
           <a:lstStyle/>
           <a:p>
+            <a:r>
+              <a:rPr lang="en-US" dirty="0" smtClean="0"/>
+              <a:t>TechReady11</a:t>
+            </a:r>
             <a:endParaRPr lang="en-US" dirty="0"/>
           </a:p>
         </p:txBody>
       </p:sp>
       <p:sp>
         <p:nvSpPr>
-          <p:cNvPr id="4" name="Slide Number Placeholder 3"/>
-          <p:cNvSpPr>
-            <a:spLocks noGrp="1"/>
-          </p:cNvSpPr>
-          <p:nvPr>
-            <p:ph type="sldNum" sz="quarter" idx="10"/>
+          <p:cNvPr id="5" name="Date Placeholder 4"/>
+          <p:cNvSpPr>
+            <a:spLocks noGrp="1"/>
+          </p:cNvSpPr>
+          <p:nvPr>
+            <p:ph type="dt" idx="11"/>
           </p:nvPr>
         </p:nvSpPr>
         <p:spPr/>
@@ -559,27 +585,571 @@
           <a:bodyPr/>
           <a:lstStyle/>
           <a:p>
-            <a:fld id="{F6049A0C-FE75-411F-BF3B-F72FD68A2FF5}" type="slidenum">
-              <a:rPr lang="en-US" smtClean="0">
-                <a:solidFill>
-                  <a:prstClr val="black"/>
-                </a:solidFill>
+            <a:fld id="{81331B57-0BE5-4F82-AA58-76F53EFF3ADA}" type="datetime8">
+              <a:rPr lang="en-US" smtClean="0"/>
+              <a:pPr/>
+              <a:t>10/10/2013 9:10 PM</a:t>
+            </a:fld>
+            <a:endParaRPr lang="en-US" dirty="0"/>
+          </a:p>
+        </p:txBody>
+      </p:sp>
+      <p:sp>
+        <p:nvSpPr>
+          <p:cNvPr id="6" name="Footer Placeholder 5"/>
+          <p:cNvSpPr>
+            <a:spLocks noGrp="1"/>
+          </p:cNvSpPr>
+          <p:nvPr>
+            <p:ph type="ftr" sz="quarter" idx="12"/>
+          </p:nvPr>
+        </p:nvSpPr>
+        <p:spPr>
+          <a:xfrm>
+            <a:off x="0" y="8685213"/>
+            <a:ext cx="6172200" cy="457200"/>
+          </a:xfrm>
+        </p:spPr>
+        <p:txBody>
+          <a:bodyPr/>
+          <a:lstStyle/>
+          <a:p>
+            <a:r>
+              <a:rPr lang="en-US" sz="500" dirty="0" smtClean="0">
+                <a:solidFill>
+                  <a:srgbClr val="000000"/>
+                </a:solidFill>
+                <a:latin typeface="Segoe UI" pitchFamily="34" charset="0"/>
               </a:rPr>
+              <a:t>© 2010 Microsoft Corporation. All rights reserved. Microsoft, Windows, Windows Vista and other product names are or may be registered trademarks and/or trademarks in the U.S. and/or other countries.</a:t>
+            </a:r>
+          </a:p>
+          <a:p>
+            <a:r>
+              <a:rPr lang="en-US" sz="500" dirty="0" smtClean="0">
+                <a:solidFill>
+                  <a:srgbClr val="000000"/>
+                </a:solidFill>
+                <a:latin typeface="Segoe UI" pitchFamily="34" charset="0"/>
+              </a:rPr>
+              <a:t>The information herein is for informational purposes only and represents the current view of Microsoft Corporation as of the date of this presentation.  Because Microsoft must respond to changing market conditions, it should not be interpreted to be a commitment on the part of Microsoft, and Microsoft cannot guarantee the accuracy of any information provided after the date of this presentation.  </a:t>
+            </a:r>
+            <a:br>
+              <a:rPr lang="en-US" sz="500" dirty="0" smtClean="0">
+                <a:solidFill>
+                  <a:srgbClr val="000000"/>
+                </a:solidFill>
+                <a:latin typeface="Segoe UI" pitchFamily="34" charset="0"/>
+              </a:rPr>
+            </a:br>
+            <a:r>
+              <a:rPr lang="en-US" sz="500" dirty="0" smtClean="0">
+                <a:solidFill>
+                  <a:srgbClr val="000000"/>
+                </a:solidFill>
+                <a:latin typeface="Segoe UI" pitchFamily="34" charset="0"/>
+              </a:rPr>
+              <a:t>MICROSOFT MAKES NO WARRANTIES, EXPRESS, IMPLIED OR STATUTORY, AS TO THE INFORMATION IN THIS PRESENTATION.</a:t>
+            </a:r>
+          </a:p>
+          <a:p>
+            <a:endParaRPr lang="en-US" sz="500" dirty="0">
+              <a:latin typeface="Segoe UI" pitchFamily="34" charset="0"/>
+            </a:endParaRPr>
+          </a:p>
+        </p:txBody>
+      </p:sp>
+      <p:sp>
+        <p:nvSpPr>
+          <p:cNvPr id="7" name="Slide Number Placeholder 6"/>
+          <p:cNvSpPr>
+            <a:spLocks noGrp="1"/>
+          </p:cNvSpPr>
+          <p:nvPr>
+            <p:ph type="sldNum" sz="quarter" idx="13"/>
+          </p:nvPr>
+        </p:nvSpPr>
+        <p:spPr>
+          <a:xfrm>
+            <a:off x="6172199" y="8685213"/>
+            <a:ext cx="684213" cy="457200"/>
+          </a:xfrm>
+        </p:spPr>
+        <p:txBody>
+          <a:bodyPr/>
+          <a:lstStyle/>
+          <a:p>
+            <a:fld id="{EC87E0CF-87F6-4B58-B8B8-DCAB2DAAF3CA}" type="slidenum">
+              <a:rPr lang="en-US" smtClean="0"/>
               <a:pPr/>
-              <a:t>2</a:t>
+              <a:t>1</a:t>
             </a:fld>
-            <a:endParaRPr lang="en-US">
-              <a:solidFill>
-                <a:prstClr val="black"/>
-              </a:solidFill>
-            </a:endParaRPr>
+            <a:endParaRPr lang="en-US" dirty="0"/>
           </a:p>
         </p:txBody>
       </p:sp>
     </p:spTree>
     <p:extLst>
       <p:ext uri="{BB962C8B-B14F-4D97-AF65-F5344CB8AC3E}">
-        <p14:creationId xmlns:p14="http://schemas.microsoft.com/office/powerpoint/2010/main" val="36020123"/>
+        <p14:creationId xmlns:p14="http://schemas.microsoft.com/office/powerpoint/2010/main" val="442040465"/>
+      </p:ext>
+    </p:extLst>
+  </p:cSld>
+  <p:clrMapOvr>
+    <a:masterClrMapping/>
+  </p:clrMapOvr>
+</p:notes>
+</file>
+
+<file path=ppt/notesSlides/notesSlide2.xml><?xml version="1.0" encoding="utf-8"?>
+<p:notes xmlns:a="http://schemas.openxmlformats.org/drawingml/2006/main" xmlns:r="http://schemas.openxmlformats.org/officeDocument/2006/relationships" xmlns:p="http://schemas.openxmlformats.org/presentationml/2006/main">
+  <p:cSld>
+    <p:spTree>
+      <p:nvGrpSpPr>
+        <p:cNvPr id="1" name=""/>
+        <p:cNvGrpSpPr/>
+        <p:nvPr/>
+      </p:nvGrpSpPr>
+      <p:grpSpPr>
+        <a:xfrm>
+          <a:off x="0" y="0"/>
+          <a:ext cx="0" cy="0"/>
+          <a:chOff x="0" y="0"/>
+          <a:chExt cx="0" cy="0"/>
+        </a:xfrm>
+      </p:grpSpPr>
+      <p:sp>
+        <p:nvSpPr>
+          <p:cNvPr id="75777" name="Slide Image Placeholder 1"/>
+          <p:cNvSpPr>
+            <a:spLocks noGrp="1" noRot="1" noChangeAspect="1"/>
+          </p:cNvSpPr>
+          <p:nvPr>
+            <p:ph type="sldImg"/>
+          </p:nvPr>
+        </p:nvSpPr>
+        <p:spPr bwMode="auto">
+          <a:noFill/>
+          <a:ln>
+            <a:solidFill>
+              <a:srgbClr val="000000"/>
+            </a:solidFill>
+            <a:miter lim="800000"/>
+            <a:headEnd/>
+            <a:tailEnd/>
+          </a:ln>
+        </p:spPr>
+      </p:sp>
+      <p:sp>
+        <p:nvSpPr>
+          <p:cNvPr id="75778" name="Notes Placeholder 2"/>
+          <p:cNvSpPr>
+            <a:spLocks noGrp="1"/>
+          </p:cNvSpPr>
+          <p:nvPr>
+            <p:ph type="body" idx="1"/>
+          </p:nvPr>
+        </p:nvSpPr>
+        <p:spPr bwMode="auto">
+          <a:noFill/>
+        </p:spPr>
+        <p:txBody>
+          <a:bodyPr wrap="square" numCol="1" anchor="t" anchorCtr="0" compatLnSpc="1">
+            <a:prstTxWarp prst="textNoShape">
+              <a:avLst/>
+            </a:prstTxWarp>
+          </a:bodyPr>
+          <a:lstStyle/>
+          <a:p>
+            <a:endParaRPr lang="en-US" dirty="0" smtClean="0">
+              <a:latin typeface="Segoe"/>
+            </a:endParaRPr>
+          </a:p>
+        </p:txBody>
+      </p:sp>
+      <p:sp>
+        <p:nvSpPr>
+          <p:cNvPr id="4" name="Header Placeholder 3"/>
+          <p:cNvSpPr>
+            <a:spLocks noGrp="1"/>
+          </p:cNvSpPr>
+          <p:nvPr>
+            <p:ph type="hdr" sz="quarter"/>
+          </p:nvPr>
+        </p:nvSpPr>
+        <p:spPr/>
+        <p:txBody>
+          <a:bodyPr/>
+          <a:lstStyle/>
+          <a:p>
+            <a:pPr>
+              <a:defRPr/>
+            </a:pPr>
+            <a:endParaRPr lang="en-US" dirty="0"/>
+          </a:p>
+        </p:txBody>
+      </p:sp>
+      <p:sp>
+        <p:nvSpPr>
+          <p:cNvPr id="5" name="Date Placeholder 4"/>
+          <p:cNvSpPr>
+            <a:spLocks noGrp="1"/>
+          </p:cNvSpPr>
+          <p:nvPr>
+            <p:ph type="dt" sz="quarter" idx="1"/>
+          </p:nvPr>
+        </p:nvSpPr>
+        <p:spPr/>
+        <p:txBody>
+          <a:bodyPr/>
+          <a:lstStyle/>
+          <a:p>
+            <a:pPr>
+              <a:defRPr/>
+            </a:pPr>
+            <a:fld id="{7C3FBCD4-166E-446F-AF18-7D4A0CF9AEF6}" type="datetimeFigureOut">
+              <a:rPr lang="en-US" smtClean="0"/>
+              <a:pPr>
+                <a:defRPr/>
+              </a:pPr>
+              <a:t>10/10/2013</a:t>
+            </a:fld>
+            <a:endParaRPr lang="en-US" dirty="0"/>
+          </a:p>
+        </p:txBody>
+      </p:sp>
+      <p:sp>
+        <p:nvSpPr>
+          <p:cNvPr id="75781" name="Footer Placeholder 5"/>
+          <p:cNvSpPr>
+            <a:spLocks noGrp="1"/>
+          </p:cNvSpPr>
+          <p:nvPr>
+            <p:ph type="ftr" sz="quarter" idx="4"/>
+          </p:nvPr>
+        </p:nvSpPr>
+        <p:spPr bwMode="auto">
+          <a:noFill/>
+          <a:ln>
+            <a:miter lim="800000"/>
+            <a:headEnd/>
+            <a:tailEnd/>
+          </a:ln>
+        </p:spPr>
+        <p:txBody>
+          <a:bodyPr wrap="square" numCol="1" anchorCtr="0" compatLnSpc="1">
+            <a:prstTxWarp prst="textNoShape">
+              <a:avLst/>
+            </a:prstTxWarp>
+          </a:bodyPr>
+          <a:lstStyle/>
+          <a:p>
+            <a:pPr defTabSz="912813" fontAlgn="base">
+              <a:spcBef>
+                <a:spcPct val="0"/>
+              </a:spcBef>
+              <a:spcAft>
+                <a:spcPct val="0"/>
+              </a:spcAft>
+            </a:pPr>
+            <a:r>
+              <a:rPr lang="en-US" dirty="0" smtClean="0">
+                <a:latin typeface="Segoe"/>
+              </a:rPr>
+              <a:t>© 2008 Microsoft Corporation. All rights reserved. Microsoft, Windows, Windows Vista and other product names are or may be registered trademarks and/or trademarks in the U.S. and/or other countries.</a:t>
+            </a:r>
+          </a:p>
+          <a:p>
+            <a:pPr defTabSz="912813" fontAlgn="base">
+              <a:spcBef>
+                <a:spcPct val="0"/>
+              </a:spcBef>
+              <a:spcAft>
+                <a:spcPct val="0"/>
+              </a:spcAft>
+            </a:pPr>
+            <a:r>
+              <a:rPr lang="en-US" dirty="0" smtClean="0">
+                <a:latin typeface="Segoe"/>
+              </a:rPr>
+              <a:t>The information herein is for informational purposes only and represents the current view of Microsoft Corporation as of the date of this presentation.  Because Microsoft must respond to changing market conditions, it should not be interpreted to be a commitment on the part of Microsoft, and Microsoft cannot guarantee the accuracy of any information provided after the date of this presentation.  </a:t>
+            </a:r>
+            <a:br>
+              <a:rPr lang="en-US" dirty="0" smtClean="0">
+                <a:latin typeface="Segoe"/>
+              </a:rPr>
+            </a:br>
+            <a:r>
+              <a:rPr lang="en-US" dirty="0" smtClean="0">
+                <a:latin typeface="Segoe"/>
+              </a:rPr>
+              <a:t>MICROSOFT MAKES NO WARRANTIES, EXPRESS, IMPLIED OR STATUTORY, AS TO THE INFORMATION IN THIS PRESENTATION.</a:t>
+            </a:r>
+          </a:p>
+        </p:txBody>
+      </p:sp>
+      <p:sp>
+        <p:nvSpPr>
+          <p:cNvPr id="7" name="Slide Number Placeholder 6"/>
+          <p:cNvSpPr>
+            <a:spLocks noGrp="1"/>
+          </p:cNvSpPr>
+          <p:nvPr>
+            <p:ph type="sldNum" sz="quarter" idx="5"/>
+          </p:nvPr>
+        </p:nvSpPr>
+        <p:spPr/>
+        <p:txBody>
+          <a:bodyPr/>
+          <a:lstStyle/>
+          <a:p>
+            <a:pPr>
+              <a:defRPr/>
+            </a:pPr>
+            <a:fld id="{48A3A8EF-36F7-4A46-A399-67437408F551}" type="slidenum">
+              <a:rPr lang="en-US" smtClean="0"/>
+              <a:pPr>
+                <a:defRPr/>
+              </a:pPr>
+              <a:t>21</a:t>
+            </a:fld>
+            <a:endParaRPr lang="en-US" dirty="0"/>
+          </a:p>
+        </p:txBody>
+      </p:sp>
+    </p:spTree>
+    <p:extLst>
+      <p:ext uri="{BB962C8B-B14F-4D97-AF65-F5344CB8AC3E}">
+        <p14:creationId xmlns:p14="http://schemas.microsoft.com/office/powerpoint/2010/main" val="724525059"/>
+      </p:ext>
+    </p:extLst>
+  </p:cSld>
+  <p:clrMapOvr>
+    <a:masterClrMapping/>
+  </p:clrMapOvr>
+</p:notes>
+</file>
+
+<file path=ppt/notesSlides/notesSlide3.xml><?xml version="1.0" encoding="utf-8"?>
+<p:notes xmlns:a="http://schemas.openxmlformats.org/drawingml/2006/main" xmlns:r="http://schemas.openxmlformats.org/officeDocument/2006/relationships" xmlns:p="http://schemas.openxmlformats.org/presentationml/2006/main">
+  <p:cSld>
+    <p:spTree>
+      <p:nvGrpSpPr>
+        <p:cNvPr id="1" name=""/>
+        <p:cNvGrpSpPr/>
+        <p:nvPr/>
+      </p:nvGrpSpPr>
+      <p:grpSpPr>
+        <a:xfrm>
+          <a:off x="0" y="0"/>
+          <a:ext cx="0" cy="0"/>
+          <a:chOff x="0" y="0"/>
+          <a:chExt cx="0" cy="0"/>
+        </a:xfrm>
+      </p:grpSpPr>
+      <p:sp>
+        <p:nvSpPr>
+          <p:cNvPr id="75777" name="Slide Image Placeholder 1"/>
+          <p:cNvSpPr>
+            <a:spLocks noGrp="1" noRot="1" noChangeAspect="1"/>
+          </p:cNvSpPr>
+          <p:nvPr>
+            <p:ph type="sldImg"/>
+          </p:nvPr>
+        </p:nvSpPr>
+        <p:spPr bwMode="auto">
+          <a:noFill/>
+          <a:ln>
+            <a:solidFill>
+              <a:srgbClr val="000000"/>
+            </a:solidFill>
+            <a:miter lim="800000"/>
+            <a:headEnd/>
+            <a:tailEnd/>
+          </a:ln>
+        </p:spPr>
+      </p:sp>
+      <p:sp>
+        <p:nvSpPr>
+          <p:cNvPr id="75778" name="Notes Placeholder 2"/>
+          <p:cNvSpPr>
+            <a:spLocks noGrp="1"/>
+          </p:cNvSpPr>
+          <p:nvPr>
+            <p:ph type="body" idx="1"/>
+          </p:nvPr>
+        </p:nvSpPr>
+        <p:spPr bwMode="auto">
+          <a:noFill/>
+        </p:spPr>
+        <p:txBody>
+          <a:bodyPr wrap="square" numCol="1" anchor="t" anchorCtr="0" compatLnSpc="1">
+            <a:prstTxWarp prst="textNoShape">
+              <a:avLst/>
+            </a:prstTxWarp>
+          </a:bodyPr>
+          <a:lstStyle/>
+          <a:p>
+            <a:endParaRPr lang="en-US" dirty="0" smtClean="0">
+              <a:latin typeface="Segoe"/>
+            </a:endParaRPr>
+          </a:p>
+        </p:txBody>
+      </p:sp>
+      <p:sp>
+        <p:nvSpPr>
+          <p:cNvPr id="4" name="Header Placeholder 3"/>
+          <p:cNvSpPr>
+            <a:spLocks noGrp="1"/>
+          </p:cNvSpPr>
+          <p:nvPr>
+            <p:ph type="hdr" sz="quarter"/>
+          </p:nvPr>
+        </p:nvSpPr>
+        <p:spPr/>
+        <p:txBody>
+          <a:bodyPr/>
+          <a:lstStyle/>
+          <a:p>
+            <a:pPr>
+              <a:defRPr/>
+            </a:pPr>
+            <a:endParaRPr lang="en-US" dirty="0"/>
+          </a:p>
+        </p:txBody>
+      </p:sp>
+      <p:sp>
+        <p:nvSpPr>
+          <p:cNvPr id="5" name="Date Placeholder 4"/>
+          <p:cNvSpPr>
+            <a:spLocks noGrp="1"/>
+          </p:cNvSpPr>
+          <p:nvPr>
+            <p:ph type="dt" sz="quarter" idx="1"/>
+          </p:nvPr>
+        </p:nvSpPr>
+        <p:spPr/>
+        <p:txBody>
+          <a:bodyPr/>
+          <a:lstStyle/>
+          <a:p>
+            <a:pPr>
+              <a:defRPr/>
+            </a:pPr>
+            <a:fld id="{7C3FBCD4-166E-446F-AF18-7D4A0CF9AEF6}" type="datetimeFigureOut">
+              <a:rPr lang="en-US" smtClean="0"/>
+              <a:pPr>
+                <a:defRPr/>
+              </a:pPr>
+              <a:t>10/10/2013</a:t>
+            </a:fld>
+            <a:endParaRPr lang="en-US" dirty="0"/>
+          </a:p>
+        </p:txBody>
+      </p:sp>
+      <p:sp>
+        <p:nvSpPr>
+          <p:cNvPr id="75781" name="Footer Placeholder 5"/>
+          <p:cNvSpPr>
+            <a:spLocks noGrp="1"/>
+          </p:cNvSpPr>
+          <p:nvPr>
+            <p:ph type="ftr" sz="quarter" idx="4"/>
+          </p:nvPr>
+        </p:nvSpPr>
+        <p:spPr bwMode="auto">
+          <a:noFill/>
+          <a:ln>
+            <a:miter lim="800000"/>
+            <a:headEnd/>
+            <a:tailEnd/>
+          </a:ln>
+        </p:spPr>
+        <p:txBody>
+          <a:bodyPr wrap="square" numCol="1" anchorCtr="0" compatLnSpc="1">
+            <a:prstTxWarp prst="textNoShape">
+              <a:avLst/>
+            </a:prstTxWarp>
+          </a:bodyPr>
+          <a:lstStyle/>
+          <a:p>
+            <a:pPr defTabSz="912813" fontAlgn="base">
+              <a:spcBef>
+                <a:spcPct val="0"/>
+              </a:spcBef>
+              <a:spcAft>
+                <a:spcPct val="0"/>
+              </a:spcAft>
+            </a:pPr>
+            <a:r>
+              <a:rPr lang="en-US" dirty="0" smtClean="0">
+                <a:latin typeface="Segoe"/>
+              </a:rPr>
+              <a:t>© 2008 Microsoft Corporation. All rights reserved. Microsoft, Windows, Windows Vista and other product names are or may be registered trademarks and/or trademarks in the U.S. and/or other countries.</a:t>
+            </a:r>
+          </a:p>
+          <a:p>
+            <a:pPr defTabSz="912813" fontAlgn="base">
+              <a:spcBef>
+                <a:spcPct val="0"/>
+              </a:spcBef>
+              <a:spcAft>
+                <a:spcPct val="0"/>
+              </a:spcAft>
+            </a:pPr>
+            <a:r>
+              <a:rPr lang="en-US" dirty="0" smtClean="0">
+                <a:latin typeface="Segoe"/>
+              </a:rPr>
+              <a:t>The information herein is for informational purposes only and represents the current view of Microsoft Corporation as of the date of this presentation.  Because Microsoft must respond to changing market conditions, it should not be interpreted to be a commitment on the part of Microsoft, and Microsoft cannot guarantee the accuracy of any information provided after the date of this presentation.  </a:t>
+            </a:r>
+            <a:br>
+              <a:rPr lang="en-US" dirty="0" smtClean="0">
+                <a:latin typeface="Segoe"/>
+              </a:rPr>
+            </a:br>
+            <a:r>
+              <a:rPr lang="en-US" dirty="0" smtClean="0">
+                <a:latin typeface="Segoe"/>
+              </a:rPr>
+              <a:t>MICROSOFT MAKES NO WARRANTIES, EXPRESS, IMPLIED OR STATUTORY, AS TO THE INFORMATION IN THIS PRESENTATION.</a:t>
+            </a:r>
+          </a:p>
+        </p:txBody>
+      </p:sp>
+      <p:sp>
+        <p:nvSpPr>
+          <p:cNvPr id="7" name="Slide Number Placeholder 6"/>
+          <p:cNvSpPr>
+            <a:spLocks noGrp="1"/>
+          </p:cNvSpPr>
+          <p:nvPr>
+            <p:ph type="sldNum" sz="quarter" idx="5"/>
+          </p:nvPr>
+        </p:nvSpPr>
+        <p:spPr/>
+        <p:txBody>
+          <a:bodyPr/>
+          <a:lstStyle/>
+          <a:p>
+            <a:pPr>
+              <a:defRPr/>
+            </a:pPr>
+            <a:fld id="{48A3A8EF-36F7-4A46-A399-67437408F551}" type="slidenum">
+              <a:rPr lang="en-US" smtClean="0"/>
+              <a:pPr>
+                <a:defRPr/>
+              </a:pPr>
+              <a:t>22</a:t>
+            </a:fld>
+            <a:endParaRPr lang="en-US" dirty="0"/>
+          </a:p>
+        </p:txBody>
+      </p:sp>
+    </p:spTree>
+    <p:extLst>
+      <p:ext uri="{BB962C8B-B14F-4D97-AF65-F5344CB8AC3E}">
+        <p14:creationId xmlns:p14="http://schemas.microsoft.com/office/powerpoint/2010/main" val="103284777"/>
       </p:ext>
     </p:extLst>
   </p:cSld>
@@ -1106,7 +1676,7 @@
             <a:fld id="{125EDE23-284B-4032-BB13-15D18E5884FA}" type="datetimeFigureOut">
               <a:rPr lang="en-US" smtClean="0"/>
               <a:pPr/>
-              <a:t>8/17/2013</a:t>
+              <a:t>10/10/2013</a:t>
             </a:fld>
             <a:endParaRPr lang="en-US"/>
           </a:p>
@@ -1208,7 +1778,7 @@
           </a:ln>
           <a:extLst>
             <a:ext uri="{91240B29-F687-4f45-9708-019B960494DF}">
-              <a14:hiddenLine xmlns="" xmlns:a14="http://schemas.microsoft.com/office/drawing/2010/main" w="9525">
+              <a14:hiddenLine xmlns:a14="http://schemas.microsoft.com/office/drawing/2010/main" xmlns="" w="9525">
                 <a:solidFill>
                   <a:srgbClr val="000000"/>
                 </a:solidFill>
@@ -1263,7 +1833,7 @@
           </a:ln>
           <a:extLst>
             <a:ext uri="{91240B29-F687-4f45-9708-019B960494DF}">
-              <a14:hiddenLine xmlns="" xmlns:a14="http://schemas.microsoft.com/office/drawing/2010/main" w="9525">
+              <a14:hiddenLine xmlns:a14="http://schemas.microsoft.com/office/drawing/2010/main" xmlns="" w="9525">
                 <a:solidFill>
                   <a:srgbClr val="000000"/>
                 </a:solidFill>
@@ -1519,7 +2089,7 @@
             <a:fld id="{125EDE23-284B-4032-BB13-15D18E5884FA}" type="datetimeFigureOut">
               <a:rPr lang="en-US" smtClean="0"/>
               <a:pPr/>
-              <a:t>8/17/2013</a:t>
+              <a:t>10/10/2013</a:t>
             </a:fld>
             <a:endParaRPr lang="en-US"/>
           </a:p>
@@ -1769,7 +2339,7 @@
             <a:fld id="{125EDE23-284B-4032-BB13-15D18E5884FA}" type="datetimeFigureOut">
               <a:rPr lang="en-US" smtClean="0"/>
               <a:pPr/>
-              <a:t>8/17/2013</a:t>
+              <a:t>10/10/2013</a:t>
             </a:fld>
             <a:endParaRPr lang="en-US"/>
           </a:p>
@@ -2311,7 +2881,7 @@
             <a:fld id="{125EDE23-284B-4032-BB13-15D18E5884FA}" type="datetimeFigureOut">
               <a:rPr lang="en-US" smtClean="0"/>
               <a:pPr/>
-              <a:t>8/17/2013</a:t>
+              <a:t>10/10/2013</a:t>
             </a:fld>
             <a:endParaRPr lang="en-US"/>
           </a:p>
@@ -2561,7 +3131,7 @@
             <a:fld id="{125EDE23-284B-4032-BB13-15D18E5884FA}" type="datetimeFigureOut">
               <a:rPr lang="en-US" smtClean="0"/>
               <a:pPr/>
-              <a:t>8/17/2013</a:t>
+              <a:t>10/10/2013</a:t>
             </a:fld>
             <a:endParaRPr lang="en-US"/>
           </a:p>
@@ -3095,7 +3665,7 @@
             <a:fld id="{125EDE23-284B-4032-BB13-15D18E5884FA}" type="datetimeFigureOut">
               <a:rPr lang="en-US" smtClean="0"/>
               <a:pPr/>
-              <a:t>8/17/2013</a:t>
+              <a:t>10/10/2013</a:t>
             </a:fld>
             <a:endParaRPr lang="en-US"/>
           </a:p>
@@ -3394,7 +3964,7 @@
             <a:fld id="{125EDE23-284B-4032-BB13-15D18E5884FA}" type="datetimeFigureOut">
               <a:rPr lang="en-US" smtClean="0"/>
               <a:pPr/>
-              <a:t>8/17/2013</a:t>
+              <a:t>10/10/2013</a:t>
             </a:fld>
             <a:endParaRPr lang="en-US"/>
           </a:p>
@@ -3570,7 +4140,7 @@
             <a:fld id="{125EDE23-284B-4032-BB13-15D18E5884FA}" type="datetimeFigureOut">
               <a:rPr lang="en-US" smtClean="0"/>
               <a:pPr/>
-              <a:t>8/17/2013</a:t>
+              <a:t>10/10/2013</a:t>
             </a:fld>
             <a:endParaRPr lang="en-US"/>
           </a:p>
@@ -3752,7 +4322,7 @@
             <a:fld id="{125EDE23-284B-4032-BB13-15D18E5884FA}" type="datetimeFigureOut">
               <a:rPr lang="en-US" smtClean="0"/>
               <a:pPr/>
-              <a:t>8/17/2013</a:t>
+              <a:t>10/10/2013</a:t>
             </a:fld>
             <a:endParaRPr lang="en-US"/>
           </a:p>
@@ -3815,8 +4385,27 @@
 </file>
 
 <file path=ppt/slideLayouts/slideLayout18.xml><?xml version="1.0" encoding="utf-8"?>
-<p:sldLayout xmlns:a="http://schemas.openxmlformats.org/drawingml/2006/main" xmlns:r="http://schemas.openxmlformats.org/officeDocument/2006/relationships" xmlns:p="http://schemas.openxmlformats.org/presentationml/2006/main" type="title" preserve="1">
-  <p:cSld name="Title Slide">
+<p:sldLayout xmlns:a="http://schemas.openxmlformats.org/drawingml/2006/main" xmlns:r="http://schemas.openxmlformats.org/officeDocument/2006/relationships" xmlns:p="http://schemas.openxmlformats.org/presentationml/2006/main" userDrawn="1">
+  <p:cSld name="WALKIN - Prints in GRAYSCALE">
+    <p:bg bwMode="ltGray">
+      <p:bgPr>
+        <a:gradFill>
+          <a:gsLst>
+            <a:gs pos="0">
+              <a:schemeClr val="tx1"/>
+            </a:gs>
+            <a:gs pos="50000">
+              <a:srgbClr val="0070C0"/>
+            </a:gs>
+            <a:gs pos="100000">
+              <a:srgbClr val="7030A0"/>
+            </a:gs>
+          </a:gsLst>
+          <a:lin ang="2700000" scaled="0"/>
+        </a:gradFill>
+        <a:effectLst/>
+      </p:bgPr>
+    </p:bg>
     <p:spTree>
       <p:nvGrpSpPr>
         <p:cNvPr id="1" name=""/>
@@ -3831,266 +4420,25 @@
           <a:chExt cx="0" cy="0"/>
         </a:xfrm>
       </p:grpSpPr>
-      <p:sp>
-        <p:nvSpPr>
-          <p:cNvPr id="2" name="Title 1"/>
-          <p:cNvSpPr>
-            <a:spLocks noGrp="1"/>
-          </p:cNvSpPr>
-          <p:nvPr>
-            <p:ph type="ctrTitle"/>
-          </p:nvPr>
-        </p:nvSpPr>
-        <p:spPr>
-          <a:xfrm>
-            <a:off x="685800" y="2130425"/>
-            <a:ext cx="7772400" cy="1470025"/>
-          </a:xfrm>
-        </p:spPr>
-        <p:txBody>
-          <a:bodyPr/>
-          <a:lstStyle/>
-          <a:p>
-            <a:r>
-              <a:rPr lang="en-US" smtClean="0"/>
-              <a:t>Click to edit Master title style</a:t>
-            </a:r>
-            <a:endParaRPr lang="en-US"/>
-          </a:p>
-        </p:txBody>
-      </p:sp>
-      <p:sp>
-        <p:nvSpPr>
-          <p:cNvPr id="3" name="Subtitle 2"/>
-          <p:cNvSpPr>
-            <a:spLocks noGrp="1"/>
-          </p:cNvSpPr>
-          <p:nvPr>
-            <p:ph type="subTitle" idx="1"/>
-          </p:nvPr>
-        </p:nvSpPr>
-        <p:spPr>
-          <a:xfrm>
-            <a:off x="1371600" y="3886200"/>
-            <a:ext cx="6400800" cy="1752600"/>
-          </a:xfrm>
-        </p:spPr>
-        <p:txBody>
-          <a:bodyPr/>
-          <a:lstStyle>
-            <a:lvl1pPr marL="0" indent="0" algn="ctr">
-              <a:buNone/>
-              <a:defRPr>
-                <a:solidFill>
-                  <a:schemeClr val="tx1">
-                    <a:tint val="75000"/>
-                  </a:schemeClr>
-                </a:solidFill>
-              </a:defRPr>
-            </a:lvl1pPr>
-            <a:lvl2pPr marL="457200" indent="0" algn="ctr">
-              <a:buNone/>
-              <a:defRPr>
-                <a:solidFill>
-                  <a:schemeClr val="tx1">
-                    <a:tint val="75000"/>
-                  </a:schemeClr>
-                </a:solidFill>
-              </a:defRPr>
-            </a:lvl2pPr>
-            <a:lvl3pPr marL="914400" indent="0" algn="ctr">
-              <a:buNone/>
-              <a:defRPr>
-                <a:solidFill>
-                  <a:schemeClr val="tx1">
-                    <a:tint val="75000"/>
-                  </a:schemeClr>
-                </a:solidFill>
-              </a:defRPr>
-            </a:lvl3pPr>
-            <a:lvl4pPr marL="1371600" indent="0" algn="ctr">
-              <a:buNone/>
-              <a:defRPr>
-                <a:solidFill>
-                  <a:schemeClr val="tx1">
-                    <a:tint val="75000"/>
-                  </a:schemeClr>
-                </a:solidFill>
-              </a:defRPr>
-            </a:lvl4pPr>
-            <a:lvl5pPr marL="1828800" indent="0" algn="ctr">
-              <a:buNone/>
-              <a:defRPr>
-                <a:solidFill>
-                  <a:schemeClr val="tx1">
-                    <a:tint val="75000"/>
-                  </a:schemeClr>
-                </a:solidFill>
-              </a:defRPr>
-            </a:lvl5pPr>
-            <a:lvl6pPr marL="2286000" indent="0" algn="ctr">
-              <a:buNone/>
-              <a:defRPr>
-                <a:solidFill>
-                  <a:schemeClr val="tx1">
-                    <a:tint val="75000"/>
-                  </a:schemeClr>
-                </a:solidFill>
-              </a:defRPr>
-            </a:lvl6pPr>
-            <a:lvl7pPr marL="2743200" indent="0" algn="ctr">
-              <a:buNone/>
-              <a:defRPr>
-                <a:solidFill>
-                  <a:schemeClr val="tx1">
-                    <a:tint val="75000"/>
-                  </a:schemeClr>
-                </a:solidFill>
-              </a:defRPr>
-            </a:lvl7pPr>
-            <a:lvl8pPr marL="3200400" indent="0" algn="ctr">
-              <a:buNone/>
-              <a:defRPr>
-                <a:solidFill>
-                  <a:schemeClr val="tx1">
-                    <a:tint val="75000"/>
-                  </a:schemeClr>
-                </a:solidFill>
-              </a:defRPr>
-            </a:lvl8pPr>
-            <a:lvl9pPr marL="3657600" indent="0" algn="ctr">
-              <a:buNone/>
-              <a:defRPr>
-                <a:solidFill>
-                  <a:schemeClr val="tx1">
-                    <a:tint val="75000"/>
-                  </a:schemeClr>
-                </a:solidFill>
-              </a:defRPr>
-            </a:lvl9pPr>
-          </a:lstStyle>
-          <a:p>
-            <a:r>
-              <a:rPr lang="en-US" smtClean="0"/>
-              <a:t>Click to edit Master subtitle style</a:t>
-            </a:r>
-            <a:endParaRPr lang="en-US"/>
-          </a:p>
-        </p:txBody>
-      </p:sp>
-      <p:sp>
-        <p:nvSpPr>
-          <p:cNvPr id="4" name="Date Placeholder 3"/>
-          <p:cNvSpPr>
-            <a:spLocks noGrp="1"/>
-          </p:cNvSpPr>
-          <p:nvPr>
-            <p:ph type="dt" sz="half" idx="10"/>
-          </p:nvPr>
-        </p:nvSpPr>
-        <p:spPr/>
-        <p:txBody>
-          <a:bodyPr/>
-          <a:lstStyle/>
-          <a:p>
-            <a:fld id="{E411FFC3-CDF5-4418-B7A3-07F51962F18D}" type="datetimeFigureOut">
-              <a:rPr lang="en-US" smtClean="0">
-                <a:solidFill>
-                  <a:prstClr val="black">
-                    <a:tint val="75000"/>
-                  </a:prstClr>
-                </a:solidFill>
-              </a:rPr>
-              <a:pPr/>
-              <a:t>8/17/2013</a:t>
-            </a:fld>
-            <a:endParaRPr lang="en-US">
-              <a:solidFill>
-                <a:prstClr val="black">
-                  <a:tint val="75000"/>
-                </a:prstClr>
-              </a:solidFill>
-            </a:endParaRPr>
-          </a:p>
-        </p:txBody>
-      </p:sp>
-      <p:sp>
-        <p:nvSpPr>
-          <p:cNvPr id="5" name="Footer Placeholder 4"/>
-          <p:cNvSpPr>
-            <a:spLocks noGrp="1"/>
-          </p:cNvSpPr>
-          <p:nvPr>
-            <p:ph type="ftr" sz="quarter" idx="11"/>
-          </p:nvPr>
-        </p:nvSpPr>
-        <p:spPr/>
-        <p:txBody>
-          <a:bodyPr/>
-          <a:lstStyle/>
-          <a:p>
-            <a:endParaRPr lang="en-US">
-              <a:solidFill>
-                <a:prstClr val="black">
-                  <a:tint val="75000"/>
-                </a:prstClr>
-              </a:solidFill>
-            </a:endParaRPr>
-          </a:p>
-        </p:txBody>
-      </p:sp>
-      <p:sp>
-        <p:nvSpPr>
-          <p:cNvPr id="6" name="Slide Number Placeholder 5"/>
-          <p:cNvSpPr>
-            <a:spLocks noGrp="1"/>
-          </p:cNvSpPr>
-          <p:nvPr>
-            <p:ph type="sldNum" sz="quarter" idx="12"/>
-          </p:nvPr>
-        </p:nvSpPr>
-        <p:spPr/>
-        <p:txBody>
-          <a:bodyPr/>
-          <a:lstStyle/>
-          <a:p>
-            <a:fld id="{CBF525FA-2286-48CE-ADB3-8C13DA28DF99}" type="slidenum">
-              <a:rPr lang="en-US" smtClean="0">
-                <a:solidFill>
-                  <a:prstClr val="black">
-                    <a:tint val="75000"/>
-                  </a:prstClr>
-                </a:solidFill>
-              </a:rPr>
-              <a:pPr/>
-              <a:t>‹#›</a:t>
-            </a:fld>
-            <a:endParaRPr lang="en-US">
-              <a:solidFill>
-                <a:prstClr val="black">
-                  <a:tint val="75000"/>
-                </a:prstClr>
-              </a:solidFill>
-            </a:endParaRPr>
-          </a:p>
-        </p:txBody>
-      </p:sp>
     </p:spTree>
     <p:extLst>
       <p:ext uri="{BB962C8B-B14F-4D97-AF65-F5344CB8AC3E}">
-        <p14:creationId xmlns:p14="http://schemas.microsoft.com/office/powerpoint/2010/main" val="1313463711"/>
+        <p14:creationId xmlns:p14="http://schemas.microsoft.com/office/powerpoint/2010/main" val="1474233990"/>
       </p:ext>
     </p:extLst>
   </p:cSld>
   <p:clrMapOvr>
     <a:masterClrMapping/>
   </p:clrMapOvr>
+  <p:transition>
+    <p:fade/>
+  </p:transition>
 </p:sldLayout>
 </file>
 
 <file path=ppt/slideLayouts/slideLayout19.xml><?xml version="1.0" encoding="utf-8"?>
-<p:sldLayout xmlns:a="http://schemas.openxmlformats.org/drawingml/2006/main" xmlns:r="http://schemas.openxmlformats.org/officeDocument/2006/relationships" xmlns:p="http://schemas.openxmlformats.org/presentationml/2006/main" type="obj" preserve="1">
-  <p:cSld name="Title and Content">
+<p:sldLayout xmlns:a="http://schemas.openxmlformats.org/drawingml/2006/main" xmlns:r="http://schemas.openxmlformats.org/officeDocument/2006/relationships" xmlns:p="http://schemas.openxmlformats.org/presentationml/2006/main" userDrawn="1">
+  <p:cSld name="1_Title and Content">
     <p:spTree>
       <p:nvGrpSpPr>
         <p:cNvPr id="1" name=""/>
@@ -4115,7 +4463,12 @@
             <p:ph type="title"/>
           </p:nvPr>
         </p:nvSpPr>
-        <p:spPr/>
+        <p:spPr>
+          <a:xfrm>
+            <a:off x="381000" y="228600"/>
+            <a:ext cx="8382000" cy="666385"/>
+          </a:xfrm>
+        </p:spPr>
         <p:txBody>
           <a:bodyPr/>
           <a:lstStyle/>
@@ -4124,21 +4477,26 @@
               <a:rPr lang="en-US" smtClean="0"/>
               <a:t>Click to edit Master title style</a:t>
             </a:r>
-            <a:endParaRPr lang="en-US"/>
-          </a:p>
-        </p:txBody>
-      </p:sp>
-      <p:sp>
-        <p:nvSpPr>
-          <p:cNvPr id="3" name="Content Placeholder 2"/>
-          <p:cNvSpPr>
-            <a:spLocks noGrp="1"/>
-          </p:cNvSpPr>
-          <p:nvPr>
-            <p:ph idx="1"/>
-          </p:nvPr>
-        </p:nvSpPr>
-        <p:spPr/>
+            <a:endParaRPr lang="en-US" dirty="0"/>
+          </a:p>
+        </p:txBody>
+      </p:sp>
+      <p:sp>
+        <p:nvSpPr>
+          <p:cNvPr id="5" name="Text Placeholder 4"/>
+          <p:cNvSpPr>
+            <a:spLocks noGrp="1"/>
+          </p:cNvSpPr>
+          <p:nvPr>
+            <p:ph type="body" sz="quarter" idx="10"/>
+          </p:nvPr>
+        </p:nvSpPr>
+        <p:spPr>
+          <a:xfrm>
+            <a:off x="381000" y="1447799"/>
+            <a:ext cx="8382000" cy="1973561"/>
+          </a:xfrm>
+        </p:spPr>
         <p:txBody>
           <a:bodyPr/>
           <a:lstStyle/>
@@ -4176,117 +4534,23 @@
               <a:rPr lang="en-US" smtClean="0"/>
               <a:t>Fifth level</a:t>
             </a:r>
-            <a:endParaRPr lang="en-US"/>
-          </a:p>
-        </p:txBody>
-      </p:sp>
-      <p:sp>
-        <p:nvSpPr>
-          <p:cNvPr id="4" name="Date Placeholder 3"/>
-          <p:cNvSpPr>
-            <a:spLocks noGrp="1"/>
-          </p:cNvSpPr>
-          <p:nvPr>
-            <p:ph type="dt" sz="half" idx="10"/>
-          </p:nvPr>
-        </p:nvSpPr>
-        <p:spPr/>
-        <p:txBody>
-          <a:bodyPr/>
-          <a:lstStyle/>
-          <a:p>
-            <a:fld id="{E411FFC3-CDF5-4418-B7A3-07F51962F18D}" type="datetimeFigureOut">
-              <a:rPr lang="en-US" smtClean="0">
-                <a:solidFill>
-                  <a:prstClr val="black">
-                    <a:tint val="75000"/>
-                  </a:prstClr>
-                </a:solidFill>
-              </a:rPr>
-              <a:pPr/>
-              <a:t>8/17/2013</a:t>
-            </a:fld>
-            <a:endParaRPr lang="en-US">
-              <a:solidFill>
-                <a:prstClr val="black">
-                  <a:tint val="75000"/>
-                </a:prstClr>
-              </a:solidFill>
-            </a:endParaRPr>
-          </a:p>
-        </p:txBody>
-      </p:sp>
-      <p:sp>
-        <p:nvSpPr>
-          <p:cNvPr id="5" name="Footer Placeholder 4"/>
-          <p:cNvSpPr>
-            <a:spLocks noGrp="1"/>
-          </p:cNvSpPr>
-          <p:nvPr>
-            <p:ph type="ftr" sz="quarter" idx="11"/>
-          </p:nvPr>
-        </p:nvSpPr>
-        <p:spPr/>
-        <p:txBody>
-          <a:bodyPr/>
-          <a:lstStyle/>
-          <a:p>
-            <a:endParaRPr lang="en-US">
-              <a:solidFill>
-                <a:prstClr val="black">
-                  <a:tint val="75000"/>
-                </a:prstClr>
-              </a:solidFill>
-            </a:endParaRPr>
-          </a:p>
-        </p:txBody>
-      </p:sp>
-      <p:sp>
-        <p:nvSpPr>
-          <p:cNvPr id="6" name="Slide Number Placeholder 5"/>
-          <p:cNvSpPr>
-            <a:spLocks noGrp="1"/>
-          </p:cNvSpPr>
-          <p:nvPr>
-            <p:ph type="sldNum" sz="quarter" idx="12"/>
-          </p:nvPr>
-        </p:nvSpPr>
-        <p:spPr/>
-        <p:txBody>
-          <a:bodyPr/>
-          <a:lstStyle/>
-          <a:p>
-            <a:fld id="{CBF525FA-2286-48CE-ADB3-8C13DA28DF99}" type="slidenum">
-              <a:rPr lang="en-US" smtClean="0">
-                <a:solidFill>
-                  <a:prstClr val="black">
-                    <a:tint val="75000"/>
-                  </a:prstClr>
-                </a:solidFill>
-              </a:rPr>
-              <a:pPr/>
-              <a:t>‹#›</a:t>
-            </a:fld>
-            <a:endParaRPr lang="en-US">
-              <a:solidFill>
-                <a:prstClr val="black">
-                  <a:tint val="75000"/>
-                </a:prstClr>
-              </a:solidFill>
-            </a:endParaRPr>
+            <a:endParaRPr lang="en-US" dirty="0"/>
           </a:p>
         </p:txBody>
       </p:sp>
     </p:spTree>
     <p:extLst>
       <p:ext uri="{BB962C8B-B14F-4D97-AF65-F5344CB8AC3E}">
-        <p14:creationId xmlns:p14="http://schemas.microsoft.com/office/powerpoint/2010/main" val="1530113503"/>
+        <p14:creationId xmlns:p14="http://schemas.microsoft.com/office/powerpoint/2010/main" val="1835944277"/>
       </p:ext>
     </p:extLst>
   </p:cSld>
   <p:clrMapOvr>
     <a:masterClrMapping/>
   </p:clrMapOvr>
+  <p:transition>
+    <p:fade/>
+  </p:transition>
 </p:sldLayout>
 </file>
 
@@ -4415,7 +4679,7 @@
             <a:fld id="{125EDE23-284B-4032-BB13-15D18E5884FA}" type="datetimeFigureOut">
               <a:rPr lang="en-US" smtClean="0"/>
               <a:pPr/>
-              <a:t>8/17/2013</a:t>
+              <a:t>10/10/2013</a:t>
             </a:fld>
             <a:endParaRPr lang="en-US"/>
           </a:p>
@@ -4478,2343 +4742,6 @@
     <p:extLst>
       <p:ext uri="{BB962C8B-B14F-4D97-AF65-F5344CB8AC3E}">
         <p14:creationId xmlns:p14="http://schemas.microsoft.com/office/powerpoint/2010/main" val="3355791924"/>
-      </p:ext>
-    </p:extLst>
-  </p:cSld>
-  <p:clrMapOvr>
-    <a:masterClrMapping/>
-  </p:clrMapOvr>
-</p:sldLayout>
-</file>
-
-<file path=ppt/slideLayouts/slideLayout20.xml><?xml version="1.0" encoding="utf-8"?>
-<p:sldLayout xmlns:a="http://schemas.openxmlformats.org/drawingml/2006/main" xmlns:r="http://schemas.openxmlformats.org/officeDocument/2006/relationships" xmlns:p="http://schemas.openxmlformats.org/presentationml/2006/main" type="secHead" preserve="1">
-  <p:cSld name="Section Header">
-    <p:spTree>
-      <p:nvGrpSpPr>
-        <p:cNvPr id="1" name=""/>
-        <p:cNvGrpSpPr/>
-        <p:nvPr/>
-      </p:nvGrpSpPr>
-      <p:grpSpPr>
-        <a:xfrm>
-          <a:off x="0" y="0"/>
-          <a:ext cx="0" cy="0"/>
-          <a:chOff x="0" y="0"/>
-          <a:chExt cx="0" cy="0"/>
-        </a:xfrm>
-      </p:grpSpPr>
-      <p:sp>
-        <p:nvSpPr>
-          <p:cNvPr id="2" name="Title 1"/>
-          <p:cNvSpPr>
-            <a:spLocks noGrp="1"/>
-          </p:cNvSpPr>
-          <p:nvPr>
-            <p:ph type="title"/>
-          </p:nvPr>
-        </p:nvSpPr>
-        <p:spPr>
-          <a:xfrm>
-            <a:off x="722313" y="4406900"/>
-            <a:ext cx="7772400" cy="1362075"/>
-          </a:xfrm>
-        </p:spPr>
-        <p:txBody>
-          <a:bodyPr anchor="t"/>
-          <a:lstStyle>
-            <a:lvl1pPr algn="l">
-              <a:defRPr sz="4000" b="1" cap="all"/>
-            </a:lvl1pPr>
-          </a:lstStyle>
-          <a:p>
-            <a:r>
-              <a:rPr lang="en-US" smtClean="0"/>
-              <a:t>Click to edit Master title style</a:t>
-            </a:r>
-            <a:endParaRPr lang="en-US"/>
-          </a:p>
-        </p:txBody>
-      </p:sp>
-      <p:sp>
-        <p:nvSpPr>
-          <p:cNvPr id="3" name="Text Placeholder 2"/>
-          <p:cNvSpPr>
-            <a:spLocks noGrp="1"/>
-          </p:cNvSpPr>
-          <p:nvPr>
-            <p:ph type="body" idx="1"/>
-          </p:nvPr>
-        </p:nvSpPr>
-        <p:spPr>
-          <a:xfrm>
-            <a:off x="722313" y="2906713"/>
-            <a:ext cx="7772400" cy="1500187"/>
-          </a:xfrm>
-        </p:spPr>
-        <p:txBody>
-          <a:bodyPr anchor="b"/>
-          <a:lstStyle>
-            <a:lvl1pPr marL="0" indent="0">
-              <a:buNone/>
-              <a:defRPr sz="2000">
-                <a:solidFill>
-                  <a:schemeClr val="tx1">
-                    <a:tint val="75000"/>
-                  </a:schemeClr>
-                </a:solidFill>
-              </a:defRPr>
-            </a:lvl1pPr>
-            <a:lvl2pPr marL="457200" indent="0">
-              <a:buNone/>
-              <a:defRPr sz="1800">
-                <a:solidFill>
-                  <a:schemeClr val="tx1">
-                    <a:tint val="75000"/>
-                  </a:schemeClr>
-                </a:solidFill>
-              </a:defRPr>
-            </a:lvl2pPr>
-            <a:lvl3pPr marL="914400" indent="0">
-              <a:buNone/>
-              <a:defRPr sz="1600">
-                <a:solidFill>
-                  <a:schemeClr val="tx1">
-                    <a:tint val="75000"/>
-                  </a:schemeClr>
-                </a:solidFill>
-              </a:defRPr>
-            </a:lvl3pPr>
-            <a:lvl4pPr marL="1371600" indent="0">
-              <a:buNone/>
-              <a:defRPr sz="1400">
-                <a:solidFill>
-                  <a:schemeClr val="tx1">
-                    <a:tint val="75000"/>
-                  </a:schemeClr>
-                </a:solidFill>
-              </a:defRPr>
-            </a:lvl4pPr>
-            <a:lvl5pPr marL="1828800" indent="0">
-              <a:buNone/>
-              <a:defRPr sz="1400">
-                <a:solidFill>
-                  <a:schemeClr val="tx1">
-                    <a:tint val="75000"/>
-                  </a:schemeClr>
-                </a:solidFill>
-              </a:defRPr>
-            </a:lvl5pPr>
-            <a:lvl6pPr marL="2286000" indent="0">
-              <a:buNone/>
-              <a:defRPr sz="1400">
-                <a:solidFill>
-                  <a:schemeClr val="tx1">
-                    <a:tint val="75000"/>
-                  </a:schemeClr>
-                </a:solidFill>
-              </a:defRPr>
-            </a:lvl6pPr>
-            <a:lvl7pPr marL="2743200" indent="0">
-              <a:buNone/>
-              <a:defRPr sz="1400">
-                <a:solidFill>
-                  <a:schemeClr val="tx1">
-                    <a:tint val="75000"/>
-                  </a:schemeClr>
-                </a:solidFill>
-              </a:defRPr>
-            </a:lvl7pPr>
-            <a:lvl8pPr marL="3200400" indent="0">
-              <a:buNone/>
-              <a:defRPr sz="1400">
-                <a:solidFill>
-                  <a:schemeClr val="tx1">
-                    <a:tint val="75000"/>
-                  </a:schemeClr>
-                </a:solidFill>
-              </a:defRPr>
-            </a:lvl8pPr>
-            <a:lvl9pPr marL="3657600" indent="0">
-              <a:buNone/>
-              <a:defRPr sz="1400">
-                <a:solidFill>
-                  <a:schemeClr val="tx1">
-                    <a:tint val="75000"/>
-                  </a:schemeClr>
-                </a:solidFill>
-              </a:defRPr>
-            </a:lvl9pPr>
-          </a:lstStyle>
-          <a:p>
-            <a:pPr lvl="0"/>
-            <a:r>
-              <a:rPr lang="en-US" smtClean="0"/>
-              <a:t>Click to edit Master text styles</a:t>
-            </a:r>
-          </a:p>
-        </p:txBody>
-      </p:sp>
-      <p:sp>
-        <p:nvSpPr>
-          <p:cNvPr id="4" name="Date Placeholder 3"/>
-          <p:cNvSpPr>
-            <a:spLocks noGrp="1"/>
-          </p:cNvSpPr>
-          <p:nvPr>
-            <p:ph type="dt" sz="half" idx="10"/>
-          </p:nvPr>
-        </p:nvSpPr>
-        <p:spPr/>
-        <p:txBody>
-          <a:bodyPr/>
-          <a:lstStyle/>
-          <a:p>
-            <a:fld id="{E411FFC3-CDF5-4418-B7A3-07F51962F18D}" type="datetimeFigureOut">
-              <a:rPr lang="en-US" smtClean="0">
-                <a:solidFill>
-                  <a:prstClr val="black">
-                    <a:tint val="75000"/>
-                  </a:prstClr>
-                </a:solidFill>
-              </a:rPr>
-              <a:pPr/>
-              <a:t>8/17/2013</a:t>
-            </a:fld>
-            <a:endParaRPr lang="en-US">
-              <a:solidFill>
-                <a:prstClr val="black">
-                  <a:tint val="75000"/>
-                </a:prstClr>
-              </a:solidFill>
-            </a:endParaRPr>
-          </a:p>
-        </p:txBody>
-      </p:sp>
-      <p:sp>
-        <p:nvSpPr>
-          <p:cNvPr id="5" name="Footer Placeholder 4"/>
-          <p:cNvSpPr>
-            <a:spLocks noGrp="1"/>
-          </p:cNvSpPr>
-          <p:nvPr>
-            <p:ph type="ftr" sz="quarter" idx="11"/>
-          </p:nvPr>
-        </p:nvSpPr>
-        <p:spPr/>
-        <p:txBody>
-          <a:bodyPr/>
-          <a:lstStyle/>
-          <a:p>
-            <a:endParaRPr lang="en-US">
-              <a:solidFill>
-                <a:prstClr val="black">
-                  <a:tint val="75000"/>
-                </a:prstClr>
-              </a:solidFill>
-            </a:endParaRPr>
-          </a:p>
-        </p:txBody>
-      </p:sp>
-      <p:sp>
-        <p:nvSpPr>
-          <p:cNvPr id="6" name="Slide Number Placeholder 5"/>
-          <p:cNvSpPr>
-            <a:spLocks noGrp="1"/>
-          </p:cNvSpPr>
-          <p:nvPr>
-            <p:ph type="sldNum" sz="quarter" idx="12"/>
-          </p:nvPr>
-        </p:nvSpPr>
-        <p:spPr/>
-        <p:txBody>
-          <a:bodyPr/>
-          <a:lstStyle/>
-          <a:p>
-            <a:fld id="{CBF525FA-2286-48CE-ADB3-8C13DA28DF99}" type="slidenum">
-              <a:rPr lang="en-US" smtClean="0">
-                <a:solidFill>
-                  <a:prstClr val="black">
-                    <a:tint val="75000"/>
-                  </a:prstClr>
-                </a:solidFill>
-              </a:rPr>
-              <a:pPr/>
-              <a:t>‹#›</a:t>
-            </a:fld>
-            <a:endParaRPr lang="en-US">
-              <a:solidFill>
-                <a:prstClr val="black">
-                  <a:tint val="75000"/>
-                </a:prstClr>
-              </a:solidFill>
-            </a:endParaRPr>
-          </a:p>
-        </p:txBody>
-      </p:sp>
-    </p:spTree>
-    <p:extLst>
-      <p:ext uri="{BB962C8B-B14F-4D97-AF65-F5344CB8AC3E}">
-        <p14:creationId xmlns:p14="http://schemas.microsoft.com/office/powerpoint/2010/main" val="650945094"/>
-      </p:ext>
-    </p:extLst>
-  </p:cSld>
-  <p:clrMapOvr>
-    <a:masterClrMapping/>
-  </p:clrMapOvr>
-</p:sldLayout>
-</file>
-
-<file path=ppt/slideLayouts/slideLayout21.xml><?xml version="1.0" encoding="utf-8"?>
-<p:sldLayout xmlns:a="http://schemas.openxmlformats.org/drawingml/2006/main" xmlns:r="http://schemas.openxmlformats.org/officeDocument/2006/relationships" xmlns:p="http://schemas.openxmlformats.org/presentationml/2006/main" type="twoObj" preserve="1">
-  <p:cSld name="Two Content">
-    <p:spTree>
-      <p:nvGrpSpPr>
-        <p:cNvPr id="1" name=""/>
-        <p:cNvGrpSpPr/>
-        <p:nvPr/>
-      </p:nvGrpSpPr>
-      <p:grpSpPr>
-        <a:xfrm>
-          <a:off x="0" y="0"/>
-          <a:ext cx="0" cy="0"/>
-          <a:chOff x="0" y="0"/>
-          <a:chExt cx="0" cy="0"/>
-        </a:xfrm>
-      </p:grpSpPr>
-      <p:sp>
-        <p:nvSpPr>
-          <p:cNvPr id="2" name="Title 1"/>
-          <p:cNvSpPr>
-            <a:spLocks noGrp="1"/>
-          </p:cNvSpPr>
-          <p:nvPr>
-            <p:ph type="title"/>
-          </p:nvPr>
-        </p:nvSpPr>
-        <p:spPr/>
-        <p:txBody>
-          <a:bodyPr/>
-          <a:lstStyle/>
-          <a:p>
-            <a:r>
-              <a:rPr lang="en-US" smtClean="0"/>
-              <a:t>Click to edit Master title style</a:t>
-            </a:r>
-            <a:endParaRPr lang="en-US"/>
-          </a:p>
-        </p:txBody>
-      </p:sp>
-      <p:sp>
-        <p:nvSpPr>
-          <p:cNvPr id="3" name="Content Placeholder 2"/>
-          <p:cNvSpPr>
-            <a:spLocks noGrp="1"/>
-          </p:cNvSpPr>
-          <p:nvPr>
-            <p:ph sz="half" idx="1"/>
-          </p:nvPr>
-        </p:nvSpPr>
-        <p:spPr>
-          <a:xfrm>
-            <a:off x="457200" y="1600200"/>
-            <a:ext cx="4038600" cy="4525963"/>
-          </a:xfrm>
-        </p:spPr>
-        <p:txBody>
-          <a:bodyPr/>
-          <a:lstStyle>
-            <a:lvl1pPr>
-              <a:defRPr sz="2800"/>
-            </a:lvl1pPr>
-            <a:lvl2pPr>
-              <a:defRPr sz="2400"/>
-            </a:lvl2pPr>
-            <a:lvl3pPr>
-              <a:defRPr sz="2000"/>
-            </a:lvl3pPr>
-            <a:lvl4pPr>
-              <a:defRPr sz="1800"/>
-            </a:lvl4pPr>
-            <a:lvl5pPr>
-              <a:defRPr sz="1800"/>
-            </a:lvl5pPr>
-            <a:lvl6pPr>
-              <a:defRPr sz="1800"/>
-            </a:lvl6pPr>
-            <a:lvl7pPr>
-              <a:defRPr sz="1800"/>
-            </a:lvl7pPr>
-            <a:lvl8pPr>
-              <a:defRPr sz="1800"/>
-            </a:lvl8pPr>
-            <a:lvl9pPr>
-              <a:defRPr sz="1800"/>
-            </a:lvl9pPr>
-          </a:lstStyle>
-          <a:p>
-            <a:pPr lvl="0"/>
-            <a:r>
-              <a:rPr lang="en-US" smtClean="0"/>
-              <a:t>Click to edit Master text styles</a:t>
-            </a:r>
-          </a:p>
-          <a:p>
-            <a:pPr lvl="1"/>
-            <a:r>
-              <a:rPr lang="en-US" smtClean="0"/>
-              <a:t>Second level</a:t>
-            </a:r>
-          </a:p>
-          <a:p>
-            <a:pPr lvl="2"/>
-            <a:r>
-              <a:rPr lang="en-US" smtClean="0"/>
-              <a:t>Third level</a:t>
-            </a:r>
-          </a:p>
-          <a:p>
-            <a:pPr lvl="3"/>
-            <a:r>
-              <a:rPr lang="en-US" smtClean="0"/>
-              <a:t>Fourth level</a:t>
-            </a:r>
-          </a:p>
-          <a:p>
-            <a:pPr lvl="4"/>
-            <a:r>
-              <a:rPr lang="en-US" smtClean="0"/>
-              <a:t>Fifth level</a:t>
-            </a:r>
-            <a:endParaRPr lang="en-US"/>
-          </a:p>
-        </p:txBody>
-      </p:sp>
-      <p:sp>
-        <p:nvSpPr>
-          <p:cNvPr id="4" name="Content Placeholder 3"/>
-          <p:cNvSpPr>
-            <a:spLocks noGrp="1"/>
-          </p:cNvSpPr>
-          <p:nvPr>
-            <p:ph sz="half" idx="2"/>
-          </p:nvPr>
-        </p:nvSpPr>
-        <p:spPr>
-          <a:xfrm>
-            <a:off x="4648200" y="1600200"/>
-            <a:ext cx="4038600" cy="4525963"/>
-          </a:xfrm>
-        </p:spPr>
-        <p:txBody>
-          <a:bodyPr/>
-          <a:lstStyle>
-            <a:lvl1pPr>
-              <a:defRPr sz="2800"/>
-            </a:lvl1pPr>
-            <a:lvl2pPr>
-              <a:defRPr sz="2400"/>
-            </a:lvl2pPr>
-            <a:lvl3pPr>
-              <a:defRPr sz="2000"/>
-            </a:lvl3pPr>
-            <a:lvl4pPr>
-              <a:defRPr sz="1800"/>
-            </a:lvl4pPr>
-            <a:lvl5pPr>
-              <a:defRPr sz="1800"/>
-            </a:lvl5pPr>
-            <a:lvl6pPr>
-              <a:defRPr sz="1800"/>
-            </a:lvl6pPr>
-            <a:lvl7pPr>
-              <a:defRPr sz="1800"/>
-            </a:lvl7pPr>
-            <a:lvl8pPr>
-              <a:defRPr sz="1800"/>
-            </a:lvl8pPr>
-            <a:lvl9pPr>
-              <a:defRPr sz="1800"/>
-            </a:lvl9pPr>
-          </a:lstStyle>
-          <a:p>
-            <a:pPr lvl="0"/>
-            <a:r>
-              <a:rPr lang="en-US" smtClean="0"/>
-              <a:t>Click to edit Master text styles</a:t>
-            </a:r>
-          </a:p>
-          <a:p>
-            <a:pPr lvl="1"/>
-            <a:r>
-              <a:rPr lang="en-US" smtClean="0"/>
-              <a:t>Second level</a:t>
-            </a:r>
-          </a:p>
-          <a:p>
-            <a:pPr lvl="2"/>
-            <a:r>
-              <a:rPr lang="en-US" smtClean="0"/>
-              <a:t>Third level</a:t>
-            </a:r>
-          </a:p>
-          <a:p>
-            <a:pPr lvl="3"/>
-            <a:r>
-              <a:rPr lang="en-US" smtClean="0"/>
-              <a:t>Fourth level</a:t>
-            </a:r>
-          </a:p>
-          <a:p>
-            <a:pPr lvl="4"/>
-            <a:r>
-              <a:rPr lang="en-US" smtClean="0"/>
-              <a:t>Fifth level</a:t>
-            </a:r>
-            <a:endParaRPr lang="en-US"/>
-          </a:p>
-        </p:txBody>
-      </p:sp>
-      <p:sp>
-        <p:nvSpPr>
-          <p:cNvPr id="5" name="Date Placeholder 4"/>
-          <p:cNvSpPr>
-            <a:spLocks noGrp="1"/>
-          </p:cNvSpPr>
-          <p:nvPr>
-            <p:ph type="dt" sz="half" idx="10"/>
-          </p:nvPr>
-        </p:nvSpPr>
-        <p:spPr/>
-        <p:txBody>
-          <a:bodyPr/>
-          <a:lstStyle/>
-          <a:p>
-            <a:fld id="{E411FFC3-CDF5-4418-B7A3-07F51962F18D}" type="datetimeFigureOut">
-              <a:rPr lang="en-US" smtClean="0">
-                <a:solidFill>
-                  <a:prstClr val="black">
-                    <a:tint val="75000"/>
-                  </a:prstClr>
-                </a:solidFill>
-              </a:rPr>
-              <a:pPr/>
-              <a:t>8/17/2013</a:t>
-            </a:fld>
-            <a:endParaRPr lang="en-US">
-              <a:solidFill>
-                <a:prstClr val="black">
-                  <a:tint val="75000"/>
-                </a:prstClr>
-              </a:solidFill>
-            </a:endParaRPr>
-          </a:p>
-        </p:txBody>
-      </p:sp>
-      <p:sp>
-        <p:nvSpPr>
-          <p:cNvPr id="6" name="Footer Placeholder 5"/>
-          <p:cNvSpPr>
-            <a:spLocks noGrp="1"/>
-          </p:cNvSpPr>
-          <p:nvPr>
-            <p:ph type="ftr" sz="quarter" idx="11"/>
-          </p:nvPr>
-        </p:nvSpPr>
-        <p:spPr/>
-        <p:txBody>
-          <a:bodyPr/>
-          <a:lstStyle/>
-          <a:p>
-            <a:endParaRPr lang="en-US">
-              <a:solidFill>
-                <a:prstClr val="black">
-                  <a:tint val="75000"/>
-                </a:prstClr>
-              </a:solidFill>
-            </a:endParaRPr>
-          </a:p>
-        </p:txBody>
-      </p:sp>
-      <p:sp>
-        <p:nvSpPr>
-          <p:cNvPr id="7" name="Slide Number Placeholder 6"/>
-          <p:cNvSpPr>
-            <a:spLocks noGrp="1"/>
-          </p:cNvSpPr>
-          <p:nvPr>
-            <p:ph type="sldNum" sz="quarter" idx="12"/>
-          </p:nvPr>
-        </p:nvSpPr>
-        <p:spPr/>
-        <p:txBody>
-          <a:bodyPr/>
-          <a:lstStyle/>
-          <a:p>
-            <a:fld id="{CBF525FA-2286-48CE-ADB3-8C13DA28DF99}" type="slidenum">
-              <a:rPr lang="en-US" smtClean="0">
-                <a:solidFill>
-                  <a:prstClr val="black">
-                    <a:tint val="75000"/>
-                  </a:prstClr>
-                </a:solidFill>
-              </a:rPr>
-              <a:pPr/>
-              <a:t>‹#›</a:t>
-            </a:fld>
-            <a:endParaRPr lang="en-US">
-              <a:solidFill>
-                <a:prstClr val="black">
-                  <a:tint val="75000"/>
-                </a:prstClr>
-              </a:solidFill>
-            </a:endParaRPr>
-          </a:p>
-        </p:txBody>
-      </p:sp>
-    </p:spTree>
-    <p:extLst>
-      <p:ext uri="{BB962C8B-B14F-4D97-AF65-F5344CB8AC3E}">
-        <p14:creationId xmlns:p14="http://schemas.microsoft.com/office/powerpoint/2010/main" val="2945631950"/>
-      </p:ext>
-    </p:extLst>
-  </p:cSld>
-  <p:clrMapOvr>
-    <a:masterClrMapping/>
-  </p:clrMapOvr>
-</p:sldLayout>
-</file>
-
-<file path=ppt/slideLayouts/slideLayout22.xml><?xml version="1.0" encoding="utf-8"?>
-<p:sldLayout xmlns:a="http://schemas.openxmlformats.org/drawingml/2006/main" xmlns:r="http://schemas.openxmlformats.org/officeDocument/2006/relationships" xmlns:p="http://schemas.openxmlformats.org/presentationml/2006/main" type="twoTxTwoObj" preserve="1">
-  <p:cSld name="Comparison">
-    <p:spTree>
-      <p:nvGrpSpPr>
-        <p:cNvPr id="1" name=""/>
-        <p:cNvGrpSpPr/>
-        <p:nvPr/>
-      </p:nvGrpSpPr>
-      <p:grpSpPr>
-        <a:xfrm>
-          <a:off x="0" y="0"/>
-          <a:ext cx="0" cy="0"/>
-          <a:chOff x="0" y="0"/>
-          <a:chExt cx="0" cy="0"/>
-        </a:xfrm>
-      </p:grpSpPr>
-      <p:sp>
-        <p:nvSpPr>
-          <p:cNvPr id="2" name="Title 1"/>
-          <p:cNvSpPr>
-            <a:spLocks noGrp="1"/>
-          </p:cNvSpPr>
-          <p:nvPr>
-            <p:ph type="title"/>
-          </p:nvPr>
-        </p:nvSpPr>
-        <p:spPr/>
-        <p:txBody>
-          <a:bodyPr/>
-          <a:lstStyle>
-            <a:lvl1pPr>
-              <a:defRPr/>
-            </a:lvl1pPr>
-          </a:lstStyle>
-          <a:p>
-            <a:r>
-              <a:rPr lang="en-US" smtClean="0"/>
-              <a:t>Click to edit Master title style</a:t>
-            </a:r>
-            <a:endParaRPr lang="en-US"/>
-          </a:p>
-        </p:txBody>
-      </p:sp>
-      <p:sp>
-        <p:nvSpPr>
-          <p:cNvPr id="3" name="Text Placeholder 2"/>
-          <p:cNvSpPr>
-            <a:spLocks noGrp="1"/>
-          </p:cNvSpPr>
-          <p:nvPr>
-            <p:ph type="body" idx="1"/>
-          </p:nvPr>
-        </p:nvSpPr>
-        <p:spPr>
-          <a:xfrm>
-            <a:off x="457200" y="1535113"/>
-            <a:ext cx="4040188" cy="639762"/>
-          </a:xfrm>
-        </p:spPr>
-        <p:txBody>
-          <a:bodyPr anchor="b"/>
-          <a:lstStyle>
-            <a:lvl1pPr marL="0" indent="0">
-              <a:buNone/>
-              <a:defRPr sz="2400" b="1"/>
-            </a:lvl1pPr>
-            <a:lvl2pPr marL="457200" indent="0">
-              <a:buNone/>
-              <a:defRPr sz="2000" b="1"/>
-            </a:lvl2pPr>
-            <a:lvl3pPr marL="914400" indent="0">
-              <a:buNone/>
-              <a:defRPr sz="1800" b="1"/>
-            </a:lvl3pPr>
-            <a:lvl4pPr marL="1371600" indent="0">
-              <a:buNone/>
-              <a:defRPr sz="1600" b="1"/>
-            </a:lvl4pPr>
-            <a:lvl5pPr marL="1828800" indent="0">
-              <a:buNone/>
-              <a:defRPr sz="1600" b="1"/>
-            </a:lvl5pPr>
-            <a:lvl6pPr marL="2286000" indent="0">
-              <a:buNone/>
-              <a:defRPr sz="1600" b="1"/>
-            </a:lvl6pPr>
-            <a:lvl7pPr marL="2743200" indent="0">
-              <a:buNone/>
-              <a:defRPr sz="1600" b="1"/>
-            </a:lvl7pPr>
-            <a:lvl8pPr marL="3200400" indent="0">
-              <a:buNone/>
-              <a:defRPr sz="1600" b="1"/>
-            </a:lvl8pPr>
-            <a:lvl9pPr marL="3657600" indent="0">
-              <a:buNone/>
-              <a:defRPr sz="1600" b="1"/>
-            </a:lvl9pPr>
-          </a:lstStyle>
-          <a:p>
-            <a:pPr lvl="0"/>
-            <a:r>
-              <a:rPr lang="en-US" smtClean="0"/>
-              <a:t>Click to edit Master text styles</a:t>
-            </a:r>
-          </a:p>
-        </p:txBody>
-      </p:sp>
-      <p:sp>
-        <p:nvSpPr>
-          <p:cNvPr id="4" name="Content Placeholder 3"/>
-          <p:cNvSpPr>
-            <a:spLocks noGrp="1"/>
-          </p:cNvSpPr>
-          <p:nvPr>
-            <p:ph sz="half" idx="2"/>
-          </p:nvPr>
-        </p:nvSpPr>
-        <p:spPr>
-          <a:xfrm>
-            <a:off x="457200" y="2174875"/>
-            <a:ext cx="4040188" cy="3951288"/>
-          </a:xfrm>
-        </p:spPr>
-        <p:txBody>
-          <a:bodyPr/>
-          <a:lstStyle>
-            <a:lvl1pPr>
-              <a:defRPr sz="2400"/>
-            </a:lvl1pPr>
-            <a:lvl2pPr>
-              <a:defRPr sz="2000"/>
-            </a:lvl2pPr>
-            <a:lvl3pPr>
-              <a:defRPr sz="1800"/>
-            </a:lvl3pPr>
-            <a:lvl4pPr>
-              <a:defRPr sz="1600"/>
-            </a:lvl4pPr>
-            <a:lvl5pPr>
-              <a:defRPr sz="1600"/>
-            </a:lvl5pPr>
-            <a:lvl6pPr>
-              <a:defRPr sz="1600"/>
-            </a:lvl6pPr>
-            <a:lvl7pPr>
-              <a:defRPr sz="1600"/>
-            </a:lvl7pPr>
-            <a:lvl8pPr>
-              <a:defRPr sz="1600"/>
-            </a:lvl8pPr>
-            <a:lvl9pPr>
-              <a:defRPr sz="1600"/>
-            </a:lvl9pPr>
-          </a:lstStyle>
-          <a:p>
-            <a:pPr lvl="0"/>
-            <a:r>
-              <a:rPr lang="en-US" smtClean="0"/>
-              <a:t>Click to edit Master text styles</a:t>
-            </a:r>
-          </a:p>
-          <a:p>
-            <a:pPr lvl="1"/>
-            <a:r>
-              <a:rPr lang="en-US" smtClean="0"/>
-              <a:t>Second level</a:t>
-            </a:r>
-          </a:p>
-          <a:p>
-            <a:pPr lvl="2"/>
-            <a:r>
-              <a:rPr lang="en-US" smtClean="0"/>
-              <a:t>Third level</a:t>
-            </a:r>
-          </a:p>
-          <a:p>
-            <a:pPr lvl="3"/>
-            <a:r>
-              <a:rPr lang="en-US" smtClean="0"/>
-              <a:t>Fourth level</a:t>
-            </a:r>
-          </a:p>
-          <a:p>
-            <a:pPr lvl="4"/>
-            <a:r>
-              <a:rPr lang="en-US" smtClean="0"/>
-              <a:t>Fifth level</a:t>
-            </a:r>
-            <a:endParaRPr lang="en-US"/>
-          </a:p>
-        </p:txBody>
-      </p:sp>
-      <p:sp>
-        <p:nvSpPr>
-          <p:cNvPr id="5" name="Text Placeholder 4"/>
-          <p:cNvSpPr>
-            <a:spLocks noGrp="1"/>
-          </p:cNvSpPr>
-          <p:nvPr>
-            <p:ph type="body" sz="quarter" idx="3"/>
-          </p:nvPr>
-        </p:nvSpPr>
-        <p:spPr>
-          <a:xfrm>
-            <a:off x="4645025" y="1535113"/>
-            <a:ext cx="4041775" cy="639762"/>
-          </a:xfrm>
-        </p:spPr>
-        <p:txBody>
-          <a:bodyPr anchor="b"/>
-          <a:lstStyle>
-            <a:lvl1pPr marL="0" indent="0">
-              <a:buNone/>
-              <a:defRPr sz="2400" b="1"/>
-            </a:lvl1pPr>
-            <a:lvl2pPr marL="457200" indent="0">
-              <a:buNone/>
-              <a:defRPr sz="2000" b="1"/>
-            </a:lvl2pPr>
-            <a:lvl3pPr marL="914400" indent="0">
-              <a:buNone/>
-              <a:defRPr sz="1800" b="1"/>
-            </a:lvl3pPr>
-            <a:lvl4pPr marL="1371600" indent="0">
-              <a:buNone/>
-              <a:defRPr sz="1600" b="1"/>
-            </a:lvl4pPr>
-            <a:lvl5pPr marL="1828800" indent="0">
-              <a:buNone/>
-              <a:defRPr sz="1600" b="1"/>
-            </a:lvl5pPr>
-            <a:lvl6pPr marL="2286000" indent="0">
-              <a:buNone/>
-              <a:defRPr sz="1600" b="1"/>
-            </a:lvl6pPr>
-            <a:lvl7pPr marL="2743200" indent="0">
-              <a:buNone/>
-              <a:defRPr sz="1600" b="1"/>
-            </a:lvl7pPr>
-            <a:lvl8pPr marL="3200400" indent="0">
-              <a:buNone/>
-              <a:defRPr sz="1600" b="1"/>
-            </a:lvl8pPr>
-            <a:lvl9pPr marL="3657600" indent="0">
-              <a:buNone/>
-              <a:defRPr sz="1600" b="1"/>
-            </a:lvl9pPr>
-          </a:lstStyle>
-          <a:p>
-            <a:pPr lvl="0"/>
-            <a:r>
-              <a:rPr lang="en-US" smtClean="0"/>
-              <a:t>Click to edit Master text styles</a:t>
-            </a:r>
-          </a:p>
-        </p:txBody>
-      </p:sp>
-      <p:sp>
-        <p:nvSpPr>
-          <p:cNvPr id="6" name="Content Placeholder 5"/>
-          <p:cNvSpPr>
-            <a:spLocks noGrp="1"/>
-          </p:cNvSpPr>
-          <p:nvPr>
-            <p:ph sz="quarter" idx="4"/>
-          </p:nvPr>
-        </p:nvSpPr>
-        <p:spPr>
-          <a:xfrm>
-            <a:off x="4645025" y="2174875"/>
-            <a:ext cx="4041775" cy="3951288"/>
-          </a:xfrm>
-        </p:spPr>
-        <p:txBody>
-          <a:bodyPr/>
-          <a:lstStyle>
-            <a:lvl1pPr>
-              <a:defRPr sz="2400"/>
-            </a:lvl1pPr>
-            <a:lvl2pPr>
-              <a:defRPr sz="2000"/>
-            </a:lvl2pPr>
-            <a:lvl3pPr>
-              <a:defRPr sz="1800"/>
-            </a:lvl3pPr>
-            <a:lvl4pPr>
-              <a:defRPr sz="1600"/>
-            </a:lvl4pPr>
-            <a:lvl5pPr>
-              <a:defRPr sz="1600"/>
-            </a:lvl5pPr>
-            <a:lvl6pPr>
-              <a:defRPr sz="1600"/>
-            </a:lvl6pPr>
-            <a:lvl7pPr>
-              <a:defRPr sz="1600"/>
-            </a:lvl7pPr>
-            <a:lvl8pPr>
-              <a:defRPr sz="1600"/>
-            </a:lvl8pPr>
-            <a:lvl9pPr>
-              <a:defRPr sz="1600"/>
-            </a:lvl9pPr>
-          </a:lstStyle>
-          <a:p>
-            <a:pPr lvl="0"/>
-            <a:r>
-              <a:rPr lang="en-US" smtClean="0"/>
-              <a:t>Click to edit Master text styles</a:t>
-            </a:r>
-          </a:p>
-          <a:p>
-            <a:pPr lvl="1"/>
-            <a:r>
-              <a:rPr lang="en-US" smtClean="0"/>
-              <a:t>Second level</a:t>
-            </a:r>
-          </a:p>
-          <a:p>
-            <a:pPr lvl="2"/>
-            <a:r>
-              <a:rPr lang="en-US" smtClean="0"/>
-              <a:t>Third level</a:t>
-            </a:r>
-          </a:p>
-          <a:p>
-            <a:pPr lvl="3"/>
-            <a:r>
-              <a:rPr lang="en-US" smtClean="0"/>
-              <a:t>Fourth level</a:t>
-            </a:r>
-          </a:p>
-          <a:p>
-            <a:pPr lvl="4"/>
-            <a:r>
-              <a:rPr lang="en-US" smtClean="0"/>
-              <a:t>Fifth level</a:t>
-            </a:r>
-            <a:endParaRPr lang="en-US"/>
-          </a:p>
-        </p:txBody>
-      </p:sp>
-      <p:sp>
-        <p:nvSpPr>
-          <p:cNvPr id="7" name="Date Placeholder 6"/>
-          <p:cNvSpPr>
-            <a:spLocks noGrp="1"/>
-          </p:cNvSpPr>
-          <p:nvPr>
-            <p:ph type="dt" sz="half" idx="10"/>
-          </p:nvPr>
-        </p:nvSpPr>
-        <p:spPr/>
-        <p:txBody>
-          <a:bodyPr/>
-          <a:lstStyle/>
-          <a:p>
-            <a:fld id="{E411FFC3-CDF5-4418-B7A3-07F51962F18D}" type="datetimeFigureOut">
-              <a:rPr lang="en-US" smtClean="0">
-                <a:solidFill>
-                  <a:prstClr val="black">
-                    <a:tint val="75000"/>
-                  </a:prstClr>
-                </a:solidFill>
-              </a:rPr>
-              <a:pPr/>
-              <a:t>8/17/2013</a:t>
-            </a:fld>
-            <a:endParaRPr lang="en-US">
-              <a:solidFill>
-                <a:prstClr val="black">
-                  <a:tint val="75000"/>
-                </a:prstClr>
-              </a:solidFill>
-            </a:endParaRPr>
-          </a:p>
-        </p:txBody>
-      </p:sp>
-      <p:sp>
-        <p:nvSpPr>
-          <p:cNvPr id="8" name="Footer Placeholder 7"/>
-          <p:cNvSpPr>
-            <a:spLocks noGrp="1"/>
-          </p:cNvSpPr>
-          <p:nvPr>
-            <p:ph type="ftr" sz="quarter" idx="11"/>
-          </p:nvPr>
-        </p:nvSpPr>
-        <p:spPr/>
-        <p:txBody>
-          <a:bodyPr/>
-          <a:lstStyle/>
-          <a:p>
-            <a:endParaRPr lang="en-US">
-              <a:solidFill>
-                <a:prstClr val="black">
-                  <a:tint val="75000"/>
-                </a:prstClr>
-              </a:solidFill>
-            </a:endParaRPr>
-          </a:p>
-        </p:txBody>
-      </p:sp>
-      <p:sp>
-        <p:nvSpPr>
-          <p:cNvPr id="9" name="Slide Number Placeholder 8"/>
-          <p:cNvSpPr>
-            <a:spLocks noGrp="1"/>
-          </p:cNvSpPr>
-          <p:nvPr>
-            <p:ph type="sldNum" sz="quarter" idx="12"/>
-          </p:nvPr>
-        </p:nvSpPr>
-        <p:spPr/>
-        <p:txBody>
-          <a:bodyPr/>
-          <a:lstStyle/>
-          <a:p>
-            <a:fld id="{CBF525FA-2286-48CE-ADB3-8C13DA28DF99}" type="slidenum">
-              <a:rPr lang="en-US" smtClean="0">
-                <a:solidFill>
-                  <a:prstClr val="black">
-                    <a:tint val="75000"/>
-                  </a:prstClr>
-                </a:solidFill>
-              </a:rPr>
-              <a:pPr/>
-              <a:t>‹#›</a:t>
-            </a:fld>
-            <a:endParaRPr lang="en-US">
-              <a:solidFill>
-                <a:prstClr val="black">
-                  <a:tint val="75000"/>
-                </a:prstClr>
-              </a:solidFill>
-            </a:endParaRPr>
-          </a:p>
-        </p:txBody>
-      </p:sp>
-    </p:spTree>
-    <p:extLst>
-      <p:ext uri="{BB962C8B-B14F-4D97-AF65-F5344CB8AC3E}">
-        <p14:creationId xmlns:p14="http://schemas.microsoft.com/office/powerpoint/2010/main" val="1454255954"/>
-      </p:ext>
-    </p:extLst>
-  </p:cSld>
-  <p:clrMapOvr>
-    <a:masterClrMapping/>
-  </p:clrMapOvr>
-</p:sldLayout>
-</file>
-
-<file path=ppt/slideLayouts/slideLayout23.xml><?xml version="1.0" encoding="utf-8"?>
-<p:sldLayout xmlns:a="http://schemas.openxmlformats.org/drawingml/2006/main" xmlns:r="http://schemas.openxmlformats.org/officeDocument/2006/relationships" xmlns:p="http://schemas.openxmlformats.org/presentationml/2006/main" type="titleOnly" preserve="1">
-  <p:cSld name="Title Only">
-    <p:spTree>
-      <p:nvGrpSpPr>
-        <p:cNvPr id="1" name=""/>
-        <p:cNvGrpSpPr/>
-        <p:nvPr/>
-      </p:nvGrpSpPr>
-      <p:grpSpPr>
-        <a:xfrm>
-          <a:off x="0" y="0"/>
-          <a:ext cx="0" cy="0"/>
-          <a:chOff x="0" y="0"/>
-          <a:chExt cx="0" cy="0"/>
-        </a:xfrm>
-      </p:grpSpPr>
-      <p:sp>
-        <p:nvSpPr>
-          <p:cNvPr id="2" name="Title 1"/>
-          <p:cNvSpPr>
-            <a:spLocks noGrp="1"/>
-          </p:cNvSpPr>
-          <p:nvPr>
-            <p:ph type="title"/>
-          </p:nvPr>
-        </p:nvSpPr>
-        <p:spPr/>
-        <p:txBody>
-          <a:bodyPr/>
-          <a:lstStyle/>
-          <a:p>
-            <a:r>
-              <a:rPr lang="en-US" smtClean="0"/>
-              <a:t>Click to edit Master title style</a:t>
-            </a:r>
-            <a:endParaRPr lang="en-US"/>
-          </a:p>
-        </p:txBody>
-      </p:sp>
-      <p:sp>
-        <p:nvSpPr>
-          <p:cNvPr id="3" name="Date Placeholder 2"/>
-          <p:cNvSpPr>
-            <a:spLocks noGrp="1"/>
-          </p:cNvSpPr>
-          <p:nvPr>
-            <p:ph type="dt" sz="half" idx="10"/>
-          </p:nvPr>
-        </p:nvSpPr>
-        <p:spPr/>
-        <p:txBody>
-          <a:bodyPr/>
-          <a:lstStyle/>
-          <a:p>
-            <a:fld id="{E411FFC3-CDF5-4418-B7A3-07F51962F18D}" type="datetimeFigureOut">
-              <a:rPr lang="en-US" smtClean="0">
-                <a:solidFill>
-                  <a:prstClr val="black">
-                    <a:tint val="75000"/>
-                  </a:prstClr>
-                </a:solidFill>
-              </a:rPr>
-              <a:pPr/>
-              <a:t>8/17/2013</a:t>
-            </a:fld>
-            <a:endParaRPr lang="en-US">
-              <a:solidFill>
-                <a:prstClr val="black">
-                  <a:tint val="75000"/>
-                </a:prstClr>
-              </a:solidFill>
-            </a:endParaRPr>
-          </a:p>
-        </p:txBody>
-      </p:sp>
-      <p:sp>
-        <p:nvSpPr>
-          <p:cNvPr id="4" name="Footer Placeholder 3"/>
-          <p:cNvSpPr>
-            <a:spLocks noGrp="1"/>
-          </p:cNvSpPr>
-          <p:nvPr>
-            <p:ph type="ftr" sz="quarter" idx="11"/>
-          </p:nvPr>
-        </p:nvSpPr>
-        <p:spPr/>
-        <p:txBody>
-          <a:bodyPr/>
-          <a:lstStyle/>
-          <a:p>
-            <a:endParaRPr lang="en-US">
-              <a:solidFill>
-                <a:prstClr val="black">
-                  <a:tint val="75000"/>
-                </a:prstClr>
-              </a:solidFill>
-            </a:endParaRPr>
-          </a:p>
-        </p:txBody>
-      </p:sp>
-      <p:sp>
-        <p:nvSpPr>
-          <p:cNvPr id="5" name="Slide Number Placeholder 4"/>
-          <p:cNvSpPr>
-            <a:spLocks noGrp="1"/>
-          </p:cNvSpPr>
-          <p:nvPr>
-            <p:ph type="sldNum" sz="quarter" idx="12"/>
-          </p:nvPr>
-        </p:nvSpPr>
-        <p:spPr/>
-        <p:txBody>
-          <a:bodyPr/>
-          <a:lstStyle/>
-          <a:p>
-            <a:fld id="{CBF525FA-2286-48CE-ADB3-8C13DA28DF99}" type="slidenum">
-              <a:rPr lang="en-US" smtClean="0">
-                <a:solidFill>
-                  <a:prstClr val="black">
-                    <a:tint val="75000"/>
-                  </a:prstClr>
-                </a:solidFill>
-              </a:rPr>
-              <a:pPr/>
-              <a:t>‹#›</a:t>
-            </a:fld>
-            <a:endParaRPr lang="en-US">
-              <a:solidFill>
-                <a:prstClr val="black">
-                  <a:tint val="75000"/>
-                </a:prstClr>
-              </a:solidFill>
-            </a:endParaRPr>
-          </a:p>
-        </p:txBody>
-      </p:sp>
-    </p:spTree>
-    <p:extLst>
-      <p:ext uri="{BB962C8B-B14F-4D97-AF65-F5344CB8AC3E}">
-        <p14:creationId xmlns:p14="http://schemas.microsoft.com/office/powerpoint/2010/main" val="1307811002"/>
-      </p:ext>
-    </p:extLst>
-  </p:cSld>
-  <p:clrMapOvr>
-    <a:masterClrMapping/>
-  </p:clrMapOvr>
-</p:sldLayout>
-</file>
-
-<file path=ppt/slideLayouts/slideLayout24.xml><?xml version="1.0" encoding="utf-8"?>
-<p:sldLayout xmlns:a="http://schemas.openxmlformats.org/drawingml/2006/main" xmlns:r="http://schemas.openxmlformats.org/officeDocument/2006/relationships" xmlns:p="http://schemas.openxmlformats.org/presentationml/2006/main" type="blank" preserve="1">
-  <p:cSld name="Blank">
-    <p:spTree>
-      <p:nvGrpSpPr>
-        <p:cNvPr id="1" name=""/>
-        <p:cNvGrpSpPr/>
-        <p:nvPr/>
-      </p:nvGrpSpPr>
-      <p:grpSpPr>
-        <a:xfrm>
-          <a:off x="0" y="0"/>
-          <a:ext cx="0" cy="0"/>
-          <a:chOff x="0" y="0"/>
-          <a:chExt cx="0" cy="0"/>
-        </a:xfrm>
-      </p:grpSpPr>
-      <p:sp>
-        <p:nvSpPr>
-          <p:cNvPr id="2" name="Date Placeholder 1"/>
-          <p:cNvSpPr>
-            <a:spLocks noGrp="1"/>
-          </p:cNvSpPr>
-          <p:nvPr>
-            <p:ph type="dt" sz="half" idx="10"/>
-          </p:nvPr>
-        </p:nvSpPr>
-        <p:spPr/>
-        <p:txBody>
-          <a:bodyPr/>
-          <a:lstStyle/>
-          <a:p>
-            <a:fld id="{E411FFC3-CDF5-4418-B7A3-07F51962F18D}" type="datetimeFigureOut">
-              <a:rPr lang="en-US" smtClean="0">
-                <a:solidFill>
-                  <a:prstClr val="black">
-                    <a:tint val="75000"/>
-                  </a:prstClr>
-                </a:solidFill>
-              </a:rPr>
-              <a:pPr/>
-              <a:t>8/17/2013</a:t>
-            </a:fld>
-            <a:endParaRPr lang="en-US">
-              <a:solidFill>
-                <a:prstClr val="black">
-                  <a:tint val="75000"/>
-                </a:prstClr>
-              </a:solidFill>
-            </a:endParaRPr>
-          </a:p>
-        </p:txBody>
-      </p:sp>
-      <p:sp>
-        <p:nvSpPr>
-          <p:cNvPr id="3" name="Footer Placeholder 2"/>
-          <p:cNvSpPr>
-            <a:spLocks noGrp="1"/>
-          </p:cNvSpPr>
-          <p:nvPr>
-            <p:ph type="ftr" sz="quarter" idx="11"/>
-          </p:nvPr>
-        </p:nvSpPr>
-        <p:spPr/>
-        <p:txBody>
-          <a:bodyPr/>
-          <a:lstStyle/>
-          <a:p>
-            <a:endParaRPr lang="en-US">
-              <a:solidFill>
-                <a:prstClr val="black">
-                  <a:tint val="75000"/>
-                </a:prstClr>
-              </a:solidFill>
-            </a:endParaRPr>
-          </a:p>
-        </p:txBody>
-      </p:sp>
-      <p:sp>
-        <p:nvSpPr>
-          <p:cNvPr id="4" name="Slide Number Placeholder 3"/>
-          <p:cNvSpPr>
-            <a:spLocks noGrp="1"/>
-          </p:cNvSpPr>
-          <p:nvPr>
-            <p:ph type="sldNum" sz="quarter" idx="12"/>
-          </p:nvPr>
-        </p:nvSpPr>
-        <p:spPr/>
-        <p:txBody>
-          <a:bodyPr/>
-          <a:lstStyle/>
-          <a:p>
-            <a:fld id="{CBF525FA-2286-48CE-ADB3-8C13DA28DF99}" type="slidenum">
-              <a:rPr lang="en-US" smtClean="0">
-                <a:solidFill>
-                  <a:prstClr val="black">
-                    <a:tint val="75000"/>
-                  </a:prstClr>
-                </a:solidFill>
-              </a:rPr>
-              <a:pPr/>
-              <a:t>‹#›</a:t>
-            </a:fld>
-            <a:endParaRPr lang="en-US">
-              <a:solidFill>
-                <a:prstClr val="black">
-                  <a:tint val="75000"/>
-                </a:prstClr>
-              </a:solidFill>
-            </a:endParaRPr>
-          </a:p>
-        </p:txBody>
-      </p:sp>
-    </p:spTree>
-    <p:extLst>
-      <p:ext uri="{BB962C8B-B14F-4D97-AF65-F5344CB8AC3E}">
-        <p14:creationId xmlns:p14="http://schemas.microsoft.com/office/powerpoint/2010/main" val="2376184115"/>
-      </p:ext>
-    </p:extLst>
-  </p:cSld>
-  <p:clrMapOvr>
-    <a:masterClrMapping/>
-  </p:clrMapOvr>
-</p:sldLayout>
-</file>
-
-<file path=ppt/slideLayouts/slideLayout25.xml><?xml version="1.0" encoding="utf-8"?>
-<p:sldLayout xmlns:a="http://schemas.openxmlformats.org/drawingml/2006/main" xmlns:r="http://schemas.openxmlformats.org/officeDocument/2006/relationships" xmlns:p="http://schemas.openxmlformats.org/presentationml/2006/main" type="objTx" preserve="1">
-  <p:cSld name="Content with Caption">
-    <p:spTree>
-      <p:nvGrpSpPr>
-        <p:cNvPr id="1" name=""/>
-        <p:cNvGrpSpPr/>
-        <p:nvPr/>
-      </p:nvGrpSpPr>
-      <p:grpSpPr>
-        <a:xfrm>
-          <a:off x="0" y="0"/>
-          <a:ext cx="0" cy="0"/>
-          <a:chOff x="0" y="0"/>
-          <a:chExt cx="0" cy="0"/>
-        </a:xfrm>
-      </p:grpSpPr>
-      <p:sp>
-        <p:nvSpPr>
-          <p:cNvPr id="2" name="Title 1"/>
-          <p:cNvSpPr>
-            <a:spLocks noGrp="1"/>
-          </p:cNvSpPr>
-          <p:nvPr>
-            <p:ph type="title"/>
-          </p:nvPr>
-        </p:nvSpPr>
-        <p:spPr>
-          <a:xfrm>
-            <a:off x="457200" y="273050"/>
-            <a:ext cx="3008313" cy="1162050"/>
-          </a:xfrm>
-        </p:spPr>
-        <p:txBody>
-          <a:bodyPr anchor="b"/>
-          <a:lstStyle>
-            <a:lvl1pPr algn="l">
-              <a:defRPr sz="2000" b="1"/>
-            </a:lvl1pPr>
-          </a:lstStyle>
-          <a:p>
-            <a:r>
-              <a:rPr lang="en-US" smtClean="0"/>
-              <a:t>Click to edit Master title style</a:t>
-            </a:r>
-            <a:endParaRPr lang="en-US"/>
-          </a:p>
-        </p:txBody>
-      </p:sp>
-      <p:sp>
-        <p:nvSpPr>
-          <p:cNvPr id="3" name="Content Placeholder 2"/>
-          <p:cNvSpPr>
-            <a:spLocks noGrp="1"/>
-          </p:cNvSpPr>
-          <p:nvPr>
-            <p:ph idx="1"/>
-          </p:nvPr>
-        </p:nvSpPr>
-        <p:spPr>
-          <a:xfrm>
-            <a:off x="3575050" y="273050"/>
-            <a:ext cx="5111750" cy="5853113"/>
-          </a:xfrm>
-        </p:spPr>
-        <p:txBody>
-          <a:bodyPr/>
-          <a:lstStyle>
-            <a:lvl1pPr>
-              <a:defRPr sz="3200"/>
-            </a:lvl1pPr>
-            <a:lvl2pPr>
-              <a:defRPr sz="2800"/>
-            </a:lvl2pPr>
-            <a:lvl3pPr>
-              <a:defRPr sz="2400"/>
-            </a:lvl3pPr>
-            <a:lvl4pPr>
-              <a:defRPr sz="2000"/>
-            </a:lvl4pPr>
-            <a:lvl5pPr>
-              <a:defRPr sz="2000"/>
-            </a:lvl5pPr>
-            <a:lvl6pPr>
-              <a:defRPr sz="2000"/>
-            </a:lvl6pPr>
-            <a:lvl7pPr>
-              <a:defRPr sz="2000"/>
-            </a:lvl7pPr>
-            <a:lvl8pPr>
-              <a:defRPr sz="2000"/>
-            </a:lvl8pPr>
-            <a:lvl9pPr>
-              <a:defRPr sz="2000"/>
-            </a:lvl9pPr>
-          </a:lstStyle>
-          <a:p>
-            <a:pPr lvl="0"/>
-            <a:r>
-              <a:rPr lang="en-US" smtClean="0"/>
-              <a:t>Click to edit Master text styles</a:t>
-            </a:r>
-          </a:p>
-          <a:p>
-            <a:pPr lvl="1"/>
-            <a:r>
-              <a:rPr lang="en-US" smtClean="0"/>
-              <a:t>Second level</a:t>
-            </a:r>
-          </a:p>
-          <a:p>
-            <a:pPr lvl="2"/>
-            <a:r>
-              <a:rPr lang="en-US" smtClean="0"/>
-              <a:t>Third level</a:t>
-            </a:r>
-          </a:p>
-          <a:p>
-            <a:pPr lvl="3"/>
-            <a:r>
-              <a:rPr lang="en-US" smtClean="0"/>
-              <a:t>Fourth level</a:t>
-            </a:r>
-          </a:p>
-          <a:p>
-            <a:pPr lvl="4"/>
-            <a:r>
-              <a:rPr lang="en-US" smtClean="0"/>
-              <a:t>Fifth level</a:t>
-            </a:r>
-            <a:endParaRPr lang="en-US"/>
-          </a:p>
-        </p:txBody>
-      </p:sp>
-      <p:sp>
-        <p:nvSpPr>
-          <p:cNvPr id="4" name="Text Placeholder 3"/>
-          <p:cNvSpPr>
-            <a:spLocks noGrp="1"/>
-          </p:cNvSpPr>
-          <p:nvPr>
-            <p:ph type="body" sz="half" idx="2"/>
-          </p:nvPr>
-        </p:nvSpPr>
-        <p:spPr>
-          <a:xfrm>
-            <a:off x="457200" y="1435100"/>
-            <a:ext cx="3008313" cy="4691063"/>
-          </a:xfrm>
-        </p:spPr>
-        <p:txBody>
-          <a:bodyPr/>
-          <a:lstStyle>
-            <a:lvl1pPr marL="0" indent="0">
-              <a:buNone/>
-              <a:defRPr sz="1400"/>
-            </a:lvl1pPr>
-            <a:lvl2pPr marL="457200" indent="0">
-              <a:buNone/>
-              <a:defRPr sz="1200"/>
-            </a:lvl2pPr>
-            <a:lvl3pPr marL="914400" indent="0">
-              <a:buNone/>
-              <a:defRPr sz="1000"/>
-            </a:lvl3pPr>
-            <a:lvl4pPr marL="1371600" indent="0">
-              <a:buNone/>
-              <a:defRPr sz="900"/>
-            </a:lvl4pPr>
-            <a:lvl5pPr marL="1828800" indent="0">
-              <a:buNone/>
-              <a:defRPr sz="900"/>
-            </a:lvl5pPr>
-            <a:lvl6pPr marL="2286000" indent="0">
-              <a:buNone/>
-              <a:defRPr sz="900"/>
-            </a:lvl6pPr>
-            <a:lvl7pPr marL="2743200" indent="0">
-              <a:buNone/>
-              <a:defRPr sz="900"/>
-            </a:lvl7pPr>
-            <a:lvl8pPr marL="3200400" indent="0">
-              <a:buNone/>
-              <a:defRPr sz="900"/>
-            </a:lvl8pPr>
-            <a:lvl9pPr marL="3657600" indent="0">
-              <a:buNone/>
-              <a:defRPr sz="900"/>
-            </a:lvl9pPr>
-          </a:lstStyle>
-          <a:p>
-            <a:pPr lvl="0"/>
-            <a:r>
-              <a:rPr lang="en-US" smtClean="0"/>
-              <a:t>Click to edit Master text styles</a:t>
-            </a:r>
-          </a:p>
-        </p:txBody>
-      </p:sp>
-      <p:sp>
-        <p:nvSpPr>
-          <p:cNvPr id="5" name="Date Placeholder 4"/>
-          <p:cNvSpPr>
-            <a:spLocks noGrp="1"/>
-          </p:cNvSpPr>
-          <p:nvPr>
-            <p:ph type="dt" sz="half" idx="10"/>
-          </p:nvPr>
-        </p:nvSpPr>
-        <p:spPr/>
-        <p:txBody>
-          <a:bodyPr/>
-          <a:lstStyle/>
-          <a:p>
-            <a:fld id="{E411FFC3-CDF5-4418-B7A3-07F51962F18D}" type="datetimeFigureOut">
-              <a:rPr lang="en-US" smtClean="0">
-                <a:solidFill>
-                  <a:prstClr val="black">
-                    <a:tint val="75000"/>
-                  </a:prstClr>
-                </a:solidFill>
-              </a:rPr>
-              <a:pPr/>
-              <a:t>8/17/2013</a:t>
-            </a:fld>
-            <a:endParaRPr lang="en-US">
-              <a:solidFill>
-                <a:prstClr val="black">
-                  <a:tint val="75000"/>
-                </a:prstClr>
-              </a:solidFill>
-            </a:endParaRPr>
-          </a:p>
-        </p:txBody>
-      </p:sp>
-      <p:sp>
-        <p:nvSpPr>
-          <p:cNvPr id="6" name="Footer Placeholder 5"/>
-          <p:cNvSpPr>
-            <a:spLocks noGrp="1"/>
-          </p:cNvSpPr>
-          <p:nvPr>
-            <p:ph type="ftr" sz="quarter" idx="11"/>
-          </p:nvPr>
-        </p:nvSpPr>
-        <p:spPr/>
-        <p:txBody>
-          <a:bodyPr/>
-          <a:lstStyle/>
-          <a:p>
-            <a:endParaRPr lang="en-US">
-              <a:solidFill>
-                <a:prstClr val="black">
-                  <a:tint val="75000"/>
-                </a:prstClr>
-              </a:solidFill>
-            </a:endParaRPr>
-          </a:p>
-        </p:txBody>
-      </p:sp>
-      <p:sp>
-        <p:nvSpPr>
-          <p:cNvPr id="7" name="Slide Number Placeholder 6"/>
-          <p:cNvSpPr>
-            <a:spLocks noGrp="1"/>
-          </p:cNvSpPr>
-          <p:nvPr>
-            <p:ph type="sldNum" sz="quarter" idx="12"/>
-          </p:nvPr>
-        </p:nvSpPr>
-        <p:spPr/>
-        <p:txBody>
-          <a:bodyPr/>
-          <a:lstStyle/>
-          <a:p>
-            <a:fld id="{CBF525FA-2286-48CE-ADB3-8C13DA28DF99}" type="slidenum">
-              <a:rPr lang="en-US" smtClean="0">
-                <a:solidFill>
-                  <a:prstClr val="black">
-                    <a:tint val="75000"/>
-                  </a:prstClr>
-                </a:solidFill>
-              </a:rPr>
-              <a:pPr/>
-              <a:t>‹#›</a:t>
-            </a:fld>
-            <a:endParaRPr lang="en-US">
-              <a:solidFill>
-                <a:prstClr val="black">
-                  <a:tint val="75000"/>
-                </a:prstClr>
-              </a:solidFill>
-            </a:endParaRPr>
-          </a:p>
-        </p:txBody>
-      </p:sp>
-    </p:spTree>
-    <p:extLst>
-      <p:ext uri="{BB962C8B-B14F-4D97-AF65-F5344CB8AC3E}">
-        <p14:creationId xmlns:p14="http://schemas.microsoft.com/office/powerpoint/2010/main" val="3692150551"/>
-      </p:ext>
-    </p:extLst>
-  </p:cSld>
-  <p:clrMapOvr>
-    <a:masterClrMapping/>
-  </p:clrMapOvr>
-</p:sldLayout>
-</file>
-
-<file path=ppt/slideLayouts/slideLayout26.xml><?xml version="1.0" encoding="utf-8"?>
-<p:sldLayout xmlns:a="http://schemas.openxmlformats.org/drawingml/2006/main" xmlns:r="http://schemas.openxmlformats.org/officeDocument/2006/relationships" xmlns:p="http://schemas.openxmlformats.org/presentationml/2006/main" type="picTx" preserve="1">
-  <p:cSld name="Picture with Caption">
-    <p:spTree>
-      <p:nvGrpSpPr>
-        <p:cNvPr id="1" name=""/>
-        <p:cNvGrpSpPr/>
-        <p:nvPr/>
-      </p:nvGrpSpPr>
-      <p:grpSpPr>
-        <a:xfrm>
-          <a:off x="0" y="0"/>
-          <a:ext cx="0" cy="0"/>
-          <a:chOff x="0" y="0"/>
-          <a:chExt cx="0" cy="0"/>
-        </a:xfrm>
-      </p:grpSpPr>
-      <p:sp>
-        <p:nvSpPr>
-          <p:cNvPr id="2" name="Title 1"/>
-          <p:cNvSpPr>
-            <a:spLocks noGrp="1"/>
-          </p:cNvSpPr>
-          <p:nvPr>
-            <p:ph type="title"/>
-          </p:nvPr>
-        </p:nvSpPr>
-        <p:spPr>
-          <a:xfrm>
-            <a:off x="1792288" y="4800600"/>
-            <a:ext cx="5486400" cy="566738"/>
-          </a:xfrm>
-        </p:spPr>
-        <p:txBody>
-          <a:bodyPr anchor="b"/>
-          <a:lstStyle>
-            <a:lvl1pPr algn="l">
-              <a:defRPr sz="2000" b="1"/>
-            </a:lvl1pPr>
-          </a:lstStyle>
-          <a:p>
-            <a:r>
-              <a:rPr lang="en-US" smtClean="0"/>
-              <a:t>Click to edit Master title style</a:t>
-            </a:r>
-            <a:endParaRPr lang="en-US"/>
-          </a:p>
-        </p:txBody>
-      </p:sp>
-      <p:sp>
-        <p:nvSpPr>
-          <p:cNvPr id="3" name="Picture Placeholder 2"/>
-          <p:cNvSpPr>
-            <a:spLocks noGrp="1"/>
-          </p:cNvSpPr>
-          <p:nvPr>
-            <p:ph type="pic" idx="1"/>
-          </p:nvPr>
-        </p:nvSpPr>
-        <p:spPr>
-          <a:xfrm>
-            <a:off x="1792288" y="612775"/>
-            <a:ext cx="5486400" cy="4114800"/>
-          </a:xfrm>
-        </p:spPr>
-        <p:txBody>
-          <a:bodyPr/>
-          <a:lstStyle>
-            <a:lvl1pPr marL="0" indent="0">
-              <a:buNone/>
-              <a:defRPr sz="3200"/>
-            </a:lvl1pPr>
-            <a:lvl2pPr marL="457200" indent="0">
-              <a:buNone/>
-              <a:defRPr sz="2800"/>
-            </a:lvl2pPr>
-            <a:lvl3pPr marL="914400" indent="0">
-              <a:buNone/>
-              <a:defRPr sz="2400"/>
-            </a:lvl3pPr>
-            <a:lvl4pPr marL="1371600" indent="0">
-              <a:buNone/>
-              <a:defRPr sz="2000"/>
-            </a:lvl4pPr>
-            <a:lvl5pPr marL="1828800" indent="0">
-              <a:buNone/>
-              <a:defRPr sz="2000"/>
-            </a:lvl5pPr>
-            <a:lvl6pPr marL="2286000" indent="0">
-              <a:buNone/>
-              <a:defRPr sz="2000"/>
-            </a:lvl6pPr>
-            <a:lvl7pPr marL="2743200" indent="0">
-              <a:buNone/>
-              <a:defRPr sz="2000"/>
-            </a:lvl7pPr>
-            <a:lvl8pPr marL="3200400" indent="0">
-              <a:buNone/>
-              <a:defRPr sz="2000"/>
-            </a:lvl8pPr>
-            <a:lvl9pPr marL="3657600" indent="0">
-              <a:buNone/>
-              <a:defRPr sz="2000"/>
-            </a:lvl9pPr>
-          </a:lstStyle>
-          <a:p>
-            <a:endParaRPr lang="en-US"/>
-          </a:p>
-        </p:txBody>
-      </p:sp>
-      <p:sp>
-        <p:nvSpPr>
-          <p:cNvPr id="4" name="Text Placeholder 3"/>
-          <p:cNvSpPr>
-            <a:spLocks noGrp="1"/>
-          </p:cNvSpPr>
-          <p:nvPr>
-            <p:ph type="body" sz="half" idx="2"/>
-          </p:nvPr>
-        </p:nvSpPr>
-        <p:spPr>
-          <a:xfrm>
-            <a:off x="1792288" y="5367338"/>
-            <a:ext cx="5486400" cy="804862"/>
-          </a:xfrm>
-        </p:spPr>
-        <p:txBody>
-          <a:bodyPr/>
-          <a:lstStyle>
-            <a:lvl1pPr marL="0" indent="0">
-              <a:buNone/>
-              <a:defRPr sz="1400"/>
-            </a:lvl1pPr>
-            <a:lvl2pPr marL="457200" indent="0">
-              <a:buNone/>
-              <a:defRPr sz="1200"/>
-            </a:lvl2pPr>
-            <a:lvl3pPr marL="914400" indent="0">
-              <a:buNone/>
-              <a:defRPr sz="1000"/>
-            </a:lvl3pPr>
-            <a:lvl4pPr marL="1371600" indent="0">
-              <a:buNone/>
-              <a:defRPr sz="900"/>
-            </a:lvl4pPr>
-            <a:lvl5pPr marL="1828800" indent="0">
-              <a:buNone/>
-              <a:defRPr sz="900"/>
-            </a:lvl5pPr>
-            <a:lvl6pPr marL="2286000" indent="0">
-              <a:buNone/>
-              <a:defRPr sz="900"/>
-            </a:lvl6pPr>
-            <a:lvl7pPr marL="2743200" indent="0">
-              <a:buNone/>
-              <a:defRPr sz="900"/>
-            </a:lvl7pPr>
-            <a:lvl8pPr marL="3200400" indent="0">
-              <a:buNone/>
-              <a:defRPr sz="900"/>
-            </a:lvl8pPr>
-            <a:lvl9pPr marL="3657600" indent="0">
-              <a:buNone/>
-              <a:defRPr sz="900"/>
-            </a:lvl9pPr>
-          </a:lstStyle>
-          <a:p>
-            <a:pPr lvl="0"/>
-            <a:r>
-              <a:rPr lang="en-US" smtClean="0"/>
-              <a:t>Click to edit Master text styles</a:t>
-            </a:r>
-          </a:p>
-        </p:txBody>
-      </p:sp>
-      <p:sp>
-        <p:nvSpPr>
-          <p:cNvPr id="5" name="Date Placeholder 4"/>
-          <p:cNvSpPr>
-            <a:spLocks noGrp="1"/>
-          </p:cNvSpPr>
-          <p:nvPr>
-            <p:ph type="dt" sz="half" idx="10"/>
-          </p:nvPr>
-        </p:nvSpPr>
-        <p:spPr/>
-        <p:txBody>
-          <a:bodyPr/>
-          <a:lstStyle/>
-          <a:p>
-            <a:fld id="{E411FFC3-CDF5-4418-B7A3-07F51962F18D}" type="datetimeFigureOut">
-              <a:rPr lang="en-US" smtClean="0">
-                <a:solidFill>
-                  <a:prstClr val="black">
-                    <a:tint val="75000"/>
-                  </a:prstClr>
-                </a:solidFill>
-              </a:rPr>
-              <a:pPr/>
-              <a:t>8/17/2013</a:t>
-            </a:fld>
-            <a:endParaRPr lang="en-US">
-              <a:solidFill>
-                <a:prstClr val="black">
-                  <a:tint val="75000"/>
-                </a:prstClr>
-              </a:solidFill>
-            </a:endParaRPr>
-          </a:p>
-        </p:txBody>
-      </p:sp>
-      <p:sp>
-        <p:nvSpPr>
-          <p:cNvPr id="6" name="Footer Placeholder 5"/>
-          <p:cNvSpPr>
-            <a:spLocks noGrp="1"/>
-          </p:cNvSpPr>
-          <p:nvPr>
-            <p:ph type="ftr" sz="quarter" idx="11"/>
-          </p:nvPr>
-        </p:nvSpPr>
-        <p:spPr/>
-        <p:txBody>
-          <a:bodyPr/>
-          <a:lstStyle/>
-          <a:p>
-            <a:endParaRPr lang="en-US">
-              <a:solidFill>
-                <a:prstClr val="black">
-                  <a:tint val="75000"/>
-                </a:prstClr>
-              </a:solidFill>
-            </a:endParaRPr>
-          </a:p>
-        </p:txBody>
-      </p:sp>
-      <p:sp>
-        <p:nvSpPr>
-          <p:cNvPr id="7" name="Slide Number Placeholder 6"/>
-          <p:cNvSpPr>
-            <a:spLocks noGrp="1"/>
-          </p:cNvSpPr>
-          <p:nvPr>
-            <p:ph type="sldNum" sz="quarter" idx="12"/>
-          </p:nvPr>
-        </p:nvSpPr>
-        <p:spPr/>
-        <p:txBody>
-          <a:bodyPr/>
-          <a:lstStyle/>
-          <a:p>
-            <a:fld id="{CBF525FA-2286-48CE-ADB3-8C13DA28DF99}" type="slidenum">
-              <a:rPr lang="en-US" smtClean="0">
-                <a:solidFill>
-                  <a:prstClr val="black">
-                    <a:tint val="75000"/>
-                  </a:prstClr>
-                </a:solidFill>
-              </a:rPr>
-              <a:pPr/>
-              <a:t>‹#›</a:t>
-            </a:fld>
-            <a:endParaRPr lang="en-US">
-              <a:solidFill>
-                <a:prstClr val="black">
-                  <a:tint val="75000"/>
-                </a:prstClr>
-              </a:solidFill>
-            </a:endParaRPr>
-          </a:p>
-        </p:txBody>
-      </p:sp>
-    </p:spTree>
-    <p:extLst>
-      <p:ext uri="{BB962C8B-B14F-4D97-AF65-F5344CB8AC3E}">
-        <p14:creationId xmlns:p14="http://schemas.microsoft.com/office/powerpoint/2010/main" val="3214607521"/>
-      </p:ext>
-    </p:extLst>
-  </p:cSld>
-  <p:clrMapOvr>
-    <a:masterClrMapping/>
-  </p:clrMapOvr>
-</p:sldLayout>
-</file>
-
-<file path=ppt/slideLayouts/slideLayout27.xml><?xml version="1.0" encoding="utf-8"?>
-<p:sldLayout xmlns:a="http://schemas.openxmlformats.org/drawingml/2006/main" xmlns:r="http://schemas.openxmlformats.org/officeDocument/2006/relationships" xmlns:p="http://schemas.openxmlformats.org/presentationml/2006/main" type="vertTx" preserve="1">
-  <p:cSld name="Title and Vertical Text">
-    <p:spTree>
-      <p:nvGrpSpPr>
-        <p:cNvPr id="1" name=""/>
-        <p:cNvGrpSpPr/>
-        <p:nvPr/>
-      </p:nvGrpSpPr>
-      <p:grpSpPr>
-        <a:xfrm>
-          <a:off x="0" y="0"/>
-          <a:ext cx="0" cy="0"/>
-          <a:chOff x="0" y="0"/>
-          <a:chExt cx="0" cy="0"/>
-        </a:xfrm>
-      </p:grpSpPr>
-      <p:sp>
-        <p:nvSpPr>
-          <p:cNvPr id="2" name="Title 1"/>
-          <p:cNvSpPr>
-            <a:spLocks noGrp="1"/>
-          </p:cNvSpPr>
-          <p:nvPr>
-            <p:ph type="title"/>
-          </p:nvPr>
-        </p:nvSpPr>
-        <p:spPr/>
-        <p:txBody>
-          <a:bodyPr/>
-          <a:lstStyle/>
-          <a:p>
-            <a:r>
-              <a:rPr lang="en-US" smtClean="0"/>
-              <a:t>Click to edit Master title style</a:t>
-            </a:r>
-            <a:endParaRPr lang="en-US"/>
-          </a:p>
-        </p:txBody>
-      </p:sp>
-      <p:sp>
-        <p:nvSpPr>
-          <p:cNvPr id="3" name="Vertical Text Placeholder 2"/>
-          <p:cNvSpPr>
-            <a:spLocks noGrp="1"/>
-          </p:cNvSpPr>
-          <p:nvPr>
-            <p:ph type="body" orient="vert" idx="1"/>
-          </p:nvPr>
-        </p:nvSpPr>
-        <p:spPr/>
-        <p:txBody>
-          <a:bodyPr vert="eaVert"/>
-          <a:lstStyle/>
-          <a:p>
-            <a:pPr lvl="0"/>
-            <a:r>
-              <a:rPr lang="en-US" smtClean="0"/>
-              <a:t>Click to edit Master text styles</a:t>
-            </a:r>
-          </a:p>
-          <a:p>
-            <a:pPr lvl="1"/>
-            <a:r>
-              <a:rPr lang="en-US" smtClean="0"/>
-              <a:t>Second level</a:t>
-            </a:r>
-          </a:p>
-          <a:p>
-            <a:pPr lvl="2"/>
-            <a:r>
-              <a:rPr lang="en-US" smtClean="0"/>
-              <a:t>Third level</a:t>
-            </a:r>
-          </a:p>
-          <a:p>
-            <a:pPr lvl="3"/>
-            <a:r>
-              <a:rPr lang="en-US" smtClean="0"/>
-              <a:t>Fourth level</a:t>
-            </a:r>
-          </a:p>
-          <a:p>
-            <a:pPr lvl="4"/>
-            <a:r>
-              <a:rPr lang="en-US" smtClean="0"/>
-              <a:t>Fifth level</a:t>
-            </a:r>
-            <a:endParaRPr lang="en-US"/>
-          </a:p>
-        </p:txBody>
-      </p:sp>
-      <p:sp>
-        <p:nvSpPr>
-          <p:cNvPr id="4" name="Date Placeholder 3"/>
-          <p:cNvSpPr>
-            <a:spLocks noGrp="1"/>
-          </p:cNvSpPr>
-          <p:nvPr>
-            <p:ph type="dt" sz="half" idx="10"/>
-          </p:nvPr>
-        </p:nvSpPr>
-        <p:spPr/>
-        <p:txBody>
-          <a:bodyPr/>
-          <a:lstStyle/>
-          <a:p>
-            <a:fld id="{E411FFC3-CDF5-4418-B7A3-07F51962F18D}" type="datetimeFigureOut">
-              <a:rPr lang="en-US" smtClean="0">
-                <a:solidFill>
-                  <a:prstClr val="black">
-                    <a:tint val="75000"/>
-                  </a:prstClr>
-                </a:solidFill>
-              </a:rPr>
-              <a:pPr/>
-              <a:t>8/17/2013</a:t>
-            </a:fld>
-            <a:endParaRPr lang="en-US">
-              <a:solidFill>
-                <a:prstClr val="black">
-                  <a:tint val="75000"/>
-                </a:prstClr>
-              </a:solidFill>
-            </a:endParaRPr>
-          </a:p>
-        </p:txBody>
-      </p:sp>
-      <p:sp>
-        <p:nvSpPr>
-          <p:cNvPr id="5" name="Footer Placeholder 4"/>
-          <p:cNvSpPr>
-            <a:spLocks noGrp="1"/>
-          </p:cNvSpPr>
-          <p:nvPr>
-            <p:ph type="ftr" sz="quarter" idx="11"/>
-          </p:nvPr>
-        </p:nvSpPr>
-        <p:spPr/>
-        <p:txBody>
-          <a:bodyPr/>
-          <a:lstStyle/>
-          <a:p>
-            <a:endParaRPr lang="en-US">
-              <a:solidFill>
-                <a:prstClr val="black">
-                  <a:tint val="75000"/>
-                </a:prstClr>
-              </a:solidFill>
-            </a:endParaRPr>
-          </a:p>
-        </p:txBody>
-      </p:sp>
-      <p:sp>
-        <p:nvSpPr>
-          <p:cNvPr id="6" name="Slide Number Placeholder 5"/>
-          <p:cNvSpPr>
-            <a:spLocks noGrp="1"/>
-          </p:cNvSpPr>
-          <p:nvPr>
-            <p:ph type="sldNum" sz="quarter" idx="12"/>
-          </p:nvPr>
-        </p:nvSpPr>
-        <p:spPr/>
-        <p:txBody>
-          <a:bodyPr/>
-          <a:lstStyle/>
-          <a:p>
-            <a:fld id="{CBF525FA-2286-48CE-ADB3-8C13DA28DF99}" type="slidenum">
-              <a:rPr lang="en-US" smtClean="0">
-                <a:solidFill>
-                  <a:prstClr val="black">
-                    <a:tint val="75000"/>
-                  </a:prstClr>
-                </a:solidFill>
-              </a:rPr>
-              <a:pPr/>
-              <a:t>‹#›</a:t>
-            </a:fld>
-            <a:endParaRPr lang="en-US">
-              <a:solidFill>
-                <a:prstClr val="black">
-                  <a:tint val="75000"/>
-                </a:prstClr>
-              </a:solidFill>
-            </a:endParaRPr>
-          </a:p>
-        </p:txBody>
-      </p:sp>
-    </p:spTree>
-    <p:extLst>
-      <p:ext uri="{BB962C8B-B14F-4D97-AF65-F5344CB8AC3E}">
-        <p14:creationId xmlns:p14="http://schemas.microsoft.com/office/powerpoint/2010/main" val="3083879120"/>
-      </p:ext>
-    </p:extLst>
-  </p:cSld>
-  <p:clrMapOvr>
-    <a:masterClrMapping/>
-  </p:clrMapOvr>
-</p:sldLayout>
-</file>
-
-<file path=ppt/slideLayouts/slideLayout28.xml><?xml version="1.0" encoding="utf-8"?>
-<p:sldLayout xmlns:a="http://schemas.openxmlformats.org/drawingml/2006/main" xmlns:r="http://schemas.openxmlformats.org/officeDocument/2006/relationships" xmlns:p="http://schemas.openxmlformats.org/presentationml/2006/main" type="vertTitleAndTx" preserve="1">
-  <p:cSld name="Vertical Title and Text">
-    <p:spTree>
-      <p:nvGrpSpPr>
-        <p:cNvPr id="1" name=""/>
-        <p:cNvGrpSpPr/>
-        <p:nvPr/>
-      </p:nvGrpSpPr>
-      <p:grpSpPr>
-        <a:xfrm>
-          <a:off x="0" y="0"/>
-          <a:ext cx="0" cy="0"/>
-          <a:chOff x="0" y="0"/>
-          <a:chExt cx="0" cy="0"/>
-        </a:xfrm>
-      </p:grpSpPr>
-      <p:sp>
-        <p:nvSpPr>
-          <p:cNvPr id="2" name="Vertical Title 1"/>
-          <p:cNvSpPr>
-            <a:spLocks noGrp="1"/>
-          </p:cNvSpPr>
-          <p:nvPr>
-            <p:ph type="title" orient="vert"/>
-          </p:nvPr>
-        </p:nvSpPr>
-        <p:spPr>
-          <a:xfrm>
-            <a:off x="6629400" y="274638"/>
-            <a:ext cx="2057400" cy="5851525"/>
-          </a:xfrm>
-        </p:spPr>
-        <p:txBody>
-          <a:bodyPr vert="eaVert"/>
-          <a:lstStyle/>
-          <a:p>
-            <a:r>
-              <a:rPr lang="en-US" smtClean="0"/>
-              <a:t>Click to edit Master title style</a:t>
-            </a:r>
-            <a:endParaRPr lang="en-US"/>
-          </a:p>
-        </p:txBody>
-      </p:sp>
-      <p:sp>
-        <p:nvSpPr>
-          <p:cNvPr id="3" name="Vertical Text Placeholder 2"/>
-          <p:cNvSpPr>
-            <a:spLocks noGrp="1"/>
-          </p:cNvSpPr>
-          <p:nvPr>
-            <p:ph type="body" orient="vert" idx="1"/>
-          </p:nvPr>
-        </p:nvSpPr>
-        <p:spPr>
-          <a:xfrm>
-            <a:off x="457200" y="274638"/>
-            <a:ext cx="6019800" cy="5851525"/>
-          </a:xfrm>
-        </p:spPr>
-        <p:txBody>
-          <a:bodyPr vert="eaVert"/>
-          <a:lstStyle/>
-          <a:p>
-            <a:pPr lvl="0"/>
-            <a:r>
-              <a:rPr lang="en-US" smtClean="0"/>
-              <a:t>Click to edit Master text styles</a:t>
-            </a:r>
-          </a:p>
-          <a:p>
-            <a:pPr lvl="1"/>
-            <a:r>
-              <a:rPr lang="en-US" smtClean="0"/>
-              <a:t>Second level</a:t>
-            </a:r>
-          </a:p>
-          <a:p>
-            <a:pPr lvl="2"/>
-            <a:r>
-              <a:rPr lang="en-US" smtClean="0"/>
-              <a:t>Third level</a:t>
-            </a:r>
-          </a:p>
-          <a:p>
-            <a:pPr lvl="3"/>
-            <a:r>
-              <a:rPr lang="en-US" smtClean="0"/>
-              <a:t>Fourth level</a:t>
-            </a:r>
-          </a:p>
-          <a:p>
-            <a:pPr lvl="4"/>
-            <a:r>
-              <a:rPr lang="en-US" smtClean="0"/>
-              <a:t>Fifth level</a:t>
-            </a:r>
-            <a:endParaRPr lang="en-US"/>
-          </a:p>
-        </p:txBody>
-      </p:sp>
-      <p:sp>
-        <p:nvSpPr>
-          <p:cNvPr id="4" name="Date Placeholder 3"/>
-          <p:cNvSpPr>
-            <a:spLocks noGrp="1"/>
-          </p:cNvSpPr>
-          <p:nvPr>
-            <p:ph type="dt" sz="half" idx="10"/>
-          </p:nvPr>
-        </p:nvSpPr>
-        <p:spPr/>
-        <p:txBody>
-          <a:bodyPr/>
-          <a:lstStyle/>
-          <a:p>
-            <a:fld id="{E411FFC3-CDF5-4418-B7A3-07F51962F18D}" type="datetimeFigureOut">
-              <a:rPr lang="en-US" smtClean="0">
-                <a:solidFill>
-                  <a:prstClr val="black">
-                    <a:tint val="75000"/>
-                  </a:prstClr>
-                </a:solidFill>
-              </a:rPr>
-              <a:pPr/>
-              <a:t>8/17/2013</a:t>
-            </a:fld>
-            <a:endParaRPr lang="en-US">
-              <a:solidFill>
-                <a:prstClr val="black">
-                  <a:tint val="75000"/>
-                </a:prstClr>
-              </a:solidFill>
-            </a:endParaRPr>
-          </a:p>
-        </p:txBody>
-      </p:sp>
-      <p:sp>
-        <p:nvSpPr>
-          <p:cNvPr id="5" name="Footer Placeholder 4"/>
-          <p:cNvSpPr>
-            <a:spLocks noGrp="1"/>
-          </p:cNvSpPr>
-          <p:nvPr>
-            <p:ph type="ftr" sz="quarter" idx="11"/>
-          </p:nvPr>
-        </p:nvSpPr>
-        <p:spPr/>
-        <p:txBody>
-          <a:bodyPr/>
-          <a:lstStyle/>
-          <a:p>
-            <a:endParaRPr lang="en-US">
-              <a:solidFill>
-                <a:prstClr val="black">
-                  <a:tint val="75000"/>
-                </a:prstClr>
-              </a:solidFill>
-            </a:endParaRPr>
-          </a:p>
-        </p:txBody>
-      </p:sp>
-      <p:sp>
-        <p:nvSpPr>
-          <p:cNvPr id="6" name="Slide Number Placeholder 5"/>
-          <p:cNvSpPr>
-            <a:spLocks noGrp="1"/>
-          </p:cNvSpPr>
-          <p:nvPr>
-            <p:ph type="sldNum" sz="quarter" idx="12"/>
-          </p:nvPr>
-        </p:nvSpPr>
-        <p:spPr/>
-        <p:txBody>
-          <a:bodyPr/>
-          <a:lstStyle/>
-          <a:p>
-            <a:fld id="{CBF525FA-2286-48CE-ADB3-8C13DA28DF99}" type="slidenum">
-              <a:rPr lang="en-US" smtClean="0">
-                <a:solidFill>
-                  <a:prstClr val="black">
-                    <a:tint val="75000"/>
-                  </a:prstClr>
-                </a:solidFill>
-              </a:rPr>
-              <a:pPr/>
-              <a:t>‹#›</a:t>
-            </a:fld>
-            <a:endParaRPr lang="en-US">
-              <a:solidFill>
-                <a:prstClr val="black">
-                  <a:tint val="75000"/>
-                </a:prstClr>
-              </a:solidFill>
-            </a:endParaRPr>
-          </a:p>
-        </p:txBody>
-      </p:sp>
-    </p:spTree>
-    <p:extLst>
-      <p:ext uri="{BB962C8B-B14F-4D97-AF65-F5344CB8AC3E}">
-        <p14:creationId xmlns:p14="http://schemas.microsoft.com/office/powerpoint/2010/main" val="2600235144"/>
       </p:ext>
     </p:extLst>
   </p:cSld>
@@ -7010,7 +4937,7 @@
             <a:fld id="{125EDE23-284B-4032-BB13-15D18E5884FA}" type="datetimeFigureOut">
               <a:rPr lang="en-US" smtClean="0"/>
               <a:pPr/>
-              <a:t>8/17/2013</a:t>
+              <a:t>10/10/2013</a:t>
             </a:fld>
             <a:endParaRPr lang="en-US"/>
           </a:p>
@@ -7314,7 +5241,7 @@
             <a:fld id="{125EDE23-284B-4032-BB13-15D18E5884FA}" type="datetimeFigureOut">
               <a:rPr lang="en-US" smtClean="0"/>
               <a:pPr/>
-              <a:t>8/17/2013</a:t>
+              <a:t>10/10/2013</a:t>
             </a:fld>
             <a:endParaRPr lang="en-US"/>
           </a:p>
@@ -7758,7 +5685,7 @@
             <a:fld id="{125EDE23-284B-4032-BB13-15D18E5884FA}" type="datetimeFigureOut">
               <a:rPr lang="en-US" smtClean="0"/>
               <a:pPr/>
-              <a:t>8/17/2013</a:t>
+              <a:t>10/10/2013</a:t>
             </a:fld>
             <a:endParaRPr lang="en-US"/>
           </a:p>
@@ -7878,7 +5805,7 @@
             <a:fld id="{125EDE23-284B-4032-BB13-15D18E5884FA}" type="datetimeFigureOut">
               <a:rPr lang="en-US" smtClean="0"/>
               <a:pPr/>
-              <a:t>8/17/2013</a:t>
+              <a:t>10/10/2013</a:t>
             </a:fld>
             <a:endParaRPr lang="en-US"/>
           </a:p>
@@ -7975,7 +5902,7 @@
             <a:fld id="{125EDE23-284B-4032-BB13-15D18E5884FA}" type="datetimeFigureOut">
               <a:rPr lang="en-US" smtClean="0"/>
               <a:pPr/>
-              <a:t>8/17/2013</a:t>
+              <a:t>10/10/2013</a:t>
             </a:fld>
             <a:endParaRPr lang="en-US"/>
           </a:p>
@@ -8260,7 +6187,7 @@
             <a:fld id="{125EDE23-284B-4032-BB13-15D18E5884FA}" type="datetimeFigureOut">
               <a:rPr lang="en-US" smtClean="0"/>
               <a:pPr/>
-              <a:t>8/17/2013</a:t>
+              <a:t>10/10/2013</a:t>
             </a:fld>
             <a:endParaRPr lang="en-US"/>
           </a:p>
@@ -8553,7 +6480,7 @@
             <a:fld id="{125EDE23-284B-4032-BB13-15D18E5884FA}" type="datetimeFigureOut">
               <a:rPr lang="en-US" smtClean="0"/>
               <a:pPr/>
-              <a:t>8/17/2013</a:t>
+              <a:t>10/10/2013</a:t>
             </a:fld>
             <a:endParaRPr lang="en-US"/>
           </a:p>
@@ -9079,7 +7006,7 @@
             <a:fld id="{125EDE23-284B-4032-BB13-15D18E5884FA}" type="datetimeFigureOut">
               <a:rPr lang="en-US" smtClean="0"/>
               <a:pPr/>
-              <a:t>8/17/2013</a:t>
+              <a:t>10/10/2013</a:t>
             </a:fld>
             <a:endParaRPr lang="en-US"/>
           </a:p>
@@ -9190,6 +7117,8 @@
     <p:sldLayoutId id="2147483699" r:id="rId15"/>
     <p:sldLayoutId id="2147483700" r:id="rId16"/>
     <p:sldLayoutId id="2147483701" r:id="rId17"/>
+    <p:sldLayoutId id="2147483714" r:id="rId18"/>
+    <p:sldLayoutId id="2147483715" r:id="rId19"/>
   </p:sldLayoutIdLst>
   <p:txStyles>
     <p:titleStyle>
@@ -9594,548 +7523,6 @@
 </p:sldMaster>
 </file>
 
-<file path=ppt/slideMasters/slideMaster2.xml><?xml version="1.0" encoding="utf-8"?>
-<p:sldMaster xmlns:a="http://schemas.openxmlformats.org/drawingml/2006/main" xmlns:r="http://schemas.openxmlformats.org/officeDocument/2006/relationships" xmlns:p="http://schemas.openxmlformats.org/presentationml/2006/main">
-  <p:cSld>
-    <p:bg>
-      <p:bgRef idx="1001">
-        <a:schemeClr val="bg1"/>
-      </p:bgRef>
-    </p:bg>
-    <p:spTree>
-      <p:nvGrpSpPr>
-        <p:cNvPr id="1" name=""/>
-        <p:cNvGrpSpPr/>
-        <p:nvPr/>
-      </p:nvGrpSpPr>
-      <p:grpSpPr>
-        <a:xfrm>
-          <a:off x="0" y="0"/>
-          <a:ext cx="0" cy="0"/>
-          <a:chOff x="0" y="0"/>
-          <a:chExt cx="0" cy="0"/>
-        </a:xfrm>
-      </p:grpSpPr>
-      <p:sp>
-        <p:nvSpPr>
-          <p:cNvPr id="2" name="Title Placeholder 1"/>
-          <p:cNvSpPr>
-            <a:spLocks noGrp="1"/>
-          </p:cNvSpPr>
-          <p:nvPr>
-            <p:ph type="title"/>
-          </p:nvPr>
-        </p:nvSpPr>
-        <p:spPr>
-          <a:xfrm>
-            <a:off x="457200" y="274638"/>
-            <a:ext cx="8229600" cy="1143000"/>
-          </a:xfrm>
-          <a:prstGeom prst="rect">
-            <a:avLst/>
-          </a:prstGeom>
-        </p:spPr>
-        <p:txBody>
-          <a:bodyPr vert="horz" lIns="91440" tIns="45720" rIns="91440" bIns="45720" rtlCol="0" anchor="ctr">
-            <a:normAutofit/>
-          </a:bodyPr>
-          <a:lstStyle/>
-          <a:p>
-            <a:r>
-              <a:rPr lang="en-US" smtClean="0"/>
-              <a:t>Click to edit Master title style</a:t>
-            </a:r>
-            <a:endParaRPr lang="en-US"/>
-          </a:p>
-        </p:txBody>
-      </p:sp>
-      <p:sp>
-        <p:nvSpPr>
-          <p:cNvPr id="3" name="Text Placeholder 2"/>
-          <p:cNvSpPr>
-            <a:spLocks noGrp="1"/>
-          </p:cNvSpPr>
-          <p:nvPr>
-            <p:ph type="body" idx="1"/>
-          </p:nvPr>
-        </p:nvSpPr>
-        <p:spPr>
-          <a:xfrm>
-            <a:off x="457200" y="1600200"/>
-            <a:ext cx="8229600" cy="4525963"/>
-          </a:xfrm>
-          <a:prstGeom prst="rect">
-            <a:avLst/>
-          </a:prstGeom>
-        </p:spPr>
-        <p:txBody>
-          <a:bodyPr vert="horz" lIns="91440" tIns="45720" rIns="91440" bIns="45720" rtlCol="0">
-            <a:normAutofit/>
-          </a:bodyPr>
-          <a:lstStyle/>
-          <a:p>
-            <a:pPr lvl="0"/>
-            <a:r>
-              <a:rPr lang="en-US" smtClean="0"/>
-              <a:t>Click to edit Master text styles</a:t>
-            </a:r>
-          </a:p>
-          <a:p>
-            <a:pPr lvl="1"/>
-            <a:r>
-              <a:rPr lang="en-US" smtClean="0"/>
-              <a:t>Second level</a:t>
-            </a:r>
-          </a:p>
-          <a:p>
-            <a:pPr lvl="2"/>
-            <a:r>
-              <a:rPr lang="en-US" smtClean="0"/>
-              <a:t>Third level</a:t>
-            </a:r>
-          </a:p>
-          <a:p>
-            <a:pPr lvl="3"/>
-            <a:r>
-              <a:rPr lang="en-US" smtClean="0"/>
-              <a:t>Fourth level</a:t>
-            </a:r>
-          </a:p>
-          <a:p>
-            <a:pPr lvl="4"/>
-            <a:r>
-              <a:rPr lang="en-US" smtClean="0"/>
-              <a:t>Fifth level</a:t>
-            </a:r>
-            <a:endParaRPr lang="en-US"/>
-          </a:p>
-        </p:txBody>
-      </p:sp>
-      <p:sp>
-        <p:nvSpPr>
-          <p:cNvPr id="4" name="Date Placeholder 3"/>
-          <p:cNvSpPr>
-            <a:spLocks noGrp="1"/>
-          </p:cNvSpPr>
-          <p:nvPr>
-            <p:ph type="dt" sz="half" idx="2"/>
-          </p:nvPr>
-        </p:nvSpPr>
-        <p:spPr>
-          <a:xfrm>
-            <a:off x="457200" y="6356350"/>
-            <a:ext cx="2133600" cy="365125"/>
-          </a:xfrm>
-          <a:prstGeom prst="rect">
-            <a:avLst/>
-          </a:prstGeom>
-        </p:spPr>
-        <p:txBody>
-          <a:bodyPr vert="horz" lIns="91440" tIns="45720" rIns="91440" bIns="45720" rtlCol="0" anchor="ctr"/>
-          <a:lstStyle>
-            <a:lvl1pPr algn="l">
-              <a:defRPr sz="1200">
-                <a:solidFill>
-                  <a:schemeClr val="tx1">
-                    <a:tint val="75000"/>
-                  </a:schemeClr>
-                </a:solidFill>
-              </a:defRPr>
-            </a:lvl1pPr>
-          </a:lstStyle>
-          <a:p>
-            <a:fld id="{E411FFC3-CDF5-4418-B7A3-07F51962F18D}" type="datetimeFigureOut">
-              <a:rPr lang="en-US" smtClean="0">
-                <a:solidFill>
-                  <a:prstClr val="black">
-                    <a:tint val="75000"/>
-                  </a:prstClr>
-                </a:solidFill>
-              </a:rPr>
-              <a:pPr/>
-              <a:t>8/17/2013</a:t>
-            </a:fld>
-            <a:endParaRPr lang="en-US">
-              <a:solidFill>
-                <a:prstClr val="black">
-                  <a:tint val="75000"/>
-                </a:prstClr>
-              </a:solidFill>
-            </a:endParaRPr>
-          </a:p>
-        </p:txBody>
-      </p:sp>
-      <p:sp>
-        <p:nvSpPr>
-          <p:cNvPr id="5" name="Footer Placeholder 4"/>
-          <p:cNvSpPr>
-            <a:spLocks noGrp="1"/>
-          </p:cNvSpPr>
-          <p:nvPr>
-            <p:ph type="ftr" sz="quarter" idx="3"/>
-          </p:nvPr>
-        </p:nvSpPr>
-        <p:spPr>
-          <a:xfrm>
-            <a:off x="3124200" y="6356350"/>
-            <a:ext cx="2895600" cy="365125"/>
-          </a:xfrm>
-          <a:prstGeom prst="rect">
-            <a:avLst/>
-          </a:prstGeom>
-        </p:spPr>
-        <p:txBody>
-          <a:bodyPr vert="horz" lIns="91440" tIns="45720" rIns="91440" bIns="45720" rtlCol="0" anchor="ctr"/>
-          <a:lstStyle>
-            <a:lvl1pPr algn="ctr">
-              <a:defRPr sz="1200">
-                <a:solidFill>
-                  <a:schemeClr val="tx1">
-                    <a:tint val="75000"/>
-                  </a:schemeClr>
-                </a:solidFill>
-              </a:defRPr>
-            </a:lvl1pPr>
-          </a:lstStyle>
-          <a:p>
-            <a:endParaRPr lang="en-US">
-              <a:solidFill>
-                <a:prstClr val="black">
-                  <a:tint val="75000"/>
-                </a:prstClr>
-              </a:solidFill>
-            </a:endParaRPr>
-          </a:p>
-        </p:txBody>
-      </p:sp>
-      <p:sp>
-        <p:nvSpPr>
-          <p:cNvPr id="6" name="Slide Number Placeholder 5"/>
-          <p:cNvSpPr>
-            <a:spLocks noGrp="1"/>
-          </p:cNvSpPr>
-          <p:nvPr>
-            <p:ph type="sldNum" sz="quarter" idx="4"/>
-          </p:nvPr>
-        </p:nvSpPr>
-        <p:spPr>
-          <a:xfrm>
-            <a:off x="6553200" y="6356350"/>
-            <a:ext cx="2133600" cy="365125"/>
-          </a:xfrm>
-          <a:prstGeom prst="rect">
-            <a:avLst/>
-          </a:prstGeom>
-        </p:spPr>
-        <p:txBody>
-          <a:bodyPr vert="horz" lIns="91440" tIns="45720" rIns="91440" bIns="45720" rtlCol="0" anchor="ctr"/>
-          <a:lstStyle>
-            <a:lvl1pPr algn="r">
-              <a:defRPr sz="1200">
-                <a:solidFill>
-                  <a:schemeClr val="tx1">
-                    <a:tint val="75000"/>
-                  </a:schemeClr>
-                </a:solidFill>
-              </a:defRPr>
-            </a:lvl1pPr>
-          </a:lstStyle>
-          <a:p>
-            <a:fld id="{CBF525FA-2286-48CE-ADB3-8C13DA28DF99}" type="slidenum">
-              <a:rPr lang="en-US" smtClean="0">
-                <a:solidFill>
-                  <a:prstClr val="black">
-                    <a:tint val="75000"/>
-                  </a:prstClr>
-                </a:solidFill>
-              </a:rPr>
-              <a:pPr/>
-              <a:t>‹#›</a:t>
-            </a:fld>
-            <a:endParaRPr lang="en-US">
-              <a:solidFill>
-                <a:prstClr val="black">
-                  <a:tint val="75000"/>
-                </a:prstClr>
-              </a:solidFill>
-            </a:endParaRPr>
-          </a:p>
-        </p:txBody>
-      </p:sp>
-    </p:spTree>
-    <p:extLst>
-      <p:ext uri="{BB962C8B-B14F-4D97-AF65-F5344CB8AC3E}">
-        <p14:creationId xmlns:p14="http://schemas.microsoft.com/office/powerpoint/2010/main" val="3953255001"/>
-      </p:ext>
-    </p:extLst>
-  </p:cSld>
-  <p:clrMap bg1="lt1" tx1="dk1" bg2="lt2" tx2="dk2" accent1="accent1" accent2="accent2" accent3="accent3" accent4="accent4" accent5="accent5" accent6="accent6" hlink="hlink" folHlink="folHlink"/>
-  <p:sldLayoutIdLst>
-    <p:sldLayoutId id="2147483703" r:id="rId1"/>
-    <p:sldLayoutId id="2147483704" r:id="rId2"/>
-    <p:sldLayoutId id="2147483705" r:id="rId3"/>
-    <p:sldLayoutId id="2147483706" r:id="rId4"/>
-    <p:sldLayoutId id="2147483707" r:id="rId5"/>
-    <p:sldLayoutId id="2147483708" r:id="rId6"/>
-    <p:sldLayoutId id="2147483709" r:id="rId7"/>
-    <p:sldLayoutId id="2147483710" r:id="rId8"/>
-    <p:sldLayoutId id="2147483711" r:id="rId9"/>
-    <p:sldLayoutId id="2147483712" r:id="rId10"/>
-    <p:sldLayoutId id="2147483713" r:id="rId11"/>
-  </p:sldLayoutIdLst>
-  <p:txStyles>
-    <p:titleStyle>
-      <a:lvl1pPr algn="ctr" defTabSz="914400" rtl="0" eaLnBrk="1" latinLnBrk="0" hangingPunct="1">
-        <a:spcBef>
-          <a:spcPct val="0"/>
-        </a:spcBef>
-        <a:buNone/>
-        <a:defRPr sz="4400" kern="1200">
-          <a:solidFill>
-            <a:schemeClr val="tx1"/>
-          </a:solidFill>
-          <a:latin typeface="+mj-lt"/>
-          <a:ea typeface="+mj-ea"/>
-          <a:cs typeface="+mj-cs"/>
-        </a:defRPr>
-      </a:lvl1pPr>
-    </p:titleStyle>
-    <p:bodyStyle>
-      <a:lvl1pPr marL="342900" indent="-342900" algn="l" defTabSz="914400" rtl="0" eaLnBrk="1" latinLnBrk="0" hangingPunct="1">
-        <a:spcBef>
-          <a:spcPct val="20000"/>
-        </a:spcBef>
-        <a:buFont typeface="Arial" pitchFamily="34" charset="0"/>
-        <a:buChar char="•"/>
-        <a:defRPr sz="3200" kern="1200">
-          <a:solidFill>
-            <a:schemeClr val="tx1"/>
-          </a:solidFill>
-          <a:latin typeface="+mn-lt"/>
-          <a:ea typeface="+mn-ea"/>
-          <a:cs typeface="+mn-cs"/>
-        </a:defRPr>
-      </a:lvl1pPr>
-      <a:lvl2pPr marL="742950" indent="-285750" algn="l" defTabSz="914400" rtl="0" eaLnBrk="1" latinLnBrk="0" hangingPunct="1">
-        <a:spcBef>
-          <a:spcPct val="20000"/>
-        </a:spcBef>
-        <a:buFont typeface="Arial" pitchFamily="34" charset="0"/>
-        <a:buChar char="–"/>
-        <a:defRPr sz="2800" kern="1200">
-          <a:solidFill>
-            <a:schemeClr val="tx1"/>
-          </a:solidFill>
-          <a:latin typeface="+mn-lt"/>
-          <a:ea typeface="+mn-ea"/>
-          <a:cs typeface="+mn-cs"/>
-        </a:defRPr>
-      </a:lvl2pPr>
-      <a:lvl3pPr marL="1143000" indent="-228600" algn="l" defTabSz="914400" rtl="0" eaLnBrk="1" latinLnBrk="0" hangingPunct="1">
-        <a:spcBef>
-          <a:spcPct val="20000"/>
-        </a:spcBef>
-        <a:buFont typeface="Arial" pitchFamily="34" charset="0"/>
-        <a:buChar char="•"/>
-        <a:defRPr sz="2400" kern="1200">
-          <a:solidFill>
-            <a:schemeClr val="tx1"/>
-          </a:solidFill>
-          <a:latin typeface="+mn-lt"/>
-          <a:ea typeface="+mn-ea"/>
-          <a:cs typeface="+mn-cs"/>
-        </a:defRPr>
-      </a:lvl3pPr>
-      <a:lvl4pPr marL="1600200" indent="-228600" algn="l" defTabSz="914400" rtl="0" eaLnBrk="1" latinLnBrk="0" hangingPunct="1">
-        <a:spcBef>
-          <a:spcPct val="20000"/>
-        </a:spcBef>
-        <a:buFont typeface="Arial" pitchFamily="34" charset="0"/>
-        <a:buChar char="–"/>
-        <a:defRPr sz="2000" kern="1200">
-          <a:solidFill>
-            <a:schemeClr val="tx1"/>
-          </a:solidFill>
-          <a:latin typeface="+mn-lt"/>
-          <a:ea typeface="+mn-ea"/>
-          <a:cs typeface="+mn-cs"/>
-        </a:defRPr>
-      </a:lvl4pPr>
-      <a:lvl5pPr marL="2057400" indent="-228600" algn="l" defTabSz="914400" rtl="0" eaLnBrk="1" latinLnBrk="0" hangingPunct="1">
-        <a:spcBef>
-          <a:spcPct val="20000"/>
-        </a:spcBef>
-        <a:buFont typeface="Arial" pitchFamily="34" charset="0"/>
-        <a:buChar char="»"/>
-        <a:defRPr sz="2000" kern="1200">
-          <a:solidFill>
-            <a:schemeClr val="tx1"/>
-          </a:solidFill>
-          <a:latin typeface="+mn-lt"/>
-          <a:ea typeface="+mn-ea"/>
-          <a:cs typeface="+mn-cs"/>
-        </a:defRPr>
-      </a:lvl5pPr>
-      <a:lvl6pPr marL="2514600" indent="-228600" algn="l" defTabSz="914400" rtl="0" eaLnBrk="1" latinLnBrk="0" hangingPunct="1">
-        <a:spcBef>
-          <a:spcPct val="20000"/>
-        </a:spcBef>
-        <a:buFont typeface="Arial" pitchFamily="34" charset="0"/>
-        <a:buChar char="•"/>
-        <a:defRPr sz="2000" kern="1200">
-          <a:solidFill>
-            <a:schemeClr val="tx1"/>
-          </a:solidFill>
-          <a:latin typeface="+mn-lt"/>
-          <a:ea typeface="+mn-ea"/>
-          <a:cs typeface="+mn-cs"/>
-        </a:defRPr>
-      </a:lvl6pPr>
-      <a:lvl7pPr marL="2971800" indent="-228600" algn="l" defTabSz="914400" rtl="0" eaLnBrk="1" latinLnBrk="0" hangingPunct="1">
-        <a:spcBef>
-          <a:spcPct val="20000"/>
-        </a:spcBef>
-        <a:buFont typeface="Arial" pitchFamily="34" charset="0"/>
-        <a:buChar char="•"/>
-        <a:defRPr sz="2000" kern="1200">
-          <a:solidFill>
-            <a:schemeClr val="tx1"/>
-          </a:solidFill>
-          <a:latin typeface="+mn-lt"/>
-          <a:ea typeface="+mn-ea"/>
-          <a:cs typeface="+mn-cs"/>
-        </a:defRPr>
-      </a:lvl7pPr>
-      <a:lvl8pPr marL="3429000" indent="-228600" algn="l" defTabSz="914400" rtl="0" eaLnBrk="1" latinLnBrk="0" hangingPunct="1">
-        <a:spcBef>
-          <a:spcPct val="20000"/>
-        </a:spcBef>
-        <a:buFont typeface="Arial" pitchFamily="34" charset="0"/>
-        <a:buChar char="•"/>
-        <a:defRPr sz="2000" kern="1200">
-          <a:solidFill>
-            <a:schemeClr val="tx1"/>
-          </a:solidFill>
-          <a:latin typeface="+mn-lt"/>
-          <a:ea typeface="+mn-ea"/>
-          <a:cs typeface="+mn-cs"/>
-        </a:defRPr>
-      </a:lvl8pPr>
-      <a:lvl9pPr marL="3886200" indent="-228600" algn="l" defTabSz="914400" rtl="0" eaLnBrk="1" latinLnBrk="0" hangingPunct="1">
-        <a:spcBef>
-          <a:spcPct val="20000"/>
-        </a:spcBef>
-        <a:buFont typeface="Arial" pitchFamily="34" charset="0"/>
-        <a:buChar char="•"/>
-        <a:defRPr sz="2000" kern="1200">
-          <a:solidFill>
-            <a:schemeClr val="tx1"/>
-          </a:solidFill>
-          <a:latin typeface="+mn-lt"/>
-          <a:ea typeface="+mn-ea"/>
-          <a:cs typeface="+mn-cs"/>
-        </a:defRPr>
-      </a:lvl9pPr>
-    </p:bodyStyle>
-    <p:otherStyle>
-      <a:defPPr>
-        <a:defRPr lang="en-US"/>
-      </a:defPPr>
-      <a:lvl1pPr marL="0" algn="l" defTabSz="914400" rtl="0" eaLnBrk="1" latinLnBrk="0" hangingPunct="1">
-        <a:defRPr sz="1800" kern="1200">
-          <a:solidFill>
-            <a:schemeClr val="tx1"/>
-          </a:solidFill>
-          <a:latin typeface="+mn-lt"/>
-          <a:ea typeface="+mn-ea"/>
-          <a:cs typeface="+mn-cs"/>
-        </a:defRPr>
-      </a:lvl1pPr>
-      <a:lvl2pPr marL="457200" algn="l" defTabSz="914400" rtl="0" eaLnBrk="1" latinLnBrk="0" hangingPunct="1">
-        <a:defRPr sz="1800" kern="1200">
-          <a:solidFill>
-            <a:schemeClr val="tx1"/>
-          </a:solidFill>
-          <a:latin typeface="+mn-lt"/>
-          <a:ea typeface="+mn-ea"/>
-          <a:cs typeface="+mn-cs"/>
-        </a:defRPr>
-      </a:lvl2pPr>
-      <a:lvl3pPr marL="914400" algn="l" defTabSz="914400" rtl="0" eaLnBrk="1" latinLnBrk="0" hangingPunct="1">
-        <a:defRPr sz="1800" kern="1200">
-          <a:solidFill>
-            <a:schemeClr val="tx1"/>
-          </a:solidFill>
-          <a:latin typeface="+mn-lt"/>
-          <a:ea typeface="+mn-ea"/>
-          <a:cs typeface="+mn-cs"/>
-        </a:defRPr>
-      </a:lvl3pPr>
-      <a:lvl4pPr marL="1371600" algn="l" defTabSz="914400" rtl="0" eaLnBrk="1" latinLnBrk="0" hangingPunct="1">
-        <a:defRPr sz="1800" kern="1200">
-          <a:solidFill>
-            <a:schemeClr val="tx1"/>
-          </a:solidFill>
-          <a:latin typeface="+mn-lt"/>
-          <a:ea typeface="+mn-ea"/>
-          <a:cs typeface="+mn-cs"/>
-        </a:defRPr>
-      </a:lvl4pPr>
-      <a:lvl5pPr marL="1828800" algn="l" defTabSz="914400" rtl="0" eaLnBrk="1" latinLnBrk="0" hangingPunct="1">
-        <a:defRPr sz="1800" kern="1200">
-          <a:solidFill>
-            <a:schemeClr val="tx1"/>
-          </a:solidFill>
-          <a:latin typeface="+mn-lt"/>
-          <a:ea typeface="+mn-ea"/>
-          <a:cs typeface="+mn-cs"/>
-        </a:defRPr>
-      </a:lvl5pPr>
-      <a:lvl6pPr marL="2286000" algn="l" defTabSz="914400" rtl="0" eaLnBrk="1" latinLnBrk="0" hangingPunct="1">
-        <a:defRPr sz="1800" kern="1200">
-          <a:solidFill>
-            <a:schemeClr val="tx1"/>
-          </a:solidFill>
-          <a:latin typeface="+mn-lt"/>
-          <a:ea typeface="+mn-ea"/>
-          <a:cs typeface="+mn-cs"/>
-        </a:defRPr>
-      </a:lvl6pPr>
-      <a:lvl7pPr marL="2743200" algn="l" defTabSz="914400" rtl="0" eaLnBrk="1" latinLnBrk="0" hangingPunct="1">
-        <a:defRPr sz="1800" kern="1200">
-          <a:solidFill>
-            <a:schemeClr val="tx1"/>
-          </a:solidFill>
-          <a:latin typeface="+mn-lt"/>
-          <a:ea typeface="+mn-ea"/>
-          <a:cs typeface="+mn-cs"/>
-        </a:defRPr>
-      </a:lvl7pPr>
-      <a:lvl8pPr marL="3200400" algn="l" defTabSz="914400" rtl="0" eaLnBrk="1" latinLnBrk="0" hangingPunct="1">
-        <a:defRPr sz="1800" kern="1200">
-          <a:solidFill>
-            <a:schemeClr val="tx1"/>
-          </a:solidFill>
-          <a:latin typeface="+mn-lt"/>
-          <a:ea typeface="+mn-ea"/>
-          <a:cs typeface="+mn-cs"/>
-        </a:defRPr>
-      </a:lvl8pPr>
-      <a:lvl9pPr marL="3657600" algn="l" defTabSz="914400" rtl="0" eaLnBrk="1" latinLnBrk="0" hangingPunct="1">
-        <a:defRPr sz="1800" kern="1200">
-          <a:solidFill>
-            <a:schemeClr val="tx1"/>
-          </a:solidFill>
-          <a:latin typeface="+mn-lt"/>
-          <a:ea typeface="+mn-ea"/>
-          <a:cs typeface="+mn-cs"/>
-        </a:defRPr>
-      </a:lvl9pPr>
-    </p:otherStyle>
-  </p:txStyles>
-</p:sldMaster>
-</file>
-
 <file path=ppt/slides/slide1.xml><?xml version="1.0" encoding="utf-8"?>
 <p:sld xmlns:a="http://schemas.openxmlformats.org/drawingml/2006/main" xmlns:r="http://schemas.openxmlformats.org/officeDocument/2006/relationships" xmlns:p="http://schemas.openxmlformats.org/presentationml/2006/main">
   <p:cSld>
@@ -10155,95 +7542,342 @@
       </p:grpSpPr>
       <p:sp>
         <p:nvSpPr>
-          <p:cNvPr id="3" name="Subtitle 2"/>
-          <p:cNvSpPr>
-            <a:spLocks noGrp="1"/>
-          </p:cNvSpPr>
-          <p:nvPr>
-            <p:ph type="subTitle" idx="1"/>
-          </p:nvPr>
+          <p:cNvPr id="3" name="TextBox 2"/>
+          <p:cNvSpPr txBox="1"/>
+          <p:nvPr/>
         </p:nvSpPr>
         <p:spPr>
           <a:xfrm>
-            <a:off x="228600" y="5486400"/>
-            <a:ext cx="8077200" cy="1194816"/>
+            <a:off x="4992249" y="76200"/>
+            <a:ext cx="4074911" cy="738664"/>
           </a:xfrm>
+          <a:prstGeom prst="rect">
+            <a:avLst/>
+          </a:prstGeom>
+          <a:noFill/>
         </p:spPr>
         <p:txBody>
-          <a:bodyPr/>
+          <a:bodyPr wrap="square" lIns="0" tIns="0" rIns="0" bIns="0" rtlCol="0">
+            <a:spAutoFit/>
+          </a:bodyPr>
           <a:lstStyle/>
           <a:p>
-            <a:r>
-              <a:rPr lang="en-US" dirty="0" smtClean="0"/>
-              <a:t>Shawn </a:t>
-            </a:r>
-            <a:r>
-              <a:rPr lang="en-US" dirty="0" err="1" smtClean="0"/>
-              <a:t>Weisfeld</a:t>
-            </a:r>
-            <a:endParaRPr lang="en-US" dirty="0" smtClean="0"/>
-          </a:p>
-          <a:p>
-            <a:r>
-              <a:rPr lang="en-US" dirty="0" smtClean="0"/>
-              <a:t>shawn@shawnweisfeld.com</a:t>
-            </a:r>
-          </a:p>
-          <a:p>
-            <a:r>
-              <a:rPr lang="en-US" dirty="0" smtClean="0"/>
-              <a:t>http://www.shawnweisfeld.com</a:t>
-            </a:r>
-            <a:endParaRPr lang="en-US" dirty="0"/>
+            <a:pPr algn="ctr"/>
+            <a:r>
+              <a:rPr lang="en-US" sz="2400" b="1" dirty="0" smtClean="0">
+                <a:gradFill>
+                  <a:gsLst>
+                    <a:gs pos="0">
+                      <a:schemeClr val="tx1"/>
+                    </a:gs>
+                    <a:gs pos="86000">
+                      <a:schemeClr val="tx1"/>
+                    </a:gs>
+                  </a:gsLst>
+                  <a:lin ang="5400000" scaled="0"/>
+                </a:gradFill>
+              </a:rPr>
+              <a:t>Please help us!</a:t>
+            </a:r>
+          </a:p>
+          <a:p>
+            <a:pPr algn="ctr"/>
+            <a:r>
+              <a:rPr lang="en-US" sz="2400" b="1" dirty="0" smtClean="0">
+                <a:gradFill>
+                  <a:gsLst>
+                    <a:gs pos="0">
+                      <a:schemeClr val="tx1"/>
+                    </a:gs>
+                    <a:gs pos="86000">
+                      <a:schemeClr val="tx1"/>
+                    </a:gs>
+                  </a:gsLst>
+                  <a:lin ang="5400000" scaled="0"/>
+                </a:gradFill>
+              </a:rPr>
+              <a:t>Thank our Sponsors:</a:t>
+            </a:r>
           </a:p>
         </p:txBody>
       </p:sp>
       <p:pic>
         <p:nvPicPr>
-          <p:cNvPr id="4" name="Picture 2" descr="http://www.typescriptlang.org/content/images/logo_small.png"/>
+          <p:cNvPr id="10" name="Picture 9"/>
           <p:cNvPicPr>
-            <a:picLocks noChangeAspect="1" noChangeArrowheads="1"/>
+            <a:picLocks noChangeAspect="1"/>
           </p:cNvPicPr>
           <p:nvPr/>
         </p:nvPicPr>
         <p:blipFill>
-          <a:blip r:embed="rId2">
+          <a:blip r:embed="rId3">
             <a:extLst>
               <a:ext uri="{28A0092B-C50C-407E-A947-70E740481C1C}">
                 <a14:useLocalDpi xmlns:a14="http://schemas.microsoft.com/office/drawing/2010/main" val="0"/>
               </a:ext>
             </a:extLst>
           </a:blip>
-          <a:srcRect/>
           <a:stretch>
             <a:fillRect/>
           </a:stretch>
         </p:blipFill>
-        <p:spPr bwMode="auto">
+        <p:spPr>
           <a:xfrm>
-            <a:off x="3276600" y="2438400"/>
-            <a:ext cx="4338361" cy="1058562"/>
+            <a:off x="4992249" y="914400"/>
+            <a:ext cx="3962400" cy="5715000"/>
           </a:xfrm>
           <a:prstGeom prst="rect">
             <a:avLst/>
           </a:prstGeom>
-          <a:noFill/>
-          <a:extLst>
-            <a:ext uri="{909E8E84-426E-40DD-AFC4-6F175D3DCCD1}">
-              <a14:hiddenFill xmlns:a14="http://schemas.microsoft.com/office/drawing/2010/main">
-                <a:solidFill>
-                  <a:srgbClr val="FFFFFF"/>
-                </a:solidFill>
-              </a14:hiddenFill>
-            </a:ext>
-          </a:extLst>
         </p:spPr>
       </p:pic>
+      <p:pic>
+        <p:nvPicPr>
+          <p:cNvPr id="11" name="Picture 10"/>
+          <p:cNvPicPr>
+            <a:picLocks noChangeAspect="1"/>
+          </p:cNvPicPr>
+          <p:nvPr/>
+        </p:nvPicPr>
+        <p:blipFill>
+          <a:blip r:embed="rId4">
+            <a:extLst>
+              <a:ext uri="{28A0092B-C50C-407E-A947-70E740481C1C}">
+                <a14:useLocalDpi xmlns:a14="http://schemas.microsoft.com/office/drawing/2010/main" val="0"/>
+              </a:ext>
+            </a:extLst>
+          </a:blip>
+          <a:stretch>
+            <a:fillRect/>
+          </a:stretch>
+        </p:blipFill>
+        <p:spPr>
+          <a:xfrm>
+            <a:off x="209550" y="4876800"/>
+            <a:ext cx="4457700" cy="571500"/>
+          </a:xfrm>
+          <a:prstGeom prst="rect">
+            <a:avLst/>
+          </a:prstGeom>
+        </p:spPr>
+      </p:pic>
+      <p:pic>
+        <p:nvPicPr>
+          <p:cNvPr id="12" name="Picture 11"/>
+          <p:cNvPicPr>
+            <a:picLocks noChangeAspect="1"/>
+          </p:cNvPicPr>
+          <p:nvPr/>
+        </p:nvPicPr>
+        <p:blipFill>
+          <a:blip r:embed="rId5">
+            <a:extLst>
+              <a:ext uri="{28A0092B-C50C-407E-A947-70E740481C1C}">
+                <a14:useLocalDpi xmlns:a14="http://schemas.microsoft.com/office/drawing/2010/main" val="0"/>
+              </a:ext>
+            </a:extLst>
+          </a:blip>
+          <a:stretch>
+            <a:fillRect/>
+          </a:stretch>
+        </p:blipFill>
+        <p:spPr>
+          <a:xfrm>
+            <a:off x="114300" y="914400"/>
+            <a:ext cx="4648200" cy="2974848"/>
+          </a:xfrm>
+          <a:prstGeom prst="rect">
+            <a:avLst/>
+          </a:prstGeom>
+        </p:spPr>
+      </p:pic>
+      <p:sp>
+        <p:nvSpPr>
+          <p:cNvPr id="6" name="Text Box 7"/>
+          <p:cNvSpPr txBox="1">
+            <a:spLocks noChangeArrowheads="1"/>
+          </p:cNvSpPr>
+          <p:nvPr/>
+        </p:nvSpPr>
+        <p:spPr bwMode="auto">
+          <a:xfrm>
+            <a:off x="0" y="6628528"/>
+            <a:ext cx="9144000" cy="246221"/>
+          </a:xfrm>
+          <a:prstGeom prst="rect">
+            <a:avLst/>
+          </a:prstGeom>
+          <a:solidFill>
+            <a:srgbClr val="000000"/>
+          </a:solidFill>
+          <a:ln w="9525">
+            <a:noFill/>
+            <a:miter lim="800000"/>
+            <a:headEnd/>
+            <a:tailEnd/>
+          </a:ln>
+          <a:effectLst/>
+        </p:spPr>
+        <p:txBody>
+          <a:bodyPr anchor="ctr" anchorCtr="1">
+            <a:spAutoFit/>
+          </a:bodyPr>
+          <a:lstStyle/>
+          <a:p>
+            <a:pPr algn="ctr">
+              <a:spcBef>
+                <a:spcPct val="50000"/>
+              </a:spcBef>
+              <a:defRPr/>
+            </a:pPr>
+            <a:r>
+              <a:rPr lang="en-US" sz="1000" b="1" dirty="0" smtClean="0">
+                <a:solidFill>
+                  <a:schemeClr val="bg1"/>
+                </a:solidFill>
+                <a:latin typeface="+mj-lt"/>
+              </a:rPr>
+              <a:t>          Tulsa</a:t>
+            </a:r>
+            <a:r>
+              <a:rPr lang="en-US" sz="1000" b="1" baseline="0" dirty="0" smtClean="0">
+                <a:solidFill>
+                  <a:schemeClr val="bg1"/>
+                </a:solidFill>
+                <a:latin typeface="+mj-lt"/>
+              </a:rPr>
+              <a:t> </a:t>
+            </a:r>
+            <a:r>
+              <a:rPr lang="en-US" sz="1000" b="1" dirty="0" smtClean="0">
+                <a:solidFill>
+                  <a:schemeClr val="bg1"/>
+                </a:solidFill>
+                <a:latin typeface="+mj-lt"/>
+              </a:rPr>
+              <a:t>TechFest 2013              </a:t>
+            </a:r>
+            <a:r>
+              <a:rPr lang="en-US" sz="1000" b="1" dirty="0">
+                <a:solidFill>
+                  <a:schemeClr val="bg1"/>
+                </a:solidFill>
+                <a:latin typeface="+mj-lt"/>
+              </a:rPr>
+              <a:t>|   </a:t>
+            </a:r>
+            <a:r>
+              <a:rPr lang="en-US" sz="1000" b="1" dirty="0" smtClean="0">
+                <a:solidFill>
+                  <a:schemeClr val="bg1"/>
+                </a:solidFill>
+                <a:latin typeface="+mj-lt"/>
+              </a:rPr>
+              <a:t>             Fri, Oct  11</a:t>
+            </a:r>
+            <a:r>
+              <a:rPr lang="en-US" sz="1000" b="1" baseline="30000" dirty="0" smtClean="0">
+                <a:solidFill>
+                  <a:schemeClr val="bg1"/>
+                </a:solidFill>
+                <a:latin typeface="+mj-lt"/>
+              </a:rPr>
+              <a:t>th</a:t>
+            </a:r>
+            <a:r>
+              <a:rPr lang="en-US" sz="1000" b="1" dirty="0">
+                <a:solidFill>
+                  <a:schemeClr val="bg1"/>
+                </a:solidFill>
+                <a:latin typeface="+mj-lt"/>
+              </a:rPr>
+              <a:t>, </a:t>
+            </a:r>
+            <a:r>
+              <a:rPr lang="en-US" sz="1000" b="1" dirty="0" smtClean="0">
+                <a:solidFill>
+                  <a:schemeClr val="bg1"/>
+                </a:solidFill>
+                <a:latin typeface="+mj-lt"/>
+              </a:rPr>
+              <a:t>2013              </a:t>
+            </a:r>
+            <a:r>
+              <a:rPr lang="en-US" sz="1000" b="1" dirty="0">
+                <a:solidFill>
+                  <a:schemeClr val="bg1"/>
+                </a:solidFill>
+                <a:latin typeface="+mj-lt"/>
+              </a:rPr>
+              <a:t>|   </a:t>
+            </a:r>
+            <a:r>
+              <a:rPr lang="en-US" sz="1000" b="1" dirty="0" smtClean="0">
+                <a:solidFill>
+                  <a:schemeClr val="bg1"/>
+                </a:solidFill>
+                <a:latin typeface="+mj-lt"/>
+              </a:rPr>
+              <a:t>             OSU - Tulsa                </a:t>
+            </a:r>
+            <a:r>
+              <a:rPr lang="en-US" sz="1000" b="1" dirty="0">
+                <a:solidFill>
+                  <a:schemeClr val="bg1"/>
+                </a:solidFill>
+                <a:latin typeface="+mj-lt"/>
+              </a:rPr>
+              <a:t>| </a:t>
+            </a:r>
+            <a:r>
+              <a:rPr lang="en-US" sz="1000" b="1" dirty="0" smtClean="0">
+                <a:solidFill>
+                  <a:schemeClr val="bg1"/>
+                </a:solidFill>
+                <a:latin typeface="+mj-lt"/>
+              </a:rPr>
+              <a:t>          57+ Speakers, 19 Tracks &amp; 78</a:t>
+            </a:r>
+            <a:r>
+              <a:rPr lang="en-US" sz="1000" b="1" baseline="0" dirty="0" smtClean="0">
+                <a:solidFill>
+                  <a:schemeClr val="bg1"/>
+                </a:solidFill>
+                <a:latin typeface="+mj-lt"/>
+              </a:rPr>
+              <a:t> Sessions!</a:t>
+            </a:r>
+            <a:r>
+              <a:rPr lang="en-US" sz="1000" b="1" dirty="0" smtClean="0">
+                <a:solidFill>
+                  <a:schemeClr val="bg1"/>
+                </a:solidFill>
+                <a:latin typeface="+mj-lt"/>
+              </a:rPr>
+              <a:t>               </a:t>
+            </a:r>
+            <a:endParaRPr lang="en-US" sz="1000" b="1" dirty="0">
+              <a:solidFill>
+                <a:schemeClr val="bg1"/>
+              </a:solidFill>
+              <a:latin typeface="+mj-lt"/>
+            </a:endParaRPr>
+          </a:p>
+        </p:txBody>
+      </p:sp>
     </p:spTree>
+    <p:extLst>
+      <p:ext uri="{BB962C8B-B14F-4D97-AF65-F5344CB8AC3E}">
+        <p14:creationId xmlns:p14="http://schemas.microsoft.com/office/powerpoint/2010/main" val="2603784822"/>
+      </p:ext>
+    </p:extLst>
   </p:cSld>
   <p:clrMapOvr>
     <a:masterClrMapping/>
   </p:clrMapOvr>
+  <p:transition>
+    <p:fade/>
+  </p:transition>
   <p:timing>
     <p:tnLst>
       <p:par>
@@ -12345,153 +9979,59 @@
       </p:grpSpPr>
       <p:sp>
         <p:nvSpPr>
-          <p:cNvPr id="2" name="Title 1"/>
-          <p:cNvSpPr>
-            <a:spLocks noGrp="1"/>
-          </p:cNvSpPr>
-          <p:nvPr>
-            <p:ph type="ctrTitle"/>
+          <p:cNvPr id="3" name="Subtitle 2"/>
+          <p:cNvSpPr>
+            <a:spLocks noGrp="1"/>
+          </p:cNvSpPr>
+          <p:nvPr>
+            <p:ph type="subTitle" idx="1"/>
           </p:nvPr>
         </p:nvSpPr>
         <p:spPr>
           <a:xfrm>
-            <a:off x="762000" y="152400"/>
-            <a:ext cx="7772400" cy="612775"/>
+            <a:off x="228600" y="5486400"/>
+            <a:ext cx="8077200" cy="1194816"/>
           </a:xfrm>
         </p:spPr>
         <p:txBody>
-          <a:bodyPr>
-            <a:normAutofit fontScale="90000"/>
-          </a:bodyPr>
+          <a:bodyPr/>
           <a:lstStyle/>
           <a:p>
             <a:r>
               <a:rPr lang="en-US" dirty="0" smtClean="0"/>
-              <a:t>Code Camp 2013 Sponsors</a:t>
+              <a:t>Shawn </a:t>
+            </a:r>
+            <a:r>
+              <a:rPr lang="en-US" dirty="0" err="1" smtClean="0"/>
+              <a:t>Weisfeld</a:t>
+            </a:r>
+            <a:endParaRPr lang="en-US" dirty="0" smtClean="0"/>
+          </a:p>
+          <a:p>
+            <a:r>
+              <a:rPr lang="en-US" dirty="0" smtClean="0"/>
+              <a:t>shawn@shawnweisfeld.com</a:t>
+            </a:r>
+          </a:p>
+          <a:p>
+            <a:r>
+              <a:rPr lang="en-US" dirty="0" smtClean="0"/>
+              <a:t>http://www.shawnweisfeld.com</a:t>
             </a:r>
             <a:endParaRPr lang="en-US" dirty="0"/>
-          </a:p>
-        </p:txBody>
-      </p:sp>
-      <p:sp>
-        <p:nvSpPr>
-          <p:cNvPr id="4" name="TextBox 3"/>
-          <p:cNvSpPr txBox="1"/>
-          <p:nvPr/>
-        </p:nvSpPr>
-        <p:spPr>
-          <a:xfrm>
-            <a:off x="76200" y="1066800"/>
-            <a:ext cx="2590800" cy="923330"/>
-          </a:xfrm>
-          <a:prstGeom prst="rect">
-            <a:avLst/>
-          </a:prstGeom>
-          <a:noFill/>
-        </p:spPr>
-        <p:txBody>
-          <a:bodyPr wrap="square" rtlCol="0">
-            <a:spAutoFit/>
-          </a:bodyPr>
-          <a:lstStyle/>
-          <a:p>
-            <a:r>
-              <a:rPr lang="en-US" sz="5400" dirty="0" smtClean="0">
-                <a:solidFill>
-                  <a:prstClr val="black"/>
-                </a:solidFill>
-              </a:rPr>
-              <a:t>Gold</a:t>
-            </a:r>
-            <a:endParaRPr lang="en-US" sz="5400" dirty="0">
-              <a:solidFill>
-                <a:prstClr val="black"/>
-              </a:solidFill>
-            </a:endParaRPr>
-          </a:p>
-        </p:txBody>
-      </p:sp>
-      <p:sp>
-        <p:nvSpPr>
-          <p:cNvPr id="5" name="TextBox 4"/>
-          <p:cNvSpPr txBox="1"/>
-          <p:nvPr/>
-        </p:nvSpPr>
-        <p:spPr>
-          <a:xfrm>
-            <a:off x="0" y="3505200"/>
-            <a:ext cx="1828800" cy="923330"/>
-          </a:xfrm>
-          <a:prstGeom prst="rect">
-            <a:avLst/>
-          </a:prstGeom>
-          <a:noFill/>
-        </p:spPr>
-        <p:txBody>
-          <a:bodyPr wrap="square" rtlCol="0">
-            <a:spAutoFit/>
-          </a:bodyPr>
-          <a:lstStyle/>
-          <a:p>
-            <a:r>
-              <a:rPr lang="en-US" sz="5400" dirty="0" smtClean="0">
-                <a:solidFill>
-                  <a:prstClr val="black"/>
-                </a:solidFill>
-              </a:rPr>
-              <a:t>Silver</a:t>
-            </a:r>
-            <a:endParaRPr lang="en-US" sz="5400" dirty="0">
-              <a:solidFill>
-                <a:prstClr val="black"/>
-              </a:solidFill>
-            </a:endParaRPr>
-          </a:p>
-        </p:txBody>
-      </p:sp>
-      <p:sp>
-        <p:nvSpPr>
-          <p:cNvPr id="6" name="TextBox 5"/>
-          <p:cNvSpPr txBox="1"/>
-          <p:nvPr/>
-        </p:nvSpPr>
-        <p:spPr>
-          <a:xfrm>
-            <a:off x="0" y="5259121"/>
-            <a:ext cx="2438400" cy="923330"/>
-          </a:xfrm>
-          <a:prstGeom prst="rect">
-            <a:avLst/>
-          </a:prstGeom>
-          <a:noFill/>
-        </p:spPr>
-        <p:txBody>
-          <a:bodyPr wrap="square" rtlCol="0">
-            <a:spAutoFit/>
-          </a:bodyPr>
-          <a:lstStyle/>
-          <a:p>
-            <a:r>
-              <a:rPr lang="en-US" sz="5400" dirty="0" smtClean="0">
-                <a:solidFill>
-                  <a:prstClr val="black"/>
-                </a:solidFill>
-              </a:rPr>
-              <a:t>Bronze</a:t>
-            </a:r>
           </a:p>
         </p:txBody>
       </p:sp>
       <p:pic>
         <p:nvPicPr>
-          <p:cNvPr id="1027" name="Picture 3" descr="C:\Users\emcvicker\Downloads\SponsorLogos\dasp-logo-aspnet-tfs-250.png"/>
+          <p:cNvPr id="4" name="Picture 2" descr="http://www.typescriptlang.org/content/images/logo_small.png"/>
           <p:cNvPicPr>
             <a:picLocks noChangeAspect="1" noChangeArrowheads="1"/>
           </p:cNvPicPr>
           <p:nvPr/>
         </p:nvPicPr>
         <p:blipFill>
-          <a:blip r:embed="rId3">
+          <a:blip r:embed="rId2">
             <a:extLst>
               <a:ext uri="{28A0092B-C50C-407E-A947-70E740481C1C}">
                 <a14:useLocalDpi xmlns:a14="http://schemas.microsoft.com/office/drawing/2010/main" val="0"/>
@@ -12505,8 +10045,8 @@
         </p:blipFill>
         <p:spPr bwMode="auto">
           <a:xfrm>
-            <a:off x="4038600" y="5119568"/>
-            <a:ext cx="1600200" cy="832104"/>
+            <a:off x="3276600" y="2438400"/>
+            <a:ext cx="4338361" cy="1058562"/>
           </a:xfrm>
           <a:prstGeom prst="rect">
             <a:avLst/>
@@ -12523,511 +10063,18 @@
           </a:extLst>
         </p:spPr>
       </p:pic>
-      <p:pic>
-        <p:nvPicPr>
-          <p:cNvPr id="1028" name="Picture 4" descr="C:\Users\emcvicker\Downloads\SponsorLogos\FS Logo (Dark) - CWN tag.png"/>
-          <p:cNvPicPr>
-            <a:picLocks noChangeAspect="1" noChangeArrowheads="1"/>
-          </p:cNvPicPr>
-          <p:nvPr/>
-        </p:nvPicPr>
-        <p:blipFill>
-          <a:blip r:embed="rId4" cstate="print">
-            <a:extLst>
-              <a:ext uri="{28A0092B-C50C-407E-A947-70E740481C1C}">
-                <a14:useLocalDpi xmlns:a14="http://schemas.microsoft.com/office/drawing/2010/main" val="0"/>
-              </a:ext>
-            </a:extLst>
-          </a:blip>
-          <a:srcRect/>
-          <a:stretch>
-            <a:fillRect/>
-          </a:stretch>
-        </p:blipFill>
-        <p:spPr bwMode="auto">
-          <a:xfrm>
-            <a:off x="5938348" y="5194913"/>
-            <a:ext cx="2488661" cy="596287"/>
-          </a:xfrm>
-          <a:prstGeom prst="rect">
-            <a:avLst/>
-          </a:prstGeom>
-          <a:noFill/>
-          <a:extLst>
-            <a:ext uri="{909E8E84-426E-40DD-AFC4-6F175D3DCCD1}">
-              <a14:hiddenFill xmlns:a14="http://schemas.microsoft.com/office/drawing/2010/main">
-                <a:solidFill>
-                  <a:srgbClr val="FFFFFF"/>
-                </a:solidFill>
-              </a14:hiddenFill>
-            </a:ext>
-          </a:extLst>
-        </p:spPr>
-      </p:pic>
-      <p:pic>
-        <p:nvPicPr>
-          <p:cNvPr id="1029" name="Picture 5" descr="C:\Users\emcvicker\Downloads\SponsorLogos\Logo-72.png"/>
-          <p:cNvPicPr>
-            <a:picLocks noChangeAspect="1" noChangeArrowheads="1"/>
-          </p:cNvPicPr>
-          <p:nvPr/>
-        </p:nvPicPr>
-        <p:blipFill>
-          <a:blip r:embed="rId5">
-            <a:extLst>
-              <a:ext uri="{28A0092B-C50C-407E-A947-70E740481C1C}">
-                <a14:useLocalDpi xmlns:a14="http://schemas.microsoft.com/office/drawing/2010/main" val="0"/>
-              </a:ext>
-            </a:extLst>
-          </a:blip>
-          <a:srcRect/>
-          <a:stretch>
-            <a:fillRect/>
-          </a:stretch>
-        </p:blipFill>
-        <p:spPr bwMode="auto">
-          <a:xfrm>
-            <a:off x="5830632" y="2299531"/>
-            <a:ext cx="3276600" cy="756138"/>
-          </a:xfrm>
-          <a:prstGeom prst="rect">
-            <a:avLst/>
-          </a:prstGeom>
-          <a:noFill/>
-          <a:extLst>
-            <a:ext uri="{909E8E84-426E-40DD-AFC4-6F175D3DCCD1}">
-              <a14:hiddenFill xmlns:a14="http://schemas.microsoft.com/office/drawing/2010/main">
-                <a:solidFill>
-                  <a:srgbClr val="FFFFFF"/>
-                </a:solidFill>
-              </a14:hiddenFill>
-            </a:ext>
-          </a:extLst>
-        </p:spPr>
-      </p:pic>
-      <p:pic>
-        <p:nvPicPr>
-          <p:cNvPr id="1030" name="Picture 6" descr="C:\Users\emcvicker\Downloads\SponsorLogos\Neudesic%20Logo%201%20PNG%20Transparent%20Background%20Full-Color.png"/>
-          <p:cNvPicPr>
-            <a:picLocks noChangeAspect="1" noChangeArrowheads="1"/>
-          </p:cNvPicPr>
-          <p:nvPr/>
-        </p:nvPicPr>
-        <p:blipFill>
-          <a:blip r:embed="rId6" cstate="print">
-            <a:extLst>
-              <a:ext uri="{28A0092B-C50C-407E-A947-70E740481C1C}">
-                <a14:useLocalDpi xmlns:a14="http://schemas.microsoft.com/office/drawing/2010/main" val="0"/>
-              </a:ext>
-            </a:extLst>
-          </a:blip>
-          <a:srcRect/>
-          <a:stretch>
-            <a:fillRect/>
-          </a:stretch>
-        </p:blipFill>
-        <p:spPr bwMode="auto">
-          <a:xfrm>
-            <a:off x="2150922" y="5318152"/>
-            <a:ext cx="1752599" cy="664142"/>
-          </a:xfrm>
-          <a:prstGeom prst="rect">
-            <a:avLst/>
-          </a:prstGeom>
-          <a:noFill/>
-          <a:extLst>
-            <a:ext uri="{909E8E84-426E-40DD-AFC4-6F175D3DCCD1}">
-              <a14:hiddenFill xmlns:a14="http://schemas.microsoft.com/office/drawing/2010/main">
-                <a:solidFill>
-                  <a:srgbClr val="FFFFFF"/>
-                </a:solidFill>
-              </a14:hiddenFill>
-            </a:ext>
-          </a:extLst>
-        </p:spPr>
-      </p:pic>
-      <p:pic>
-        <p:nvPicPr>
-          <p:cNvPr id="1031" name="Picture 7" descr="C:\Users\emcvicker\Downloads\SponsorLogos\nokia-logos.jpg"/>
-          <p:cNvPicPr>
-            <a:picLocks noChangeAspect="1" noChangeArrowheads="1"/>
-          </p:cNvPicPr>
-          <p:nvPr/>
-        </p:nvPicPr>
-        <p:blipFill>
-          <a:blip r:embed="rId7" cstate="print">
-            <a:extLst>
-              <a:ext uri="{28A0092B-C50C-407E-A947-70E740481C1C}">
-                <a14:useLocalDpi xmlns:a14="http://schemas.microsoft.com/office/drawing/2010/main" val="0"/>
-              </a:ext>
-            </a:extLst>
-          </a:blip>
-          <a:srcRect/>
-          <a:stretch>
-            <a:fillRect/>
-          </a:stretch>
-        </p:blipFill>
-        <p:spPr bwMode="auto">
-          <a:xfrm>
-            <a:off x="2971800" y="2206113"/>
-            <a:ext cx="2514600" cy="942975"/>
-          </a:xfrm>
-          <a:prstGeom prst="rect">
-            <a:avLst/>
-          </a:prstGeom>
-          <a:noFill/>
-          <a:extLst>
-            <a:ext uri="{909E8E84-426E-40DD-AFC4-6F175D3DCCD1}">
-              <a14:hiddenFill xmlns:a14="http://schemas.microsoft.com/office/drawing/2010/main">
-                <a:solidFill>
-                  <a:srgbClr val="FFFFFF"/>
-                </a:solidFill>
-              </a14:hiddenFill>
-            </a:ext>
-          </a:extLst>
-        </p:spPr>
-      </p:pic>
-      <p:sp>
-        <p:nvSpPr>
-          <p:cNvPr id="7" name="Rectangle 6"/>
-          <p:cNvSpPr/>
-          <p:nvPr/>
-        </p:nvSpPr>
-        <p:spPr>
-          <a:xfrm>
-            <a:off x="1752600" y="1008722"/>
-            <a:ext cx="2629611" cy="1059130"/>
-          </a:xfrm>
-          <a:prstGeom prst="rect">
-            <a:avLst/>
-          </a:prstGeom>
-        </p:spPr>
-        <p:style>
-          <a:lnRef idx="2">
-            <a:schemeClr val="accent1">
-              <a:shade val="50000"/>
-            </a:schemeClr>
-          </a:lnRef>
-          <a:fillRef idx="1">
-            <a:schemeClr val="accent1"/>
-          </a:fillRef>
-          <a:effectRef idx="0">
-            <a:schemeClr val="accent1"/>
-          </a:effectRef>
-          <a:fontRef idx="minor">
-            <a:schemeClr val="lt1"/>
-          </a:fontRef>
-        </p:style>
-        <p:txBody>
-          <a:bodyPr rtlCol="0" anchor="ctr"/>
-          <a:lstStyle/>
-          <a:p>
-            <a:pPr algn="ctr"/>
-            <a:endParaRPr lang="en-US">
-              <a:solidFill>
-                <a:prstClr val="white"/>
-              </a:solidFill>
-            </a:endParaRPr>
-          </a:p>
-        </p:txBody>
-      </p:sp>
-      <p:pic>
-        <p:nvPicPr>
-          <p:cNvPr id="1032" name="Picture 8" descr="C:\Users\emcvicker\Downloads\SponsorLogos\stedpec.png"/>
-          <p:cNvPicPr>
-            <a:picLocks noChangeAspect="1" noChangeArrowheads="1"/>
-          </p:cNvPicPr>
-          <p:nvPr/>
-        </p:nvPicPr>
-        <p:blipFill>
-          <a:blip r:embed="rId8">
-            <a:extLst>
-              <a:ext uri="{28A0092B-C50C-407E-A947-70E740481C1C}">
-                <a14:useLocalDpi xmlns:a14="http://schemas.microsoft.com/office/drawing/2010/main" val="0"/>
-              </a:ext>
-            </a:extLst>
-          </a:blip>
-          <a:srcRect/>
-          <a:stretch>
-            <a:fillRect/>
-          </a:stretch>
-        </p:blipFill>
-        <p:spPr bwMode="auto">
-          <a:xfrm>
-            <a:off x="1828800" y="894644"/>
-            <a:ext cx="2752636" cy="1237696"/>
-          </a:xfrm>
-          <a:prstGeom prst="rect">
-            <a:avLst/>
-          </a:prstGeom>
-          <a:noFill/>
-          <a:extLst>
-            <a:ext uri="{909E8E84-426E-40DD-AFC4-6F175D3DCCD1}">
-              <a14:hiddenFill xmlns:a14="http://schemas.microsoft.com/office/drawing/2010/main">
-                <a:solidFill>
-                  <a:srgbClr val="FFFFFF"/>
-                </a:solidFill>
-              </a14:hiddenFill>
-            </a:ext>
-          </a:extLst>
-        </p:spPr>
-      </p:pic>
-      <p:pic>
-        <p:nvPicPr>
-          <p:cNvPr id="1034" name="Picture 10" descr="C:\Users\emcvicker\Downloads\SponsorLogos\componentone_gc_logo_vertical_black.png"/>
-          <p:cNvPicPr>
-            <a:picLocks noChangeAspect="1" noChangeArrowheads="1"/>
-          </p:cNvPicPr>
-          <p:nvPr/>
-        </p:nvPicPr>
-        <p:blipFill>
-          <a:blip r:embed="rId9" cstate="print">
-            <a:extLst>
-              <a:ext uri="{28A0092B-C50C-407E-A947-70E740481C1C}">
-                <a14:useLocalDpi xmlns:a14="http://schemas.microsoft.com/office/drawing/2010/main" val="0"/>
-              </a:ext>
-            </a:extLst>
-          </a:blip>
-          <a:srcRect/>
-          <a:stretch>
-            <a:fillRect/>
-          </a:stretch>
-        </p:blipFill>
-        <p:spPr bwMode="auto">
-          <a:xfrm>
-            <a:off x="1098180" y="2104802"/>
-            <a:ext cx="1583108" cy="1266487"/>
-          </a:xfrm>
-          <a:prstGeom prst="rect">
-            <a:avLst/>
-          </a:prstGeom>
-          <a:noFill/>
-          <a:extLst>
-            <a:ext uri="{909E8E84-426E-40DD-AFC4-6F175D3DCCD1}">
-              <a14:hiddenFill xmlns:a14="http://schemas.microsoft.com/office/drawing/2010/main">
-                <a:solidFill>
-                  <a:srgbClr val="FFFFFF"/>
-                </a:solidFill>
-              </a14:hiddenFill>
-            </a:ext>
-          </a:extLst>
-        </p:spPr>
-      </p:pic>
-      <p:pic>
-        <p:nvPicPr>
-          <p:cNvPr id="1035" name="Picture 11" descr="C:\Users\emcvicker\Downloads\SponsorLogos\blizzard.jpg"/>
-          <p:cNvPicPr>
-            <a:picLocks noChangeAspect="1" noChangeArrowheads="1"/>
-          </p:cNvPicPr>
-          <p:nvPr/>
-        </p:nvPicPr>
-        <p:blipFill>
-          <a:blip r:embed="rId10">
-            <a:extLst>
-              <a:ext uri="{28A0092B-C50C-407E-A947-70E740481C1C}">
-                <a14:useLocalDpi xmlns:a14="http://schemas.microsoft.com/office/drawing/2010/main" val="0"/>
-              </a:ext>
-            </a:extLst>
-          </a:blip>
-          <a:srcRect/>
-          <a:stretch>
-            <a:fillRect/>
-          </a:stretch>
-        </p:blipFill>
-        <p:spPr bwMode="auto">
-          <a:xfrm>
-            <a:off x="2040732" y="3429000"/>
-            <a:ext cx="1281112" cy="1281112"/>
-          </a:xfrm>
-          <a:prstGeom prst="rect">
-            <a:avLst/>
-          </a:prstGeom>
-          <a:noFill/>
-          <a:extLst>
-            <a:ext uri="{909E8E84-426E-40DD-AFC4-6F175D3DCCD1}">
-              <a14:hiddenFill xmlns:a14="http://schemas.microsoft.com/office/drawing/2010/main">
-                <a:solidFill>
-                  <a:srgbClr val="FFFFFF"/>
-                </a:solidFill>
-              </a14:hiddenFill>
-            </a:ext>
-          </a:extLst>
-        </p:spPr>
-      </p:pic>
-      <p:pic>
-        <p:nvPicPr>
-          <p:cNvPr id="1036" name="Picture 12" descr="C:\Users\emcvicker\Downloads\SponsorLogos\ClearMeasure white background full logo.jpg"/>
-          <p:cNvPicPr>
-            <a:picLocks noChangeAspect="1" noChangeArrowheads="1"/>
-          </p:cNvPicPr>
-          <p:nvPr/>
-        </p:nvPicPr>
-        <p:blipFill>
-          <a:blip r:embed="rId11" cstate="print">
-            <a:extLst>
-              <a:ext uri="{28A0092B-C50C-407E-A947-70E740481C1C}">
-                <a14:useLocalDpi xmlns:a14="http://schemas.microsoft.com/office/drawing/2010/main" val="0"/>
-              </a:ext>
-            </a:extLst>
-          </a:blip>
-          <a:srcRect/>
-          <a:stretch>
-            <a:fillRect/>
-          </a:stretch>
-        </p:blipFill>
-        <p:spPr bwMode="auto">
-          <a:xfrm>
-            <a:off x="2458895" y="6022124"/>
-            <a:ext cx="3185833" cy="795192"/>
-          </a:xfrm>
-          <a:prstGeom prst="rect">
-            <a:avLst/>
-          </a:prstGeom>
-          <a:noFill/>
-          <a:extLst>
-            <a:ext uri="{909E8E84-426E-40DD-AFC4-6F175D3DCCD1}">
-              <a14:hiddenFill xmlns:a14="http://schemas.microsoft.com/office/drawing/2010/main">
-                <a:solidFill>
-                  <a:srgbClr val="FFFFFF"/>
-                </a:solidFill>
-              </a14:hiddenFill>
-            </a:ext>
-          </a:extLst>
-        </p:spPr>
-      </p:pic>
-      <p:pic>
-        <p:nvPicPr>
-          <p:cNvPr id="1037" name="Picture 13" descr="C:\Users\emcvicker\Downloads\SponsorLogos\telerikLogo-web-1124x449px.png"/>
-          <p:cNvPicPr>
-            <a:picLocks noChangeAspect="1" noChangeArrowheads="1"/>
-          </p:cNvPicPr>
-          <p:nvPr/>
-        </p:nvPicPr>
-        <p:blipFill>
-          <a:blip r:embed="rId12" cstate="print">
-            <a:extLst>
-              <a:ext uri="{28A0092B-C50C-407E-A947-70E740481C1C}">
-                <a14:useLocalDpi xmlns:a14="http://schemas.microsoft.com/office/drawing/2010/main" val="0"/>
-              </a:ext>
-            </a:extLst>
-          </a:blip>
-          <a:srcRect/>
-          <a:stretch>
-            <a:fillRect/>
-          </a:stretch>
-        </p:blipFill>
-        <p:spPr bwMode="auto">
-          <a:xfrm>
-            <a:off x="4602865" y="894644"/>
-            <a:ext cx="3283053" cy="1311469"/>
-          </a:xfrm>
-          <a:prstGeom prst="rect">
-            <a:avLst/>
-          </a:prstGeom>
-          <a:noFill/>
-          <a:extLst>
-            <a:ext uri="{909E8E84-426E-40DD-AFC4-6F175D3DCCD1}">
-              <a14:hiddenFill xmlns:a14="http://schemas.microsoft.com/office/drawing/2010/main">
-                <a:solidFill>
-                  <a:srgbClr val="FFFFFF"/>
-                </a:solidFill>
-              </a14:hiddenFill>
-            </a:ext>
-          </a:extLst>
-        </p:spPr>
-      </p:pic>
-      <p:pic>
-        <p:nvPicPr>
-          <p:cNvPr id="1038" name="Picture 14" descr="C:\Users\emcvicker\Downloads\SponsorLogos\twilio-onscreen-logo-horizontal-grey-type-large.png"/>
-          <p:cNvPicPr>
-            <a:picLocks noChangeAspect="1" noChangeArrowheads="1"/>
-          </p:cNvPicPr>
-          <p:nvPr/>
-        </p:nvPicPr>
-        <p:blipFill>
-          <a:blip r:embed="rId13" cstate="print">
-            <a:extLst>
-              <a:ext uri="{28A0092B-C50C-407E-A947-70E740481C1C}">
-                <a14:useLocalDpi xmlns:a14="http://schemas.microsoft.com/office/drawing/2010/main" val="0"/>
-              </a:ext>
-            </a:extLst>
-          </a:blip>
-          <a:srcRect/>
-          <a:stretch>
-            <a:fillRect/>
-          </a:stretch>
-        </p:blipFill>
-        <p:spPr bwMode="auto">
-          <a:xfrm>
-            <a:off x="5938348" y="5887465"/>
-            <a:ext cx="2431991" cy="842753"/>
-          </a:xfrm>
-          <a:prstGeom prst="rect">
-            <a:avLst/>
-          </a:prstGeom>
-          <a:noFill/>
-          <a:extLst>
-            <a:ext uri="{909E8E84-426E-40DD-AFC4-6F175D3DCCD1}">
-              <a14:hiddenFill xmlns:a14="http://schemas.microsoft.com/office/drawing/2010/main">
-                <a:solidFill>
-                  <a:srgbClr val="FFFFFF"/>
-                </a:solidFill>
-              </a14:hiddenFill>
-            </a:ext>
-          </a:extLst>
-        </p:spPr>
-      </p:pic>
-      <p:pic>
-        <p:nvPicPr>
-          <p:cNvPr id="18" name="Picture 2" descr="C:\Users\emcvicker\Downloads\SponsorLogos\PDI_logo.png"/>
-          <p:cNvPicPr>
-            <a:picLocks noChangeAspect="1" noChangeArrowheads="1"/>
-          </p:cNvPicPr>
-          <p:nvPr/>
-        </p:nvPicPr>
-        <p:blipFill>
-          <a:blip r:embed="rId14">
-            <a:extLst>
-              <a:ext uri="{28A0092B-C50C-407E-A947-70E740481C1C}">
-                <a14:useLocalDpi xmlns:a14="http://schemas.microsoft.com/office/drawing/2010/main" val="0"/>
-              </a:ext>
-            </a:extLst>
-          </a:blip>
-          <a:srcRect/>
-          <a:stretch>
-            <a:fillRect/>
-          </a:stretch>
-        </p:blipFill>
-        <p:spPr bwMode="auto">
-          <a:xfrm>
-            <a:off x="569296" y="6150991"/>
-            <a:ext cx="1858707" cy="537457"/>
-          </a:xfrm>
-          <a:prstGeom prst="rect">
-            <a:avLst/>
-          </a:prstGeom>
-          <a:noFill/>
-          <a:extLst>
-            <a:ext uri="{909E8E84-426E-40DD-AFC4-6F175D3DCCD1}">
-              <a14:hiddenFill xmlns:a14="http://schemas.microsoft.com/office/drawing/2010/main">
-                <a:solidFill>
-                  <a:srgbClr val="FFFFFF"/>
-                </a:solidFill>
-              </a14:hiddenFill>
-            </a:ext>
-          </a:extLst>
-        </p:spPr>
-      </p:pic>
     </p:spTree>
-    <p:extLst>
-      <p:ext uri="{BB962C8B-B14F-4D97-AF65-F5344CB8AC3E}">
-        <p14:creationId xmlns:p14="http://schemas.microsoft.com/office/powerpoint/2010/main" val="1966161966"/>
-      </p:ext>
-    </p:extLst>
   </p:cSld>
   <p:clrMapOvr>
     <a:masterClrMapping/>
   </p:clrMapOvr>
+  <p:timing>
+    <p:tnLst>
+      <p:par>
+        <p:cTn id="1" dur="indefinite" restart="never" nodeType="tmRoot"/>
+      </p:par>
+    </p:tnLst>
+  </p:timing>
 </p:sld>
 </file>
 
@@ -13202,6 +10249,1194 @@
   <p:clrMapOvr>
     <a:masterClrMapping/>
   </p:clrMapOvr>
+  <p:timing>
+    <p:tnLst>
+      <p:par>
+        <p:cTn id="1" dur="indefinite" restart="never" nodeType="tmRoot"/>
+      </p:par>
+    </p:tnLst>
+  </p:timing>
+</p:sld>
+</file>
+
+<file path=ppt/slides/slide21.xml><?xml version="1.0" encoding="utf-8"?>
+<p:sld xmlns:a="http://schemas.openxmlformats.org/drawingml/2006/main" xmlns:r="http://schemas.openxmlformats.org/officeDocument/2006/relationships" xmlns:p="http://schemas.openxmlformats.org/presentationml/2006/main">
+  <p:cSld>
+    <p:spTree>
+      <p:nvGrpSpPr>
+        <p:cNvPr id="1" name=""/>
+        <p:cNvGrpSpPr/>
+        <p:nvPr/>
+      </p:nvGrpSpPr>
+      <p:grpSpPr>
+        <a:xfrm>
+          <a:off x="0" y="0"/>
+          <a:ext cx="0" cy="0"/>
+          <a:chOff x="0" y="0"/>
+          <a:chExt cx="0" cy="0"/>
+        </a:xfrm>
+      </p:grpSpPr>
+      <p:sp>
+        <p:nvSpPr>
+          <p:cNvPr id="4" name="Title 3"/>
+          <p:cNvSpPr>
+            <a:spLocks noGrp="1"/>
+          </p:cNvSpPr>
+          <p:nvPr>
+            <p:ph type="title"/>
+          </p:nvPr>
+        </p:nvSpPr>
+        <p:spPr>
+          <a:xfrm>
+            <a:off x="381000" y="230188"/>
+            <a:ext cx="8382000" cy="1052596"/>
+          </a:xfrm>
+        </p:spPr>
+        <p:txBody>
+          <a:bodyPr>
+            <a:normAutofit fontScale="90000"/>
+          </a:bodyPr>
+          <a:lstStyle/>
+          <a:p>
+            <a:pPr algn="ctr" eaLnBrk="1" hangingPunct="1">
+              <a:defRPr/>
+            </a:pPr>
+            <a:r>
+              <a:rPr sz="4400" dirty="0" smtClean="0">
+                <a:latin typeface="+mn-lt"/>
+              </a:rPr>
+              <a:t>Please Complete An Evaluation Form</a:t>
+            </a:r>
+            <a:br>
+              <a:rPr sz="4400" dirty="0" smtClean="0">
+                <a:latin typeface="+mn-lt"/>
+              </a:rPr>
+            </a:br>
+            <a:r>
+              <a:rPr sz="3200" dirty="0" smtClean="0">
+                <a:solidFill>
+                  <a:schemeClr val="tx2"/>
+                </a:solidFill>
+                <a:latin typeface="+mn-lt"/>
+              </a:rPr>
+              <a:t>Your input is important!</a:t>
+            </a:r>
+            <a:endParaRPr sz="4400" dirty="0">
+              <a:solidFill>
+                <a:schemeClr val="tx2"/>
+              </a:solidFill>
+              <a:latin typeface="+mn-lt"/>
+            </a:endParaRPr>
+          </a:p>
+        </p:txBody>
+      </p:sp>
+      <p:sp>
+        <p:nvSpPr>
+          <p:cNvPr id="5" name="Text Placeholder 4"/>
+          <p:cNvSpPr>
+            <a:spLocks noGrp="1"/>
+          </p:cNvSpPr>
+          <p:nvPr>
+            <p:ph type="body" sz="quarter" idx="4294967295"/>
+          </p:nvPr>
+        </p:nvSpPr>
+        <p:spPr>
+          <a:xfrm>
+            <a:off x="838200" y="1524000"/>
+            <a:ext cx="6781800" cy="332399"/>
+          </a:xfrm>
+        </p:spPr>
+        <p:txBody>
+          <a:bodyPr>
+            <a:normAutofit fontScale="77500" lnSpcReduction="20000"/>
+          </a:bodyPr>
+          <a:lstStyle/>
+          <a:p>
+            <a:pPr algn="ctr" eaLnBrk="1" hangingPunct="1">
+              <a:spcAft>
+                <a:spcPts val="768"/>
+              </a:spcAft>
+              <a:buFontTx/>
+              <a:buNone/>
+              <a:defRPr/>
+            </a:pPr>
+            <a:r>
+              <a:rPr lang="en-US" sz="2400" dirty="0" smtClean="0"/>
+              <a:t>You can access Evaluation Forms at:</a:t>
+            </a:r>
+          </a:p>
+        </p:txBody>
+      </p:sp>
+      <p:sp>
+        <p:nvSpPr>
+          <p:cNvPr id="7" name="TextBox 6"/>
+          <p:cNvSpPr txBox="1"/>
+          <p:nvPr/>
+        </p:nvSpPr>
+        <p:spPr>
+          <a:xfrm>
+            <a:off x="1028700" y="2097615"/>
+            <a:ext cx="7086600" cy="4924425"/>
+          </a:xfrm>
+          <a:prstGeom prst="rect">
+            <a:avLst/>
+          </a:prstGeom>
+          <a:noFill/>
+        </p:spPr>
+        <p:txBody>
+          <a:bodyPr wrap="square" lIns="0" tIns="0" rIns="0" bIns="0">
+            <a:spAutoFit/>
+          </a:bodyPr>
+          <a:lstStyle/>
+          <a:p>
+            <a:pPr algn="ctr">
+              <a:defRPr/>
+            </a:pPr>
+            <a:r>
+              <a:rPr lang="en-US" sz="3200" spc="-150" dirty="0" smtClean="0">
+                <a:ln w="3175">
+                  <a:noFill/>
+                </a:ln>
+                <a:gradFill flip="none" rotWithShape="1">
+                  <a:gsLst>
+                    <a:gs pos="0">
+                      <a:srgbClr val="FFFFB9"/>
+                    </a:gs>
+                    <a:gs pos="36000">
+                      <a:srgbClr val="FFFF99"/>
+                    </a:gs>
+                    <a:gs pos="86000">
+                      <a:srgbClr val="F6AE1E"/>
+                    </a:gs>
+                  </a:gsLst>
+                  <a:lin ang="5400000" scaled="0"/>
+                  <a:tileRect/>
+                </a:gradFill>
+                <a:effectLst>
+                  <a:outerShdw blurRad="50800" dist="38100" dir="2700000" algn="tl" rotWithShape="0">
+                    <a:prstClr val="black">
+                      <a:alpha val="40000"/>
+                    </a:prstClr>
+                  </a:outerShdw>
+                </a:effectLst>
+                <a:cs typeface="Arial" charset="0"/>
+                <a:hlinkClick r:id="rId3"/>
+              </a:rPr>
+              <a:t>http://TulsaTechFest.com</a:t>
+            </a:r>
+            <a:endParaRPr lang="en-US" sz="3200" spc="-150" dirty="0" smtClean="0">
+              <a:ln w="3175">
+                <a:noFill/>
+              </a:ln>
+              <a:gradFill flip="none" rotWithShape="1">
+                <a:gsLst>
+                  <a:gs pos="0">
+                    <a:srgbClr val="FFFFB9"/>
+                  </a:gs>
+                  <a:gs pos="36000">
+                    <a:srgbClr val="FFFF99"/>
+                  </a:gs>
+                  <a:gs pos="86000">
+                    <a:srgbClr val="F6AE1E"/>
+                  </a:gs>
+                </a:gsLst>
+                <a:lin ang="5400000" scaled="0"/>
+                <a:tileRect/>
+              </a:gradFill>
+              <a:effectLst>
+                <a:outerShdw blurRad="50800" dist="38100" dir="2700000" algn="tl" rotWithShape="0">
+                  <a:prstClr val="black">
+                    <a:alpha val="40000"/>
+                  </a:prstClr>
+                </a:outerShdw>
+              </a:effectLst>
+              <a:cs typeface="Arial" charset="0"/>
+            </a:endParaRPr>
+          </a:p>
+          <a:p>
+            <a:pPr algn="ctr">
+              <a:defRPr/>
+            </a:pPr>
+            <a:endParaRPr lang="en-US" sz="3200" spc="-150" dirty="0">
+              <a:ln w="3175">
+                <a:noFill/>
+              </a:ln>
+              <a:gradFill flip="none" rotWithShape="1">
+                <a:gsLst>
+                  <a:gs pos="0">
+                    <a:srgbClr val="FFFFB9"/>
+                  </a:gs>
+                  <a:gs pos="36000">
+                    <a:srgbClr val="FFFF99"/>
+                  </a:gs>
+                  <a:gs pos="86000">
+                    <a:srgbClr val="F6AE1E"/>
+                  </a:gs>
+                </a:gsLst>
+                <a:lin ang="5400000" scaled="0"/>
+                <a:tileRect/>
+              </a:gradFill>
+              <a:effectLst>
+                <a:outerShdw blurRad="50800" dist="38100" dir="2700000" algn="tl" rotWithShape="0">
+                  <a:prstClr val="black">
+                    <a:alpha val="40000"/>
+                  </a:prstClr>
+                </a:outerShdw>
+              </a:effectLst>
+              <a:cs typeface="Arial" charset="0"/>
+            </a:endParaRPr>
+          </a:p>
+          <a:p>
+            <a:pPr algn="ctr">
+              <a:defRPr/>
+            </a:pPr>
+            <a:r>
+              <a:rPr lang="en-US" sz="3200" spc="-150" dirty="0">
+                <a:ln w="3175">
+                  <a:noFill/>
+                </a:ln>
+                <a:gradFill flip="none" rotWithShape="1">
+                  <a:gsLst>
+                    <a:gs pos="0">
+                      <a:srgbClr val="FFFFB9"/>
+                    </a:gs>
+                    <a:gs pos="36000">
+                      <a:srgbClr val="FFFF99"/>
+                    </a:gs>
+                    <a:gs pos="86000">
+                      <a:srgbClr val="F6AE1E"/>
+                    </a:gs>
+                  </a:gsLst>
+                  <a:lin ang="5400000" scaled="0"/>
+                  <a:tileRect/>
+                </a:gradFill>
+                <a:effectLst>
+                  <a:outerShdw blurRad="50800" dist="38100" dir="2700000" algn="tl" rotWithShape="0">
+                    <a:prstClr val="black">
+                      <a:alpha val="40000"/>
+                    </a:prstClr>
+                  </a:outerShdw>
+                </a:effectLst>
+                <a:cs typeface="Arial" charset="0"/>
+              </a:rPr>
+              <a:t>Fill them out!</a:t>
+            </a:r>
+          </a:p>
+          <a:p>
+            <a:pPr algn="ctr">
+              <a:defRPr/>
+            </a:pPr>
+            <a:endParaRPr lang="en-US" sz="3200" spc="-150" dirty="0">
+              <a:ln w="3175">
+                <a:noFill/>
+              </a:ln>
+              <a:gradFill flip="none" rotWithShape="1">
+                <a:gsLst>
+                  <a:gs pos="0">
+                    <a:srgbClr val="FFFFB9"/>
+                  </a:gs>
+                  <a:gs pos="36000">
+                    <a:srgbClr val="FFFF99"/>
+                  </a:gs>
+                  <a:gs pos="86000">
+                    <a:srgbClr val="F6AE1E"/>
+                  </a:gs>
+                </a:gsLst>
+                <a:lin ang="5400000" scaled="0"/>
+                <a:tileRect/>
+              </a:gradFill>
+              <a:effectLst>
+                <a:outerShdw blurRad="50800" dist="38100" dir="2700000" algn="tl" rotWithShape="0">
+                  <a:prstClr val="black">
+                    <a:alpha val="40000"/>
+                  </a:prstClr>
+                </a:outerShdw>
+              </a:effectLst>
+              <a:cs typeface="Arial" charset="0"/>
+            </a:endParaRPr>
+          </a:p>
+          <a:p>
+            <a:pPr algn="ctr">
+              <a:defRPr/>
+            </a:pPr>
+            <a:r>
+              <a:rPr lang="en-US" sz="3200" spc="-150" dirty="0">
+                <a:ln w="3175">
+                  <a:noFill/>
+                </a:ln>
+                <a:gradFill flip="none" rotWithShape="1">
+                  <a:gsLst>
+                    <a:gs pos="0">
+                      <a:srgbClr val="FFFFB9"/>
+                    </a:gs>
+                    <a:gs pos="36000">
+                      <a:srgbClr val="FFFF99"/>
+                    </a:gs>
+                    <a:gs pos="86000">
+                      <a:srgbClr val="F6AE1E"/>
+                    </a:gs>
+                  </a:gsLst>
+                  <a:lin ang="5400000" scaled="0"/>
+                  <a:tileRect/>
+                </a:gradFill>
+                <a:effectLst>
+                  <a:outerShdw blurRad="50800" dist="38100" dir="2700000" algn="tl" rotWithShape="0">
+                    <a:prstClr val="black">
+                      <a:alpha val="40000"/>
+                    </a:prstClr>
+                  </a:outerShdw>
+                </a:effectLst>
+                <a:cs typeface="Arial" charset="0"/>
+              </a:rPr>
+              <a:t>You can win additional prizes!</a:t>
+            </a:r>
+          </a:p>
+          <a:p>
+            <a:pPr algn="ctr">
+              <a:defRPr/>
+            </a:pPr>
+            <a:endParaRPr lang="en-US" sz="3200" spc="-150" dirty="0">
+              <a:ln w="3175">
+                <a:noFill/>
+              </a:ln>
+              <a:gradFill flip="none" rotWithShape="1">
+                <a:gsLst>
+                  <a:gs pos="0">
+                    <a:srgbClr val="FFFFB9"/>
+                  </a:gs>
+                  <a:gs pos="36000">
+                    <a:srgbClr val="FFFF99"/>
+                  </a:gs>
+                  <a:gs pos="86000">
+                    <a:srgbClr val="F6AE1E"/>
+                  </a:gs>
+                </a:gsLst>
+                <a:lin ang="5400000" scaled="0"/>
+                <a:tileRect/>
+              </a:gradFill>
+              <a:effectLst>
+                <a:outerShdw blurRad="50800" dist="38100" dir="2700000" algn="tl" rotWithShape="0">
+                  <a:prstClr val="black">
+                    <a:alpha val="40000"/>
+                  </a:prstClr>
+                </a:outerShdw>
+              </a:effectLst>
+              <a:cs typeface="Arial" charset="0"/>
+            </a:endParaRPr>
+          </a:p>
+          <a:p>
+            <a:pPr algn="ctr">
+              <a:defRPr/>
+            </a:pPr>
+            <a:r>
+              <a:rPr lang="en-US" sz="3200" spc="-150" dirty="0">
+                <a:ln w="3175">
+                  <a:noFill/>
+                </a:ln>
+                <a:gradFill flip="none" rotWithShape="1">
+                  <a:gsLst>
+                    <a:gs pos="0">
+                      <a:srgbClr val="FFFFB9"/>
+                    </a:gs>
+                    <a:gs pos="36000">
+                      <a:srgbClr val="FFFF99"/>
+                    </a:gs>
+                    <a:gs pos="86000">
+                      <a:srgbClr val="F6AE1E"/>
+                    </a:gs>
+                  </a:gsLst>
+                  <a:lin ang="5400000" scaled="0"/>
+                  <a:tileRect/>
+                </a:gradFill>
+                <a:effectLst>
+                  <a:outerShdw blurRad="50800" dist="38100" dir="2700000" algn="tl" rotWithShape="0">
+                    <a:prstClr val="black">
+                      <a:alpha val="40000"/>
+                    </a:prstClr>
+                  </a:outerShdw>
+                </a:effectLst>
+                <a:cs typeface="Arial" charset="0"/>
+              </a:rPr>
+              <a:t>Like a $50 Best Buy Gift Card</a:t>
+            </a:r>
+            <a:r>
+              <a:rPr lang="en-US" sz="3200" spc="-150" dirty="0" smtClean="0">
+                <a:ln w="3175">
+                  <a:noFill/>
+                </a:ln>
+                <a:gradFill flip="none" rotWithShape="1">
+                  <a:gsLst>
+                    <a:gs pos="0">
+                      <a:srgbClr val="FFFFB9"/>
+                    </a:gs>
+                    <a:gs pos="36000">
+                      <a:srgbClr val="FFFF99"/>
+                    </a:gs>
+                    <a:gs pos="86000">
+                      <a:srgbClr val="F6AE1E"/>
+                    </a:gs>
+                  </a:gsLst>
+                  <a:lin ang="5400000" scaled="0"/>
+                  <a:tileRect/>
+                </a:gradFill>
+                <a:effectLst>
+                  <a:outerShdw blurRad="50800" dist="38100" dir="2700000" algn="tl" rotWithShape="0">
+                    <a:prstClr val="black">
+                      <a:alpha val="40000"/>
+                    </a:prstClr>
+                  </a:outerShdw>
+                </a:effectLst>
+                <a:cs typeface="Arial" charset="0"/>
+              </a:rPr>
+              <a:t>!!</a:t>
+            </a:r>
+          </a:p>
+          <a:p>
+            <a:pPr algn="ctr">
+              <a:defRPr/>
+            </a:pPr>
+            <a:endParaRPr lang="en-US" sz="3200" spc="-150" dirty="0">
+              <a:ln w="3175">
+                <a:noFill/>
+              </a:ln>
+              <a:gradFill flip="none" rotWithShape="1">
+                <a:gsLst>
+                  <a:gs pos="0">
+                    <a:srgbClr val="FFFFB9"/>
+                  </a:gs>
+                  <a:gs pos="36000">
+                    <a:srgbClr val="FFFF99"/>
+                  </a:gs>
+                  <a:gs pos="86000">
+                    <a:srgbClr val="F6AE1E"/>
+                  </a:gs>
+                </a:gsLst>
+                <a:lin ang="5400000" scaled="0"/>
+                <a:tileRect/>
+              </a:gradFill>
+              <a:effectLst>
+                <a:outerShdw blurRad="50800" dist="38100" dir="2700000" algn="tl" rotWithShape="0">
+                  <a:prstClr val="black">
+                    <a:alpha val="40000"/>
+                  </a:prstClr>
+                </a:outerShdw>
+              </a:effectLst>
+              <a:cs typeface="Arial" charset="0"/>
+            </a:endParaRPr>
+          </a:p>
+          <a:p>
+            <a:pPr algn="ctr">
+              <a:defRPr/>
+            </a:pPr>
+            <a:r>
+              <a:rPr lang="en-US" sz="3200" spc="-150" dirty="0" smtClean="0">
+                <a:ln w="3175">
+                  <a:noFill/>
+                </a:ln>
+                <a:gradFill flip="none" rotWithShape="1">
+                  <a:gsLst>
+                    <a:gs pos="0">
+                      <a:srgbClr val="FFFFB9"/>
+                    </a:gs>
+                    <a:gs pos="36000">
+                      <a:srgbClr val="FFFF99"/>
+                    </a:gs>
+                    <a:gs pos="86000">
+                      <a:srgbClr val="F6AE1E"/>
+                    </a:gs>
+                  </a:gsLst>
+                  <a:lin ang="5400000" scaled="0"/>
+                  <a:tileRect/>
+                </a:gradFill>
+                <a:effectLst>
+                  <a:outerShdw blurRad="50800" dist="38100" dir="2700000" algn="tl" rotWithShape="0">
+                    <a:prstClr val="black">
+                      <a:alpha val="40000"/>
+                    </a:prstClr>
+                  </a:outerShdw>
+                </a:effectLst>
+                <a:cs typeface="Arial" charset="0"/>
+              </a:rPr>
+              <a:t>Winner drawn – Midnight, Sun Oct 13</a:t>
+            </a:r>
+            <a:r>
+              <a:rPr lang="en-US" sz="3200" spc="-150" baseline="30000" dirty="0" smtClean="0">
+                <a:ln w="3175">
+                  <a:noFill/>
+                </a:ln>
+                <a:gradFill flip="none" rotWithShape="1">
+                  <a:gsLst>
+                    <a:gs pos="0">
+                      <a:srgbClr val="FFFFB9"/>
+                    </a:gs>
+                    <a:gs pos="36000">
+                      <a:srgbClr val="FFFF99"/>
+                    </a:gs>
+                    <a:gs pos="86000">
+                      <a:srgbClr val="F6AE1E"/>
+                    </a:gs>
+                  </a:gsLst>
+                  <a:lin ang="5400000" scaled="0"/>
+                  <a:tileRect/>
+                </a:gradFill>
+                <a:effectLst>
+                  <a:outerShdw blurRad="50800" dist="38100" dir="2700000" algn="tl" rotWithShape="0">
+                    <a:prstClr val="black">
+                      <a:alpha val="40000"/>
+                    </a:prstClr>
+                  </a:outerShdw>
+                </a:effectLst>
+                <a:cs typeface="Arial" charset="0"/>
+              </a:rPr>
+              <a:t>th</a:t>
+            </a:r>
+            <a:r>
+              <a:rPr lang="en-US" sz="3200" spc="-150" dirty="0" smtClean="0">
+                <a:ln w="3175">
+                  <a:noFill/>
+                </a:ln>
+                <a:gradFill flip="none" rotWithShape="1">
+                  <a:gsLst>
+                    <a:gs pos="0">
+                      <a:srgbClr val="FFFFB9"/>
+                    </a:gs>
+                    <a:gs pos="36000">
+                      <a:srgbClr val="FFFF99"/>
+                    </a:gs>
+                    <a:gs pos="86000">
+                      <a:srgbClr val="F6AE1E"/>
+                    </a:gs>
+                  </a:gsLst>
+                  <a:lin ang="5400000" scaled="0"/>
+                  <a:tileRect/>
+                </a:gradFill>
+                <a:effectLst>
+                  <a:outerShdw blurRad="50800" dist="38100" dir="2700000" algn="tl" rotWithShape="0">
+                    <a:prstClr val="black">
+                      <a:alpha val="40000"/>
+                    </a:prstClr>
+                  </a:outerShdw>
+                </a:effectLst>
+                <a:cs typeface="Arial" charset="0"/>
+              </a:rPr>
+              <a:t>!</a:t>
+            </a:r>
+            <a:endParaRPr lang="en-US" sz="3200" spc="-150" dirty="0">
+              <a:ln w="3175">
+                <a:noFill/>
+              </a:ln>
+              <a:gradFill flip="none" rotWithShape="1">
+                <a:gsLst>
+                  <a:gs pos="0">
+                    <a:srgbClr val="FFFFB9"/>
+                  </a:gs>
+                  <a:gs pos="36000">
+                    <a:srgbClr val="FFFF99"/>
+                  </a:gs>
+                  <a:gs pos="86000">
+                    <a:srgbClr val="F6AE1E"/>
+                  </a:gs>
+                </a:gsLst>
+                <a:lin ang="5400000" scaled="0"/>
+                <a:tileRect/>
+              </a:gradFill>
+              <a:effectLst>
+                <a:outerShdw blurRad="50800" dist="38100" dir="2700000" algn="tl" rotWithShape="0">
+                  <a:prstClr val="black">
+                    <a:alpha val="40000"/>
+                  </a:prstClr>
+                </a:outerShdw>
+              </a:effectLst>
+              <a:cs typeface="Arial" charset="0"/>
+            </a:endParaRPr>
+          </a:p>
+          <a:p>
+            <a:pPr algn="ctr">
+              <a:defRPr/>
+            </a:pPr>
+            <a:endParaRPr lang="en-US" sz="3200" spc="-150" dirty="0">
+              <a:ln w="3175">
+                <a:noFill/>
+              </a:ln>
+              <a:gradFill flip="none" rotWithShape="1">
+                <a:gsLst>
+                  <a:gs pos="0">
+                    <a:srgbClr val="FFFFB9"/>
+                  </a:gs>
+                  <a:gs pos="36000">
+                    <a:srgbClr val="FFFF99"/>
+                  </a:gs>
+                  <a:gs pos="86000">
+                    <a:srgbClr val="F6AE1E"/>
+                  </a:gs>
+                </a:gsLst>
+                <a:lin ang="5400000" scaled="0"/>
+                <a:tileRect/>
+              </a:gradFill>
+              <a:effectLst>
+                <a:outerShdw blurRad="50800" dist="38100" dir="2700000" algn="tl" rotWithShape="0">
+                  <a:prstClr val="black">
+                    <a:alpha val="40000"/>
+                  </a:prstClr>
+                </a:outerShdw>
+              </a:effectLst>
+              <a:cs typeface="Arial" charset="0"/>
+            </a:endParaRPr>
+          </a:p>
+        </p:txBody>
+      </p:sp>
+      <p:sp>
+        <p:nvSpPr>
+          <p:cNvPr id="6" name="Text Box 7"/>
+          <p:cNvSpPr txBox="1">
+            <a:spLocks noChangeArrowheads="1"/>
+          </p:cNvSpPr>
+          <p:nvPr/>
+        </p:nvSpPr>
+        <p:spPr bwMode="auto">
+          <a:xfrm>
+            <a:off x="0" y="6628528"/>
+            <a:ext cx="9144000" cy="246221"/>
+          </a:xfrm>
+          <a:prstGeom prst="rect">
+            <a:avLst/>
+          </a:prstGeom>
+          <a:solidFill>
+            <a:srgbClr val="000000"/>
+          </a:solidFill>
+          <a:ln w="9525">
+            <a:noFill/>
+            <a:miter lim="800000"/>
+            <a:headEnd/>
+            <a:tailEnd/>
+          </a:ln>
+          <a:effectLst/>
+        </p:spPr>
+        <p:txBody>
+          <a:bodyPr anchor="ctr" anchorCtr="1">
+            <a:spAutoFit/>
+          </a:bodyPr>
+          <a:lstStyle/>
+          <a:p>
+            <a:pPr algn="ctr">
+              <a:spcBef>
+                <a:spcPct val="50000"/>
+              </a:spcBef>
+              <a:defRPr/>
+            </a:pPr>
+            <a:r>
+              <a:rPr lang="en-US" sz="1000" b="1" dirty="0" smtClean="0">
+                <a:solidFill>
+                  <a:schemeClr val="bg1"/>
+                </a:solidFill>
+                <a:latin typeface="+mj-lt"/>
+              </a:rPr>
+              <a:t>          Tulsa</a:t>
+            </a:r>
+            <a:r>
+              <a:rPr lang="en-US" sz="1000" b="1" baseline="0" dirty="0" smtClean="0">
+                <a:solidFill>
+                  <a:schemeClr val="bg1"/>
+                </a:solidFill>
+                <a:latin typeface="+mj-lt"/>
+              </a:rPr>
+              <a:t> </a:t>
+            </a:r>
+            <a:r>
+              <a:rPr lang="en-US" sz="1000" b="1" dirty="0" smtClean="0">
+                <a:solidFill>
+                  <a:schemeClr val="bg1"/>
+                </a:solidFill>
+                <a:latin typeface="+mj-lt"/>
+              </a:rPr>
+              <a:t>TechFest 2013              </a:t>
+            </a:r>
+            <a:r>
+              <a:rPr lang="en-US" sz="1000" b="1" dirty="0">
+                <a:solidFill>
+                  <a:schemeClr val="bg1"/>
+                </a:solidFill>
+                <a:latin typeface="+mj-lt"/>
+              </a:rPr>
+              <a:t>|   </a:t>
+            </a:r>
+            <a:r>
+              <a:rPr lang="en-US" sz="1000" b="1" dirty="0" smtClean="0">
+                <a:solidFill>
+                  <a:schemeClr val="bg1"/>
+                </a:solidFill>
+                <a:latin typeface="+mj-lt"/>
+              </a:rPr>
+              <a:t>             Fri, Oct  11</a:t>
+            </a:r>
+            <a:r>
+              <a:rPr lang="en-US" sz="1000" b="1" baseline="30000" dirty="0" smtClean="0">
+                <a:solidFill>
+                  <a:schemeClr val="bg1"/>
+                </a:solidFill>
+                <a:latin typeface="+mj-lt"/>
+              </a:rPr>
+              <a:t>th</a:t>
+            </a:r>
+            <a:r>
+              <a:rPr lang="en-US" sz="1000" b="1" dirty="0">
+                <a:solidFill>
+                  <a:schemeClr val="bg1"/>
+                </a:solidFill>
+                <a:latin typeface="+mj-lt"/>
+              </a:rPr>
+              <a:t>, </a:t>
+            </a:r>
+            <a:r>
+              <a:rPr lang="en-US" sz="1000" b="1" dirty="0" smtClean="0">
+                <a:solidFill>
+                  <a:schemeClr val="bg1"/>
+                </a:solidFill>
+                <a:latin typeface="+mj-lt"/>
+              </a:rPr>
+              <a:t>2013              </a:t>
+            </a:r>
+            <a:r>
+              <a:rPr lang="en-US" sz="1000" b="1" dirty="0">
+                <a:solidFill>
+                  <a:schemeClr val="bg1"/>
+                </a:solidFill>
+                <a:latin typeface="+mj-lt"/>
+              </a:rPr>
+              <a:t>|   </a:t>
+            </a:r>
+            <a:r>
+              <a:rPr lang="en-US" sz="1000" b="1" dirty="0" smtClean="0">
+                <a:solidFill>
+                  <a:schemeClr val="bg1"/>
+                </a:solidFill>
+                <a:latin typeface="+mj-lt"/>
+              </a:rPr>
+              <a:t>             OSU - Tulsa                </a:t>
+            </a:r>
+            <a:r>
+              <a:rPr lang="en-US" sz="1000" b="1" dirty="0">
+                <a:solidFill>
+                  <a:schemeClr val="bg1"/>
+                </a:solidFill>
+                <a:latin typeface="+mj-lt"/>
+              </a:rPr>
+              <a:t>| </a:t>
+            </a:r>
+            <a:r>
+              <a:rPr lang="en-US" sz="1000" b="1" dirty="0" smtClean="0">
+                <a:solidFill>
+                  <a:schemeClr val="bg1"/>
+                </a:solidFill>
+                <a:latin typeface="+mj-lt"/>
+              </a:rPr>
+              <a:t>          57+ Speakers, 19 Tracks &amp; 78</a:t>
+            </a:r>
+            <a:r>
+              <a:rPr lang="en-US" sz="1000" b="1" baseline="0" dirty="0" smtClean="0">
+                <a:solidFill>
+                  <a:schemeClr val="bg1"/>
+                </a:solidFill>
+                <a:latin typeface="+mj-lt"/>
+              </a:rPr>
+              <a:t> Sessions!</a:t>
+            </a:r>
+            <a:r>
+              <a:rPr lang="en-US" sz="1000" b="1" dirty="0" smtClean="0">
+                <a:solidFill>
+                  <a:schemeClr val="bg1"/>
+                </a:solidFill>
+                <a:latin typeface="+mj-lt"/>
+              </a:rPr>
+              <a:t>               </a:t>
+            </a:r>
+            <a:endParaRPr lang="en-US" sz="1000" b="1" dirty="0">
+              <a:solidFill>
+                <a:schemeClr val="bg1"/>
+              </a:solidFill>
+              <a:latin typeface="+mj-lt"/>
+            </a:endParaRPr>
+          </a:p>
+        </p:txBody>
+      </p:sp>
+    </p:spTree>
+    <p:extLst>
+      <p:ext uri="{BB962C8B-B14F-4D97-AF65-F5344CB8AC3E}">
+        <p14:creationId xmlns:p14="http://schemas.microsoft.com/office/powerpoint/2010/main" val="3352183089"/>
+      </p:ext>
+    </p:extLst>
+  </p:cSld>
+  <p:clrMapOvr>
+    <a:masterClrMapping/>
+  </p:clrMapOvr>
+  <p:transition>
+    <p:fade/>
+  </p:transition>
+  <p:timing>
+    <p:tnLst>
+      <p:par>
+        <p:cTn id="1" dur="indefinite" restart="never" nodeType="tmRoot"/>
+      </p:par>
+    </p:tnLst>
+  </p:timing>
+</p:sld>
+</file>
+
+<file path=ppt/slides/slide22.xml><?xml version="1.0" encoding="utf-8"?>
+<p:sld xmlns:a="http://schemas.openxmlformats.org/drawingml/2006/main" xmlns:r="http://schemas.openxmlformats.org/officeDocument/2006/relationships" xmlns:p="http://schemas.openxmlformats.org/presentationml/2006/main">
+  <p:cSld>
+    <p:spTree>
+      <p:nvGrpSpPr>
+        <p:cNvPr id="1" name=""/>
+        <p:cNvGrpSpPr/>
+        <p:nvPr/>
+      </p:nvGrpSpPr>
+      <p:grpSpPr>
+        <a:xfrm>
+          <a:off x="0" y="0"/>
+          <a:ext cx="0" cy="0"/>
+          <a:chOff x="0" y="0"/>
+          <a:chExt cx="0" cy="0"/>
+        </a:xfrm>
+      </p:grpSpPr>
+      <p:sp>
+        <p:nvSpPr>
+          <p:cNvPr id="13" name="TextBox 12"/>
+          <p:cNvSpPr txBox="1"/>
+          <p:nvPr/>
+        </p:nvSpPr>
+        <p:spPr>
+          <a:xfrm>
+            <a:off x="4992249" y="76200"/>
+            <a:ext cx="4074911" cy="738664"/>
+          </a:xfrm>
+          <a:prstGeom prst="rect">
+            <a:avLst/>
+          </a:prstGeom>
+          <a:noFill/>
+        </p:spPr>
+        <p:txBody>
+          <a:bodyPr wrap="square" lIns="0" tIns="0" rIns="0" bIns="0" rtlCol="0">
+            <a:spAutoFit/>
+          </a:bodyPr>
+          <a:lstStyle/>
+          <a:p>
+            <a:pPr algn="ctr"/>
+            <a:r>
+              <a:rPr lang="en-US" sz="2400" b="1" dirty="0" smtClean="0">
+                <a:gradFill>
+                  <a:gsLst>
+                    <a:gs pos="0">
+                      <a:schemeClr val="tx1"/>
+                    </a:gs>
+                    <a:gs pos="86000">
+                      <a:schemeClr val="tx1"/>
+                    </a:gs>
+                  </a:gsLst>
+                  <a:lin ang="5400000" scaled="0"/>
+                </a:gradFill>
+              </a:rPr>
+              <a:t>Please help us!</a:t>
+            </a:r>
+          </a:p>
+          <a:p>
+            <a:pPr algn="ctr"/>
+            <a:r>
+              <a:rPr lang="en-US" sz="2400" b="1" dirty="0" smtClean="0">
+                <a:gradFill>
+                  <a:gsLst>
+                    <a:gs pos="0">
+                      <a:schemeClr val="tx1"/>
+                    </a:gs>
+                    <a:gs pos="86000">
+                      <a:schemeClr val="tx1"/>
+                    </a:gs>
+                  </a:gsLst>
+                  <a:lin ang="5400000" scaled="0"/>
+                </a:gradFill>
+              </a:rPr>
+              <a:t>Thank our Sponsors:</a:t>
+            </a:r>
+          </a:p>
+        </p:txBody>
+      </p:sp>
+      <p:pic>
+        <p:nvPicPr>
+          <p:cNvPr id="2" name="Picture 1"/>
+          <p:cNvPicPr>
+            <a:picLocks noChangeAspect="1"/>
+          </p:cNvPicPr>
+          <p:nvPr/>
+        </p:nvPicPr>
+        <p:blipFill>
+          <a:blip r:embed="rId3">
+            <a:extLst>
+              <a:ext uri="{28A0092B-C50C-407E-A947-70E740481C1C}">
+                <a14:useLocalDpi xmlns:a14="http://schemas.microsoft.com/office/drawing/2010/main" val="0"/>
+              </a:ext>
+            </a:extLst>
+          </a:blip>
+          <a:stretch>
+            <a:fillRect/>
+          </a:stretch>
+        </p:blipFill>
+        <p:spPr>
+          <a:xfrm>
+            <a:off x="4992249" y="914400"/>
+            <a:ext cx="3962400" cy="5715000"/>
+          </a:xfrm>
+          <a:prstGeom prst="rect">
+            <a:avLst/>
+          </a:prstGeom>
+        </p:spPr>
+      </p:pic>
+      <p:pic>
+        <p:nvPicPr>
+          <p:cNvPr id="3" name="Picture 2"/>
+          <p:cNvPicPr>
+            <a:picLocks noChangeAspect="1"/>
+          </p:cNvPicPr>
+          <p:nvPr/>
+        </p:nvPicPr>
+        <p:blipFill>
+          <a:blip r:embed="rId4">
+            <a:extLst>
+              <a:ext uri="{28A0092B-C50C-407E-A947-70E740481C1C}">
+                <a14:useLocalDpi xmlns:a14="http://schemas.microsoft.com/office/drawing/2010/main" val="0"/>
+              </a:ext>
+            </a:extLst>
+          </a:blip>
+          <a:stretch>
+            <a:fillRect/>
+          </a:stretch>
+        </p:blipFill>
+        <p:spPr>
+          <a:xfrm>
+            <a:off x="209550" y="4876800"/>
+            <a:ext cx="4457700" cy="571500"/>
+          </a:xfrm>
+          <a:prstGeom prst="rect">
+            <a:avLst/>
+          </a:prstGeom>
+        </p:spPr>
+      </p:pic>
+      <p:pic>
+        <p:nvPicPr>
+          <p:cNvPr id="4" name="Picture 3"/>
+          <p:cNvPicPr>
+            <a:picLocks noChangeAspect="1"/>
+          </p:cNvPicPr>
+          <p:nvPr/>
+        </p:nvPicPr>
+        <p:blipFill>
+          <a:blip r:embed="rId5">
+            <a:extLst>
+              <a:ext uri="{28A0092B-C50C-407E-A947-70E740481C1C}">
+                <a14:useLocalDpi xmlns:a14="http://schemas.microsoft.com/office/drawing/2010/main" val="0"/>
+              </a:ext>
+            </a:extLst>
+          </a:blip>
+          <a:stretch>
+            <a:fillRect/>
+          </a:stretch>
+        </p:blipFill>
+        <p:spPr>
+          <a:xfrm>
+            <a:off x="114300" y="914400"/>
+            <a:ext cx="4648200" cy="2974848"/>
+          </a:xfrm>
+          <a:prstGeom prst="rect">
+            <a:avLst/>
+          </a:prstGeom>
+        </p:spPr>
+      </p:pic>
+      <p:sp>
+        <p:nvSpPr>
+          <p:cNvPr id="6" name="Text Box 7"/>
+          <p:cNvSpPr txBox="1">
+            <a:spLocks noChangeArrowheads="1"/>
+          </p:cNvSpPr>
+          <p:nvPr/>
+        </p:nvSpPr>
+        <p:spPr bwMode="auto">
+          <a:xfrm>
+            <a:off x="0" y="6628528"/>
+            <a:ext cx="9144000" cy="246221"/>
+          </a:xfrm>
+          <a:prstGeom prst="rect">
+            <a:avLst/>
+          </a:prstGeom>
+          <a:solidFill>
+            <a:srgbClr val="000000"/>
+          </a:solidFill>
+          <a:ln w="9525">
+            <a:noFill/>
+            <a:miter lim="800000"/>
+            <a:headEnd/>
+            <a:tailEnd/>
+          </a:ln>
+          <a:effectLst/>
+        </p:spPr>
+        <p:txBody>
+          <a:bodyPr anchor="ctr" anchorCtr="1">
+            <a:spAutoFit/>
+          </a:bodyPr>
+          <a:lstStyle/>
+          <a:p>
+            <a:pPr algn="ctr">
+              <a:spcBef>
+                <a:spcPct val="50000"/>
+              </a:spcBef>
+              <a:defRPr/>
+            </a:pPr>
+            <a:r>
+              <a:rPr lang="en-US" sz="1000" b="1" dirty="0" smtClean="0">
+                <a:solidFill>
+                  <a:schemeClr val="bg1"/>
+                </a:solidFill>
+                <a:latin typeface="+mj-lt"/>
+              </a:rPr>
+              <a:t>          Tulsa</a:t>
+            </a:r>
+            <a:r>
+              <a:rPr lang="en-US" sz="1000" b="1" baseline="0" dirty="0" smtClean="0">
+                <a:solidFill>
+                  <a:schemeClr val="bg1"/>
+                </a:solidFill>
+                <a:latin typeface="+mj-lt"/>
+              </a:rPr>
+              <a:t> </a:t>
+            </a:r>
+            <a:r>
+              <a:rPr lang="en-US" sz="1000" b="1" dirty="0" smtClean="0">
+                <a:solidFill>
+                  <a:schemeClr val="bg1"/>
+                </a:solidFill>
+                <a:latin typeface="+mj-lt"/>
+              </a:rPr>
+              <a:t>TechFest 2013              </a:t>
+            </a:r>
+            <a:r>
+              <a:rPr lang="en-US" sz="1000" b="1" dirty="0">
+                <a:solidFill>
+                  <a:schemeClr val="bg1"/>
+                </a:solidFill>
+                <a:latin typeface="+mj-lt"/>
+              </a:rPr>
+              <a:t>|   </a:t>
+            </a:r>
+            <a:r>
+              <a:rPr lang="en-US" sz="1000" b="1" dirty="0" smtClean="0">
+                <a:solidFill>
+                  <a:schemeClr val="bg1"/>
+                </a:solidFill>
+                <a:latin typeface="+mj-lt"/>
+              </a:rPr>
+              <a:t>             Fri, Oct  11</a:t>
+            </a:r>
+            <a:r>
+              <a:rPr lang="en-US" sz="1000" b="1" baseline="30000" dirty="0" smtClean="0">
+                <a:solidFill>
+                  <a:schemeClr val="bg1"/>
+                </a:solidFill>
+                <a:latin typeface="+mj-lt"/>
+              </a:rPr>
+              <a:t>th</a:t>
+            </a:r>
+            <a:r>
+              <a:rPr lang="en-US" sz="1000" b="1" dirty="0">
+                <a:solidFill>
+                  <a:schemeClr val="bg1"/>
+                </a:solidFill>
+                <a:latin typeface="+mj-lt"/>
+              </a:rPr>
+              <a:t>, </a:t>
+            </a:r>
+            <a:r>
+              <a:rPr lang="en-US" sz="1000" b="1" dirty="0" smtClean="0">
+                <a:solidFill>
+                  <a:schemeClr val="bg1"/>
+                </a:solidFill>
+                <a:latin typeface="+mj-lt"/>
+              </a:rPr>
+              <a:t>2013              </a:t>
+            </a:r>
+            <a:r>
+              <a:rPr lang="en-US" sz="1000" b="1" dirty="0">
+                <a:solidFill>
+                  <a:schemeClr val="bg1"/>
+                </a:solidFill>
+                <a:latin typeface="+mj-lt"/>
+              </a:rPr>
+              <a:t>|   </a:t>
+            </a:r>
+            <a:r>
+              <a:rPr lang="en-US" sz="1000" b="1" dirty="0" smtClean="0">
+                <a:solidFill>
+                  <a:schemeClr val="bg1"/>
+                </a:solidFill>
+                <a:latin typeface="+mj-lt"/>
+              </a:rPr>
+              <a:t>             OSU - Tulsa                </a:t>
+            </a:r>
+            <a:r>
+              <a:rPr lang="en-US" sz="1000" b="1" dirty="0">
+                <a:solidFill>
+                  <a:schemeClr val="bg1"/>
+                </a:solidFill>
+                <a:latin typeface="+mj-lt"/>
+              </a:rPr>
+              <a:t>| </a:t>
+            </a:r>
+            <a:r>
+              <a:rPr lang="en-US" sz="1000" b="1" dirty="0" smtClean="0">
+                <a:solidFill>
+                  <a:schemeClr val="bg1"/>
+                </a:solidFill>
+                <a:latin typeface="+mj-lt"/>
+              </a:rPr>
+              <a:t>          57+ Speakers, 19 Tracks &amp; 78</a:t>
+            </a:r>
+            <a:r>
+              <a:rPr lang="en-US" sz="1000" b="1" baseline="0" dirty="0" smtClean="0">
+                <a:solidFill>
+                  <a:schemeClr val="bg1"/>
+                </a:solidFill>
+                <a:latin typeface="+mj-lt"/>
+              </a:rPr>
+              <a:t> Sessions!</a:t>
+            </a:r>
+            <a:r>
+              <a:rPr lang="en-US" sz="1000" b="1" dirty="0" smtClean="0">
+                <a:solidFill>
+                  <a:schemeClr val="bg1"/>
+                </a:solidFill>
+                <a:latin typeface="+mj-lt"/>
+              </a:rPr>
+              <a:t>               </a:t>
+            </a:r>
+            <a:endParaRPr lang="en-US" sz="1000" b="1" dirty="0">
+              <a:solidFill>
+                <a:schemeClr val="bg1"/>
+              </a:solidFill>
+              <a:latin typeface="+mj-lt"/>
+            </a:endParaRPr>
+          </a:p>
+        </p:txBody>
+      </p:sp>
+    </p:spTree>
+    <p:extLst>
+      <p:ext uri="{BB962C8B-B14F-4D97-AF65-F5344CB8AC3E}">
+        <p14:creationId xmlns:p14="http://schemas.microsoft.com/office/powerpoint/2010/main" val="2662894270"/>
+      </p:ext>
+    </p:extLst>
+  </p:cSld>
+  <p:clrMapOvr>
+    <a:masterClrMapping/>
+  </p:clrMapOvr>
+  <p:transition>
+    <p:fade/>
+  </p:transition>
   <p:timing>
     <p:tnLst>
       <p:par>
@@ -14269,8 +12504,27 @@
           </a:p>
           <a:p>
             <a:r>
+              <a:rPr lang="en-US" dirty="0" err="1" smtClean="0"/>
+              <a:t>Wijmo</a:t>
+            </a:r>
+            <a:r>
               <a:rPr lang="en-US" dirty="0" smtClean="0"/>
-              <a:t>More to be announced…</a:t>
+              <a:t> by </a:t>
+            </a:r>
+            <a:r>
+              <a:rPr lang="en-US" dirty="0" err="1" smtClean="0"/>
+              <a:t>ComponentOne</a:t>
+            </a:r>
+            <a:endParaRPr lang="en-US" dirty="0" smtClean="0"/>
+          </a:p>
+          <a:p>
+            <a:r>
+              <a:rPr lang="en-US" dirty="0" smtClean="0"/>
+              <a:t>More </a:t>
+            </a:r>
+            <a:r>
+              <a:rPr lang="en-US" dirty="0" smtClean="0"/>
+              <a:t>to be announced…</a:t>
             </a:r>
           </a:p>
           <a:p>
@@ -14997,289 +13251,4 @@
   <a:objectDefaults/>
   <a:extraClrSchemeLst/>
 </a:theme>
-</file>
-
-<file path=ppt/theme/theme3.xml><?xml version="1.0" encoding="utf-8"?>
-<a:theme xmlns:a="http://schemas.openxmlformats.org/drawingml/2006/main" name="Office Theme">
-  <a:themeElements>
-    <a:clrScheme name="Office">
-      <a:dk1>
-        <a:sysClr val="windowText" lastClr="000000"/>
-      </a:dk1>
-      <a:lt1>
-        <a:sysClr val="window" lastClr="FFFFFF"/>
-      </a:lt1>
-      <a:dk2>
-        <a:srgbClr val="1F497D"/>
-      </a:dk2>
-      <a:lt2>
-        <a:srgbClr val="EEECE1"/>
-      </a:lt2>
-      <a:accent1>
-        <a:srgbClr val="4F81BD"/>
-      </a:accent1>
-      <a:accent2>
-        <a:srgbClr val="C0504D"/>
-      </a:accent2>
-      <a:accent3>
-        <a:srgbClr val="9BBB59"/>
-      </a:accent3>
-      <a:accent4>
-        <a:srgbClr val="8064A2"/>
-      </a:accent4>
-      <a:accent5>
-        <a:srgbClr val="4BACC6"/>
-      </a:accent5>
-      <a:accent6>
-        <a:srgbClr val="F79646"/>
-      </a:accent6>
-      <a:hlink>
-        <a:srgbClr val="0000FF"/>
-      </a:hlink>
-      <a:folHlink>
-        <a:srgbClr val="800080"/>
-      </a:folHlink>
-    </a:clrScheme>
-    <a:fontScheme name="Office">
-      <a:majorFont>
-        <a:latin typeface="Calibri"/>
-        <a:ea typeface=""/>
-        <a:cs typeface=""/>
-        <a:font script="Jpan" typeface="ＭＳ Ｐゴシック"/>
-        <a:font script="Hang" typeface="맑은 고딕"/>
-        <a:font script="Hans" typeface="宋体"/>
-        <a:font script="Hant" typeface="新細明體"/>
-        <a:font script="Arab" typeface="Times New Roman"/>
-        <a:font script="Hebr" typeface="Times New Roman"/>
-        <a:font script="Thai" typeface="Angsana New"/>
-        <a:font script="Ethi" typeface="Nyala"/>
-        <a:font script="Beng" typeface="Vrinda"/>
-        <a:font script="Gujr" typeface="Shruti"/>
-        <a:font script="Khmr" typeface="MoolBoran"/>
-        <a:font script="Knda" typeface="Tunga"/>
-        <a:font script="Guru" typeface="Raavi"/>
-        <a:font script="Cans" typeface="Euphemia"/>
-        <a:font script="Cher" typeface="Plantagenet Cherokee"/>
-        <a:font script="Yiii" typeface="Microsoft Yi Baiti"/>
-        <a:font script="Tibt" typeface="Microsoft Himalaya"/>
-        <a:font script="Thaa" typeface="MV Boli"/>
-        <a:font script="Deva" typeface="Mangal"/>
-        <a:font script="Telu" typeface="Gautami"/>
-        <a:font script="Taml" typeface="Latha"/>
-        <a:font script="Syrc" typeface="Estrangelo Edessa"/>
-        <a:font script="Orya" typeface="Kalinga"/>
-        <a:font script="Mlym" typeface="Kartika"/>
-        <a:font script="Laoo" typeface="DokChampa"/>
-        <a:font script="Sinh" typeface="Iskoola Pota"/>
-        <a:font script="Mong" typeface="Mongolian Baiti"/>
-        <a:font script="Viet" typeface="Times New Roman"/>
-        <a:font script="Uigh" typeface="Microsoft Uighur"/>
-        <a:font script="Geor" typeface="Sylfaen"/>
-      </a:majorFont>
-      <a:minorFont>
-        <a:latin typeface="Calibri"/>
-        <a:ea typeface=""/>
-        <a:cs typeface=""/>
-        <a:font script="Jpan" typeface="ＭＳ Ｐゴシック"/>
-        <a:font script="Hang" typeface="맑은 고딕"/>
-        <a:font script="Hans" typeface="宋体"/>
-        <a:font script="Hant" typeface="新細明體"/>
-        <a:font script="Arab" typeface="Arial"/>
-        <a:font script="Hebr" typeface="Arial"/>
-        <a:font script="Thai" typeface="Cordia New"/>
-        <a:font script="Ethi" typeface="Nyala"/>
-        <a:font script="Beng" typeface="Vrinda"/>
-        <a:font script="Gujr" typeface="Shruti"/>
-        <a:font script="Khmr" typeface="DaunPenh"/>
-        <a:font script="Knda" typeface="Tunga"/>
-        <a:font script="Guru" typeface="Raavi"/>
-        <a:font script="Cans" typeface="Euphemia"/>
-        <a:font script="Cher" typeface="Plantagenet Cherokee"/>
-        <a:font script="Yiii" typeface="Microsoft Yi Baiti"/>
-        <a:font script="Tibt" typeface="Microsoft Himalaya"/>
-        <a:font script="Thaa" typeface="MV Boli"/>
-        <a:font script="Deva" typeface="Mangal"/>
-        <a:font script="Telu" typeface="Gautami"/>
-        <a:font script="Taml" typeface="Latha"/>
-        <a:font script="Syrc" typeface="Estrangelo Edessa"/>
-        <a:font script="Orya" typeface="Kalinga"/>
-        <a:font script="Mlym" typeface="Kartika"/>
-        <a:font script="Laoo" typeface="DokChampa"/>
-        <a:font script="Sinh" typeface="Iskoola Pota"/>
-        <a:font script="Mong" typeface="Mongolian Baiti"/>
-        <a:font script="Viet" typeface="Arial"/>
-        <a:font script="Uigh" typeface="Microsoft Uighur"/>
-        <a:font script="Geor" typeface="Sylfaen"/>
-      </a:minorFont>
-    </a:fontScheme>
-    <a:fmtScheme name="Office">
-      <a:fillStyleLst>
-        <a:solidFill>
-          <a:schemeClr val="phClr"/>
-        </a:solidFill>
-        <a:gradFill rotWithShape="1">
-          <a:gsLst>
-            <a:gs pos="0">
-              <a:schemeClr val="phClr">
-                <a:tint val="50000"/>
-                <a:satMod val="300000"/>
-              </a:schemeClr>
-            </a:gs>
-            <a:gs pos="35000">
-              <a:schemeClr val="phClr">
-                <a:tint val="37000"/>
-                <a:satMod val="300000"/>
-              </a:schemeClr>
-            </a:gs>
-            <a:gs pos="100000">
-              <a:schemeClr val="phClr">
-                <a:tint val="15000"/>
-                <a:satMod val="350000"/>
-              </a:schemeClr>
-            </a:gs>
-          </a:gsLst>
-          <a:lin ang="16200000" scaled="1"/>
-        </a:gradFill>
-        <a:gradFill rotWithShape="1">
-          <a:gsLst>
-            <a:gs pos="0">
-              <a:schemeClr val="phClr">
-                <a:shade val="51000"/>
-                <a:satMod val="130000"/>
-              </a:schemeClr>
-            </a:gs>
-            <a:gs pos="80000">
-              <a:schemeClr val="phClr">
-                <a:shade val="93000"/>
-                <a:satMod val="130000"/>
-              </a:schemeClr>
-            </a:gs>
-            <a:gs pos="100000">
-              <a:schemeClr val="phClr">
-                <a:shade val="94000"/>
-                <a:satMod val="135000"/>
-              </a:schemeClr>
-            </a:gs>
-          </a:gsLst>
-          <a:lin ang="16200000" scaled="0"/>
-        </a:gradFill>
-      </a:fillStyleLst>
-      <a:lnStyleLst>
-        <a:ln w="9525" cap="flat" cmpd="sng" algn="ctr">
-          <a:solidFill>
-            <a:schemeClr val="phClr">
-              <a:shade val="95000"/>
-              <a:satMod val="105000"/>
-            </a:schemeClr>
-          </a:solidFill>
-          <a:prstDash val="solid"/>
-        </a:ln>
-        <a:ln w="25400" cap="flat" cmpd="sng" algn="ctr">
-          <a:solidFill>
-            <a:schemeClr val="phClr"/>
-          </a:solidFill>
-          <a:prstDash val="solid"/>
-        </a:ln>
-        <a:ln w="38100" cap="flat" cmpd="sng" algn="ctr">
-          <a:solidFill>
-            <a:schemeClr val="phClr"/>
-          </a:solidFill>
-          <a:prstDash val="solid"/>
-        </a:ln>
-      </a:lnStyleLst>
-      <a:effectStyleLst>
-        <a:effectStyle>
-          <a:effectLst>
-            <a:outerShdw blurRad="40000" dist="20000" dir="5400000" rotWithShape="0">
-              <a:srgbClr val="000000">
-                <a:alpha val="38000"/>
-              </a:srgbClr>
-            </a:outerShdw>
-          </a:effectLst>
-        </a:effectStyle>
-        <a:effectStyle>
-          <a:effectLst>
-            <a:outerShdw blurRad="40000" dist="23000" dir="5400000" rotWithShape="0">
-              <a:srgbClr val="000000">
-                <a:alpha val="35000"/>
-              </a:srgbClr>
-            </a:outerShdw>
-          </a:effectLst>
-        </a:effectStyle>
-        <a:effectStyle>
-          <a:effectLst>
-            <a:outerShdw blurRad="40000" dist="23000" dir="5400000" rotWithShape="0">
-              <a:srgbClr val="000000">
-                <a:alpha val="35000"/>
-              </a:srgbClr>
-            </a:outerShdw>
-          </a:effectLst>
-          <a:scene3d>
-            <a:camera prst="orthographicFront">
-              <a:rot lat="0" lon="0" rev="0"/>
-            </a:camera>
-            <a:lightRig rig="threePt" dir="t">
-              <a:rot lat="0" lon="0" rev="1200000"/>
-            </a:lightRig>
-          </a:scene3d>
-          <a:sp3d>
-            <a:bevelT w="63500" h="25400"/>
-          </a:sp3d>
-        </a:effectStyle>
-      </a:effectStyleLst>
-      <a:bgFillStyleLst>
-        <a:solidFill>
-          <a:schemeClr val="phClr"/>
-        </a:solidFill>
-        <a:gradFill rotWithShape="1">
-          <a:gsLst>
-            <a:gs pos="0">
-              <a:schemeClr val="phClr">
-                <a:tint val="40000"/>
-                <a:satMod val="350000"/>
-              </a:schemeClr>
-            </a:gs>
-            <a:gs pos="40000">
-              <a:schemeClr val="phClr">
-                <a:tint val="45000"/>
-                <a:shade val="99000"/>
-                <a:satMod val="350000"/>
-              </a:schemeClr>
-            </a:gs>
-            <a:gs pos="100000">
-              <a:schemeClr val="phClr">
-                <a:shade val="20000"/>
-                <a:satMod val="255000"/>
-              </a:schemeClr>
-            </a:gs>
-          </a:gsLst>
-          <a:path path="circle">
-            <a:fillToRect l="50000" t="-80000" r="50000" b="180000"/>
-          </a:path>
-        </a:gradFill>
-        <a:gradFill rotWithShape="1">
-          <a:gsLst>
-            <a:gs pos="0">
-              <a:schemeClr val="phClr">
-                <a:tint val="80000"/>
-                <a:satMod val="300000"/>
-              </a:schemeClr>
-            </a:gs>
-            <a:gs pos="100000">
-              <a:schemeClr val="phClr">
-                <a:shade val="30000"/>
-                <a:satMod val="200000"/>
-              </a:schemeClr>
-            </a:gs>
-          </a:gsLst>
-          <a:path path="circle">
-            <a:fillToRect l="50000" t="50000" r="50000" b="50000"/>
-          </a:path>
-        </a:gradFill>
-      </a:bgFillStyleLst>
-    </a:fmtScheme>
-  </a:themeElements>
-  <a:objectDefaults/>
-  <a:extraClrSchemeLst/>
-</a:theme>
 </file>
--- a/20131010_TypeScript.pptx
+++ b/20131010_TypeScript.pptx
@@ -588,7 +588,7 @@
             <a:fld id="{81331B57-0BE5-4F82-AA58-76F53EFF3ADA}" type="datetime8">
               <a:rPr lang="en-US" smtClean="0"/>
               <a:pPr/>
-              <a:t>10/10/2013 9:10 PM</a:t>
+              <a:t>10/10/2013 9:24 PM</a:t>
             </a:fld>
             <a:endParaRPr lang="en-US" dirty="0"/>
           </a:p>
@@ -1778,7 +1778,7 @@
           </a:ln>
           <a:extLst>
             <a:ext uri="{91240B29-F687-4f45-9708-019B960494DF}">
-              <a14:hiddenLine xmlns:a14="http://schemas.microsoft.com/office/drawing/2010/main" xmlns="" w="9525">
+              <a14:hiddenLine xmlns="" xmlns:a14="http://schemas.microsoft.com/office/drawing/2010/main" w="9525">
                 <a:solidFill>
                   <a:srgbClr val="000000"/>
                 </a:solidFill>
@@ -1833,7 +1833,7 @@
           </a:ln>
           <a:extLst>
             <a:ext uri="{91240B29-F687-4f45-9708-019B960494DF}">
-              <a14:hiddenLine xmlns:a14="http://schemas.microsoft.com/office/drawing/2010/main" xmlns="" w="9525">
+              <a14:hiddenLine xmlns="" xmlns:a14="http://schemas.microsoft.com/office/drawing/2010/main" w="9525">
                 <a:solidFill>
                   <a:srgbClr val="000000"/>
                 </a:solidFill>
@@ -8218,7 +8218,9 @@
         </p:nvSpPr>
         <p:spPr/>
         <p:txBody>
-          <a:bodyPr/>
+          <a:bodyPr>
+            <a:normAutofit lnSpcReduction="10000"/>
+          </a:bodyPr>
           <a:lstStyle/>
           <a:p>
             <a:pPr marL="457200" indent="-457200">
@@ -8259,22 +8261,22 @@
               <a:buAutoNum type="arabicPeriod"/>
             </a:pPr>
             <a:r>
-              <a:rPr lang="en-US" dirty="0"/>
+              <a:rPr lang="en-US" strike="sngStrike" dirty="0"/>
               <a:t>Web Essentials - </a:t>
             </a:r>
             <a:r>
-              <a:rPr lang="en-US" dirty="0">
+              <a:rPr lang="en-US" strike="sngStrike" dirty="0">
                 <a:hlinkClick r:id="rId3"/>
               </a:rPr>
               <a:t>http://</a:t>
             </a:r>
             <a:r>
-              <a:rPr lang="en-US" dirty="0" smtClean="0">
+              <a:rPr lang="en-US" strike="sngStrike" dirty="0" smtClean="0">
                 <a:hlinkClick r:id="rId3"/>
               </a:rPr>
               <a:t>visualstudiogallery.msdn.microsoft.com/07d54d12-7133-4e15-becb-6f451ea3bea6</a:t>
             </a:r>
-            <a:endParaRPr lang="en-US" dirty="0" smtClean="0"/>
+            <a:endParaRPr lang="en-US" strike="sngStrike" dirty="0" smtClean="0"/>
           </a:p>
           <a:p>
             <a:pPr marL="914400" lvl="1" indent="-457200">
@@ -8282,23 +8284,23 @@
               <a:buAutoNum type="arabicPeriod"/>
             </a:pPr>
             <a:r>
-              <a:rPr lang="en-US" dirty="0" smtClean="0"/>
+              <a:rPr lang="en-US" strike="sngStrike" dirty="0" smtClean="0"/>
               <a:t>Side by side view .</a:t>
             </a:r>
             <a:r>
-              <a:rPr lang="en-US" dirty="0" err="1" smtClean="0"/>
+              <a:rPr lang="en-US" strike="sngStrike" dirty="0" err="1" smtClean="0"/>
               <a:t>ts</a:t>
             </a:r>
             <a:r>
-              <a:rPr lang="en-US" dirty="0" smtClean="0"/>
+              <a:rPr lang="en-US" strike="sngStrike" dirty="0" smtClean="0"/>
               <a:t> and .</a:t>
             </a:r>
             <a:r>
-              <a:rPr lang="en-US" dirty="0" err="1" smtClean="0"/>
+              <a:rPr lang="en-US" strike="sngStrike" dirty="0" err="1" smtClean="0"/>
               <a:t>js</a:t>
             </a:r>
             <a:r>
-              <a:rPr lang="en-US" dirty="0" smtClean="0"/>
+              <a:rPr lang="en-US" strike="sngStrike" dirty="0" smtClean="0"/>
               <a:t> files</a:t>
             </a:r>
           </a:p>
@@ -8308,15 +8310,15 @@
               <a:buAutoNum type="arabicPeriod"/>
             </a:pPr>
             <a:r>
-              <a:rPr lang="en-US" dirty="0" smtClean="0"/>
+              <a:rPr lang="en-US" strike="sngStrike" dirty="0" smtClean="0"/>
               <a:t>Regions in your .</a:t>
             </a:r>
             <a:r>
-              <a:rPr lang="en-US" dirty="0" err="1" smtClean="0"/>
+              <a:rPr lang="en-US" strike="sngStrike" dirty="0" err="1" smtClean="0"/>
               <a:t>ts</a:t>
             </a:r>
             <a:r>
-              <a:rPr lang="en-US" dirty="0" smtClean="0"/>
+              <a:rPr lang="en-US" strike="sngStrike" dirty="0" smtClean="0"/>
               <a:t> files</a:t>
             </a:r>
           </a:p>
@@ -8326,7 +8328,7 @@
               <a:buAutoNum type="arabicPeriod"/>
             </a:pPr>
             <a:r>
-              <a:rPr lang="en-US" dirty="0" smtClean="0"/>
+              <a:rPr lang="en-US" strike="sngStrike" dirty="0" smtClean="0"/>
               <a:t>Source maps (for debugging in the browser)</a:t>
             </a:r>
           </a:p>
@@ -8336,15 +8338,44 @@
               <a:buAutoNum type="arabicPeriod"/>
             </a:pPr>
             <a:r>
-              <a:rPr lang="en-US" dirty="0" err="1" smtClean="0"/>
+              <a:rPr lang="en-US" strike="sngStrike" dirty="0" err="1" smtClean="0"/>
               <a:t>Minification</a:t>
             </a:r>
+            <a:endParaRPr lang="en-US" strike="sngStrike" dirty="0"/>
+          </a:p>
+          <a:p>
+            <a:pPr marL="457200" lvl="1" indent="0">
+              <a:buNone/>
+            </a:pPr>
+            <a:endParaRPr lang="en-US" strike="sngStrike" dirty="0"/>
+          </a:p>
+          <a:p>
+            <a:pPr marL="457200" lvl="1" indent="0">
+              <a:buNone/>
+            </a:pPr>
+            <a:r>
+              <a:rPr lang="en-US" dirty="0" smtClean="0">
+                <a:hlinkClick r:id="rId4"/>
+              </a:rPr>
+              <a:t>http</a:t>
+            </a:r>
+            <a:r>
+              <a:rPr lang="en-US" dirty="0">
+                <a:hlinkClick r:id="rId4"/>
+              </a:rPr>
+              <a:t>://</a:t>
+            </a:r>
+            <a:r>
+              <a:rPr lang="en-US" dirty="0" smtClean="0">
+                <a:hlinkClick r:id="rId4"/>
+              </a:rPr>
+              <a:t>madskristensen.net/post/Web-Essentials-2013-Where-is-the-TypeScript-support</a:t>
+            </a:r>
             <a:endParaRPr lang="en-US" dirty="0" smtClean="0"/>
           </a:p>
           <a:p>
-            <a:pPr marL="914400" lvl="1" indent="-457200">
-              <a:buFont typeface="+mj-lt"/>
-              <a:buAutoNum type="arabicPeriod"/>
+            <a:pPr marL="457200" lvl="1" indent="0">
+              <a:buNone/>
             </a:pPr>
             <a:endParaRPr lang="en-US" dirty="0"/>
           </a:p>
@@ -12520,11 +12551,7 @@
           <a:p>
             <a:r>
               <a:rPr lang="en-US" dirty="0" smtClean="0"/>
-              <a:t>More </a:t>
-            </a:r>
-            <a:r>
-              <a:rPr lang="en-US" dirty="0" smtClean="0"/>
-              <a:t>to be announced…</a:t>
+              <a:t>More to be announced…</a:t>
             </a:r>
           </a:p>
           <a:p>
